--- a/Document/Mockup.pptx
+++ b/Document/Mockup.pptx
@@ -9,10 +9,12 @@
     <p:sldId id="261" r:id="rId3"/>
     <p:sldId id="262" r:id="rId4"/>
     <p:sldId id="263" r:id="rId5"/>
-    <p:sldId id="260" r:id="rId6"/>
-    <p:sldId id="257" r:id="rId7"/>
-    <p:sldId id="258" r:id="rId8"/>
-    <p:sldId id="259" r:id="rId9"/>
+    <p:sldId id="265" r:id="rId6"/>
+    <p:sldId id="260" r:id="rId7"/>
+    <p:sldId id="257" r:id="rId8"/>
+    <p:sldId id="258" r:id="rId9"/>
+    <p:sldId id="259" r:id="rId10"/>
+    <p:sldId id="264" r:id="rId11"/>
   </p:sldIdLst>
   <p:sldSz cx="12192000" cy="6858000"/>
   <p:notesSz cx="6858000" cy="9144000"/>
@@ -122,7 +124,7 @@
 <file path=ppt/revisionInfo.xml><?xml version="1.0" encoding="utf-8"?>
 <p1510:revInfo xmlns:a="http://schemas.openxmlformats.org/drawingml/2006/main" xmlns:r="http://schemas.openxmlformats.org/officeDocument/2006/relationships" xmlns:p1510="http://schemas.microsoft.com/office/powerpoint/2015/10/main">
   <p1510:revLst>
-    <p1510:client id="{B678D3FE-ED07-4F55-8937-B5A652B91500}" v="92" dt="2024-05-17T11:39:54.134"/>
+    <p1510:client id="{E5B87BED-3C56-4CFB-AFC0-08C32E9EAE67}" v="31" dt="2024-06-20T09:36:26.029"/>
   </p1510:revLst>
 </p1510:revInfo>
 </file>
@@ -1483,6 +1485,1119 @@
             <pc:docMk/>
             <pc:sldMk cId="1941931827" sldId="263"/>
             <ac:spMk id="17" creationId="{526F7018-EB19-86C5-CD08-EC63ADBEF90E}"/>
+          </ac:spMkLst>
+        </pc:spChg>
+      </pc:sldChg>
+    </pc:docChg>
+  </pc:docChgLst>
+  <pc:docChgLst>
+    <pc:chgData name="Dylan Lopez" userId="5f194778-9b51-44e4-ad6e-d1be1be42ca9" providerId="ADAL" clId="{E5B87BED-3C56-4CFB-AFC0-08C32E9EAE67}"/>
+    <pc:docChg chg="undo custSel addSld modSld">
+      <pc:chgData name="Dylan Lopez" userId="5f194778-9b51-44e4-ad6e-d1be1be42ca9" providerId="ADAL" clId="{E5B87BED-3C56-4CFB-AFC0-08C32E9EAE67}" dt="2024-06-20T09:36:34.563" v="236" actId="313"/>
+      <pc:docMkLst>
+        <pc:docMk/>
+      </pc:docMkLst>
+      <pc:sldChg chg="addSp delSp modSp mod">
+        <pc:chgData name="Dylan Lopez" userId="5f194778-9b51-44e4-ad6e-d1be1be42ca9" providerId="ADAL" clId="{E5B87BED-3C56-4CFB-AFC0-08C32E9EAE67}" dt="2024-06-20T09:21:11.759" v="43" actId="208"/>
+        <pc:sldMkLst>
+          <pc:docMk/>
+          <pc:sldMk cId="1697065118" sldId="257"/>
+        </pc:sldMkLst>
+        <pc:spChg chg="add mod">
+          <ac:chgData name="Dylan Lopez" userId="5f194778-9b51-44e4-ad6e-d1be1be42ca9" providerId="ADAL" clId="{E5B87BED-3C56-4CFB-AFC0-08C32E9EAE67}" dt="2024-06-20T09:21:07.650" v="42" actId="208"/>
+          <ac:spMkLst>
+            <pc:docMk/>
+            <pc:sldMk cId="1697065118" sldId="257"/>
+            <ac:spMk id="2" creationId="{2E0FE806-17BE-9224-B60C-194D07B2CCBA}"/>
+          </ac:spMkLst>
+        </pc:spChg>
+        <pc:spChg chg="add mod">
+          <ac:chgData name="Dylan Lopez" userId="5f194778-9b51-44e4-ad6e-d1be1be42ca9" providerId="ADAL" clId="{E5B87BED-3C56-4CFB-AFC0-08C32E9EAE67}" dt="2024-06-20T09:21:11.759" v="43" actId="208"/>
+          <ac:spMkLst>
+            <pc:docMk/>
+            <pc:sldMk cId="1697065118" sldId="257"/>
+            <ac:spMk id="3" creationId="{78BA5131-61A1-54DB-BD50-7475CDAA3960}"/>
+          </ac:spMkLst>
+        </pc:spChg>
+        <pc:spChg chg="add mod">
+          <ac:chgData name="Dylan Lopez" userId="5f194778-9b51-44e4-ad6e-d1be1be42ca9" providerId="ADAL" clId="{E5B87BED-3C56-4CFB-AFC0-08C32E9EAE67}" dt="2024-06-20T09:20:53.633" v="41"/>
+          <ac:spMkLst>
+            <pc:docMk/>
+            <pc:sldMk cId="1697065118" sldId="257"/>
+            <ac:spMk id="5" creationId="{B7F71538-F592-26F2-4936-0880A0C94960}"/>
+          </ac:spMkLst>
+        </pc:spChg>
+        <pc:spChg chg="add mod">
+          <ac:chgData name="Dylan Lopez" userId="5f194778-9b51-44e4-ad6e-d1be1be42ca9" providerId="ADAL" clId="{E5B87BED-3C56-4CFB-AFC0-08C32E9EAE67}" dt="2024-06-20T09:20:53.633" v="41"/>
+          <ac:spMkLst>
+            <pc:docMk/>
+            <pc:sldMk cId="1697065118" sldId="257"/>
+            <ac:spMk id="6" creationId="{7893A921-5112-A3C1-6C5E-A0D57926B124}"/>
+          </ac:spMkLst>
+        </pc:spChg>
+        <pc:spChg chg="del">
+          <ac:chgData name="Dylan Lopez" userId="5f194778-9b51-44e4-ad6e-d1be1be42ca9" providerId="ADAL" clId="{E5B87BED-3C56-4CFB-AFC0-08C32E9EAE67}" dt="2024-06-20T09:20:53.248" v="40" actId="478"/>
+          <ac:spMkLst>
+            <pc:docMk/>
+            <pc:sldMk cId="1697065118" sldId="257"/>
+            <ac:spMk id="7" creationId="{CB51EB11-D401-1995-38A8-E97C5BD7C1AE}"/>
+          </ac:spMkLst>
+        </pc:spChg>
+        <pc:spChg chg="del">
+          <ac:chgData name="Dylan Lopez" userId="5f194778-9b51-44e4-ad6e-d1be1be42ca9" providerId="ADAL" clId="{E5B87BED-3C56-4CFB-AFC0-08C32E9EAE67}" dt="2024-06-20T09:20:53.248" v="40" actId="478"/>
+          <ac:spMkLst>
+            <pc:docMk/>
+            <pc:sldMk cId="1697065118" sldId="257"/>
+            <ac:spMk id="8" creationId="{78150E4D-41E2-32CB-F530-C198B3B9BFF3}"/>
+          </ac:spMkLst>
+        </pc:spChg>
+        <pc:spChg chg="del">
+          <ac:chgData name="Dylan Lopez" userId="5f194778-9b51-44e4-ad6e-d1be1be42ca9" providerId="ADAL" clId="{E5B87BED-3C56-4CFB-AFC0-08C32E9EAE67}" dt="2024-06-20T09:20:53.248" v="40" actId="478"/>
+          <ac:spMkLst>
+            <pc:docMk/>
+            <pc:sldMk cId="1697065118" sldId="257"/>
+            <ac:spMk id="9" creationId="{92BE5734-3289-3CD2-CC01-D1DC064F6AEE}"/>
+          </ac:spMkLst>
+        </pc:spChg>
+        <pc:spChg chg="del">
+          <ac:chgData name="Dylan Lopez" userId="5f194778-9b51-44e4-ad6e-d1be1be42ca9" providerId="ADAL" clId="{E5B87BED-3C56-4CFB-AFC0-08C32E9EAE67}" dt="2024-06-20T09:20:53.248" v="40" actId="478"/>
+          <ac:spMkLst>
+            <pc:docMk/>
+            <pc:sldMk cId="1697065118" sldId="257"/>
+            <ac:spMk id="10" creationId="{1FE9B45A-B754-CB2A-F302-FDECE6EEDED1}"/>
+          </ac:spMkLst>
+        </pc:spChg>
+        <pc:spChg chg="add mod">
+          <ac:chgData name="Dylan Lopez" userId="5f194778-9b51-44e4-ad6e-d1be1be42ca9" providerId="ADAL" clId="{E5B87BED-3C56-4CFB-AFC0-08C32E9EAE67}" dt="2024-06-20T09:20:53.633" v="41"/>
+          <ac:spMkLst>
+            <pc:docMk/>
+            <pc:sldMk cId="1697065118" sldId="257"/>
+            <ac:spMk id="14" creationId="{2C8A9F99-2E23-AEAE-CBAA-92BE69837EED}"/>
+          </ac:spMkLst>
+        </pc:spChg>
+        <pc:spChg chg="add mod">
+          <ac:chgData name="Dylan Lopez" userId="5f194778-9b51-44e4-ad6e-d1be1be42ca9" providerId="ADAL" clId="{E5B87BED-3C56-4CFB-AFC0-08C32E9EAE67}" dt="2024-06-20T09:20:53.633" v="41"/>
+          <ac:spMkLst>
+            <pc:docMk/>
+            <pc:sldMk cId="1697065118" sldId="257"/>
+            <ac:spMk id="17" creationId="{EC53D202-91A5-9CE6-D2DB-880783DF7354}"/>
+          </ac:spMkLst>
+        </pc:spChg>
+      </pc:sldChg>
+      <pc:sldChg chg="addSp delSp modSp mod">
+        <pc:chgData name="Dylan Lopez" userId="5f194778-9b51-44e4-ad6e-d1be1be42ca9" providerId="ADAL" clId="{E5B87BED-3C56-4CFB-AFC0-08C32E9EAE67}" dt="2024-06-20T09:25:00.593" v="105" actId="208"/>
+        <pc:sldMkLst>
+          <pc:docMk/>
+          <pc:sldMk cId="4178864355" sldId="258"/>
+        </pc:sldMkLst>
+        <pc:spChg chg="add mod">
+          <ac:chgData name="Dylan Lopez" userId="5f194778-9b51-44e4-ad6e-d1be1be42ca9" providerId="ADAL" clId="{E5B87BED-3C56-4CFB-AFC0-08C32E9EAE67}" dt="2024-06-20T09:21:28.017" v="47" actId="208"/>
+          <ac:spMkLst>
+            <pc:docMk/>
+            <pc:sldMk cId="4178864355" sldId="258"/>
+            <ac:spMk id="5" creationId="{A9D179C2-CFDF-40F7-77A4-C973D95B4ACE}"/>
+          </ac:spMkLst>
+        </pc:spChg>
+        <pc:spChg chg="add mod">
+          <ac:chgData name="Dylan Lopez" userId="5f194778-9b51-44e4-ad6e-d1be1be42ca9" providerId="ADAL" clId="{E5B87BED-3C56-4CFB-AFC0-08C32E9EAE67}" dt="2024-06-20T09:21:19.467" v="45"/>
+          <ac:spMkLst>
+            <pc:docMk/>
+            <pc:sldMk cId="4178864355" sldId="258"/>
+            <ac:spMk id="6" creationId="{AFAF2970-CA96-17D1-8749-E531B2CF501E}"/>
+          </ac:spMkLst>
+        </pc:spChg>
+        <pc:spChg chg="del">
+          <ac:chgData name="Dylan Lopez" userId="5f194778-9b51-44e4-ad6e-d1be1be42ca9" providerId="ADAL" clId="{E5B87BED-3C56-4CFB-AFC0-08C32E9EAE67}" dt="2024-06-20T09:21:19.155" v="44" actId="478"/>
+          <ac:spMkLst>
+            <pc:docMk/>
+            <pc:sldMk cId="4178864355" sldId="258"/>
+            <ac:spMk id="7" creationId="{CB51EB11-D401-1995-38A8-E97C5BD7C1AE}"/>
+          </ac:spMkLst>
+        </pc:spChg>
+        <pc:spChg chg="del">
+          <ac:chgData name="Dylan Lopez" userId="5f194778-9b51-44e4-ad6e-d1be1be42ca9" providerId="ADAL" clId="{E5B87BED-3C56-4CFB-AFC0-08C32E9EAE67}" dt="2024-06-20T09:21:19.155" v="44" actId="478"/>
+          <ac:spMkLst>
+            <pc:docMk/>
+            <pc:sldMk cId="4178864355" sldId="258"/>
+            <ac:spMk id="8" creationId="{78150E4D-41E2-32CB-F530-C198B3B9BFF3}"/>
+          </ac:spMkLst>
+        </pc:spChg>
+        <pc:spChg chg="del">
+          <ac:chgData name="Dylan Lopez" userId="5f194778-9b51-44e4-ad6e-d1be1be42ca9" providerId="ADAL" clId="{E5B87BED-3C56-4CFB-AFC0-08C32E9EAE67}" dt="2024-06-20T09:21:19.155" v="44" actId="478"/>
+          <ac:spMkLst>
+            <pc:docMk/>
+            <pc:sldMk cId="4178864355" sldId="258"/>
+            <ac:spMk id="9" creationId="{92BE5734-3289-3CD2-CC01-D1DC064F6AEE}"/>
+          </ac:spMkLst>
+        </pc:spChg>
+        <pc:spChg chg="del">
+          <ac:chgData name="Dylan Lopez" userId="5f194778-9b51-44e4-ad6e-d1be1be42ca9" providerId="ADAL" clId="{E5B87BED-3C56-4CFB-AFC0-08C32E9EAE67}" dt="2024-06-20T09:21:19.155" v="44" actId="478"/>
+          <ac:spMkLst>
+            <pc:docMk/>
+            <pc:sldMk cId="4178864355" sldId="258"/>
+            <ac:spMk id="10" creationId="{1FE9B45A-B754-CB2A-F302-FDECE6EEDED1}"/>
+          </ac:spMkLst>
+        </pc:spChg>
+        <pc:spChg chg="add mod">
+          <ac:chgData name="Dylan Lopez" userId="5f194778-9b51-44e4-ad6e-d1be1be42ca9" providerId="ADAL" clId="{E5B87BED-3C56-4CFB-AFC0-08C32E9EAE67}" dt="2024-06-20T09:25:00.593" v="105" actId="208"/>
+          <ac:spMkLst>
+            <pc:docMk/>
+            <pc:sldMk cId="4178864355" sldId="258"/>
+            <ac:spMk id="11" creationId="{5BAD4359-DE27-A113-0862-598D805D1797}"/>
+          </ac:spMkLst>
+        </pc:spChg>
+        <pc:spChg chg="add mod">
+          <ac:chgData name="Dylan Lopez" userId="5f194778-9b51-44e4-ad6e-d1be1be42ca9" providerId="ADAL" clId="{E5B87BED-3C56-4CFB-AFC0-08C32E9EAE67}" dt="2024-06-20T09:21:19.467" v="45"/>
+          <ac:spMkLst>
+            <pc:docMk/>
+            <pc:sldMk cId="4178864355" sldId="258"/>
+            <ac:spMk id="14" creationId="{D657B4E9-F770-AC27-8315-4CFE6181942E}"/>
+          </ac:spMkLst>
+        </pc:spChg>
+        <pc:spChg chg="add mod">
+          <ac:chgData name="Dylan Lopez" userId="5f194778-9b51-44e4-ad6e-d1be1be42ca9" providerId="ADAL" clId="{E5B87BED-3C56-4CFB-AFC0-08C32E9EAE67}" dt="2024-06-20T09:21:19.467" v="45"/>
+          <ac:spMkLst>
+            <pc:docMk/>
+            <pc:sldMk cId="4178864355" sldId="258"/>
+            <ac:spMk id="15" creationId="{7BA55E10-6936-6715-97AF-B40A0DF208D5}"/>
+          </ac:spMkLst>
+        </pc:spChg>
+        <pc:spChg chg="add mod">
+          <ac:chgData name="Dylan Lopez" userId="5f194778-9b51-44e4-ad6e-d1be1be42ca9" providerId="ADAL" clId="{E5B87BED-3C56-4CFB-AFC0-08C32E9EAE67}" dt="2024-06-20T09:21:19.467" v="45"/>
+          <ac:spMkLst>
+            <pc:docMk/>
+            <pc:sldMk cId="4178864355" sldId="258"/>
+            <ac:spMk id="16" creationId="{5A8917B3-5982-7073-145E-0FA5FC7A4EB9}"/>
+          </ac:spMkLst>
+        </pc:spChg>
+        <pc:spChg chg="add mod">
+          <ac:chgData name="Dylan Lopez" userId="5f194778-9b51-44e4-ad6e-d1be1be42ca9" providerId="ADAL" clId="{E5B87BED-3C56-4CFB-AFC0-08C32E9EAE67}" dt="2024-06-20T09:23:39.905" v="91" actId="6549"/>
+          <ac:spMkLst>
+            <pc:docMk/>
+            <pc:sldMk cId="4178864355" sldId="258"/>
+            <ac:spMk id="21" creationId="{577E0794-E4DB-8118-8A91-2C87ACBFA610}"/>
+          </ac:spMkLst>
+        </pc:spChg>
+        <pc:spChg chg="add del mod">
+          <ac:chgData name="Dylan Lopez" userId="5f194778-9b51-44e4-ad6e-d1be1be42ca9" providerId="ADAL" clId="{E5B87BED-3C56-4CFB-AFC0-08C32E9EAE67}" dt="2024-06-20T09:23:08.267" v="65" actId="478"/>
+          <ac:spMkLst>
+            <pc:docMk/>
+            <pc:sldMk cId="4178864355" sldId="258"/>
+            <ac:spMk id="22" creationId="{2137FD41-1326-8D91-9F3B-3FE6574A166C}"/>
+          </ac:spMkLst>
+        </pc:spChg>
+        <pc:spChg chg="del">
+          <ac:chgData name="Dylan Lopez" userId="5f194778-9b51-44e4-ad6e-d1be1be42ca9" providerId="ADAL" clId="{E5B87BED-3C56-4CFB-AFC0-08C32E9EAE67}" dt="2024-06-20T09:22:10.658" v="53" actId="478"/>
+          <ac:spMkLst>
+            <pc:docMk/>
+            <pc:sldMk cId="4178864355" sldId="258"/>
+            <ac:spMk id="23" creationId="{3F162085-9D89-CE76-FDF2-C30FD93EA33C}"/>
+          </ac:spMkLst>
+        </pc:spChg>
+        <pc:spChg chg="add mod">
+          <ac:chgData name="Dylan Lopez" userId="5f194778-9b51-44e4-ad6e-d1be1be42ca9" providerId="ADAL" clId="{E5B87BED-3C56-4CFB-AFC0-08C32E9EAE67}" dt="2024-06-20T09:23:44.599" v="93" actId="1076"/>
+          <ac:spMkLst>
+            <pc:docMk/>
+            <pc:sldMk cId="4178864355" sldId="258"/>
+            <ac:spMk id="24" creationId="{94726BD9-7BFB-8759-A837-9DFE20122880}"/>
+          </ac:spMkLst>
+        </pc:spChg>
+        <pc:spChg chg="add mod">
+          <ac:chgData name="Dylan Lopez" userId="5f194778-9b51-44e4-ad6e-d1be1be42ca9" providerId="ADAL" clId="{E5B87BED-3C56-4CFB-AFC0-08C32E9EAE67}" dt="2024-06-20T09:23:50.031" v="95" actId="1076"/>
+          <ac:spMkLst>
+            <pc:docMk/>
+            <pc:sldMk cId="4178864355" sldId="258"/>
+            <ac:spMk id="25" creationId="{A6F959F8-8069-1114-F28E-9B32DF974E58}"/>
+          </ac:spMkLst>
+        </pc:spChg>
+        <pc:spChg chg="add mod">
+          <ac:chgData name="Dylan Lopez" userId="5f194778-9b51-44e4-ad6e-d1be1be42ca9" providerId="ADAL" clId="{E5B87BED-3C56-4CFB-AFC0-08C32E9EAE67}" dt="2024-06-20T09:23:58.496" v="99" actId="1076"/>
+          <ac:spMkLst>
+            <pc:docMk/>
+            <pc:sldMk cId="4178864355" sldId="258"/>
+            <ac:spMk id="26" creationId="{E043199A-39A8-AD29-DF88-5032B5C556EC}"/>
+          </ac:spMkLst>
+        </pc:spChg>
+        <pc:spChg chg="del">
+          <ac:chgData name="Dylan Lopez" userId="5f194778-9b51-44e4-ad6e-d1be1be42ca9" providerId="ADAL" clId="{E5B87BED-3C56-4CFB-AFC0-08C32E9EAE67}" dt="2024-06-20T09:22:10.658" v="53" actId="478"/>
+          <ac:spMkLst>
+            <pc:docMk/>
+            <pc:sldMk cId="4178864355" sldId="258"/>
+            <ac:spMk id="27" creationId="{BDF02A5E-896D-094D-2D5B-181022774E57}"/>
+          </ac:spMkLst>
+        </pc:spChg>
+        <pc:spChg chg="del">
+          <ac:chgData name="Dylan Lopez" userId="5f194778-9b51-44e4-ad6e-d1be1be42ca9" providerId="ADAL" clId="{E5B87BED-3C56-4CFB-AFC0-08C32E9EAE67}" dt="2024-06-20T09:22:10.658" v="53" actId="478"/>
+          <ac:spMkLst>
+            <pc:docMk/>
+            <pc:sldMk cId="4178864355" sldId="258"/>
+            <ac:spMk id="28" creationId="{89A14D1F-2141-68B6-AE4F-BAB0FD4F242B}"/>
+          </ac:spMkLst>
+        </pc:spChg>
+        <pc:spChg chg="del">
+          <ac:chgData name="Dylan Lopez" userId="5f194778-9b51-44e4-ad6e-d1be1be42ca9" providerId="ADAL" clId="{E5B87BED-3C56-4CFB-AFC0-08C32E9EAE67}" dt="2024-06-20T09:22:10.658" v="53" actId="478"/>
+          <ac:spMkLst>
+            <pc:docMk/>
+            <pc:sldMk cId="4178864355" sldId="258"/>
+            <ac:spMk id="29" creationId="{ADD69EB0-99B8-B5BA-B970-EC4387A0B162}"/>
+          </ac:spMkLst>
+        </pc:spChg>
+        <pc:spChg chg="mod">
+          <ac:chgData name="Dylan Lopez" userId="5f194778-9b51-44e4-ad6e-d1be1be42ca9" providerId="ADAL" clId="{E5B87BED-3C56-4CFB-AFC0-08C32E9EAE67}" dt="2024-06-20T09:22:14.910" v="54" actId="1076"/>
+          <ac:spMkLst>
+            <pc:docMk/>
+            <pc:sldMk cId="4178864355" sldId="258"/>
+            <ac:spMk id="30" creationId="{AA36828F-DDE9-4E78-2644-757B522615D0}"/>
+          </ac:spMkLst>
+        </pc:spChg>
+        <pc:spChg chg="del">
+          <ac:chgData name="Dylan Lopez" userId="5f194778-9b51-44e4-ad6e-d1be1be42ca9" providerId="ADAL" clId="{E5B87BED-3C56-4CFB-AFC0-08C32E9EAE67}" dt="2024-06-20T09:22:28.082" v="56" actId="478"/>
+          <ac:spMkLst>
+            <pc:docMk/>
+            <pc:sldMk cId="4178864355" sldId="258"/>
+            <ac:spMk id="31" creationId="{A2AD4D85-0862-F4EA-F4AC-8E27DB792D1B}"/>
+          </ac:spMkLst>
+        </pc:spChg>
+        <pc:spChg chg="mod">
+          <ac:chgData name="Dylan Lopez" userId="5f194778-9b51-44e4-ad6e-d1be1be42ca9" providerId="ADAL" clId="{E5B87BED-3C56-4CFB-AFC0-08C32E9EAE67}" dt="2024-06-20T09:23:52.319" v="97" actId="1076"/>
+          <ac:spMkLst>
+            <pc:docMk/>
+            <pc:sldMk cId="4178864355" sldId="258"/>
+            <ac:spMk id="32" creationId="{A23913F9-382F-8F20-9949-1EEAD54206D1}"/>
+          </ac:spMkLst>
+        </pc:spChg>
+        <pc:spChg chg="add mod">
+          <ac:chgData name="Dylan Lopez" userId="5f194778-9b51-44e4-ad6e-d1be1be42ca9" providerId="ADAL" clId="{E5B87BED-3C56-4CFB-AFC0-08C32E9EAE67}" dt="2024-06-20T09:23:58.496" v="99" actId="1076"/>
+          <ac:spMkLst>
+            <pc:docMk/>
+            <pc:sldMk cId="4178864355" sldId="258"/>
+            <ac:spMk id="33" creationId="{5A4D9013-55E4-92C0-FEA3-F6BD6C7610B7}"/>
+          </ac:spMkLst>
+        </pc:spChg>
+        <pc:spChg chg="add mod">
+          <ac:chgData name="Dylan Lopez" userId="5f194778-9b51-44e4-ad6e-d1be1be42ca9" providerId="ADAL" clId="{E5B87BED-3C56-4CFB-AFC0-08C32E9EAE67}" dt="2024-06-20T09:23:58.496" v="99" actId="1076"/>
+          <ac:spMkLst>
+            <pc:docMk/>
+            <pc:sldMk cId="4178864355" sldId="258"/>
+            <ac:spMk id="34" creationId="{D67A06BF-F4C5-1380-ACD8-43D5BB811151}"/>
+          </ac:spMkLst>
+        </pc:spChg>
+        <pc:spChg chg="del">
+          <ac:chgData name="Dylan Lopez" userId="5f194778-9b51-44e4-ad6e-d1be1be42ca9" providerId="ADAL" clId="{E5B87BED-3C56-4CFB-AFC0-08C32E9EAE67}" dt="2024-06-20T09:22:35.128" v="57" actId="478"/>
+          <ac:spMkLst>
+            <pc:docMk/>
+            <pc:sldMk cId="4178864355" sldId="258"/>
+            <ac:spMk id="38" creationId="{B1BDD58A-B12C-50D5-156D-F4854999A425}"/>
+          </ac:spMkLst>
+        </pc:spChg>
+        <pc:spChg chg="del">
+          <ac:chgData name="Dylan Lopez" userId="5f194778-9b51-44e4-ad6e-d1be1be42ca9" providerId="ADAL" clId="{E5B87BED-3C56-4CFB-AFC0-08C32E9EAE67}" dt="2024-06-20T09:22:35.858" v="58" actId="478"/>
+          <ac:spMkLst>
+            <pc:docMk/>
+            <pc:sldMk cId="4178864355" sldId="258"/>
+            <ac:spMk id="39" creationId="{7DA8D2E2-BAB1-EE15-0175-1E265420DA26}"/>
+          </ac:spMkLst>
+        </pc:spChg>
+        <pc:spChg chg="del">
+          <ac:chgData name="Dylan Lopez" userId="5f194778-9b51-44e4-ad6e-d1be1be42ca9" providerId="ADAL" clId="{E5B87BED-3C56-4CFB-AFC0-08C32E9EAE67}" dt="2024-06-20T09:22:36.424" v="59" actId="478"/>
+          <ac:spMkLst>
+            <pc:docMk/>
+            <pc:sldMk cId="4178864355" sldId="258"/>
+            <ac:spMk id="40" creationId="{7856F497-5E7C-C944-2237-0FF2D003C981}"/>
+          </ac:spMkLst>
+        </pc:spChg>
+        <pc:spChg chg="del">
+          <ac:chgData name="Dylan Lopez" userId="5f194778-9b51-44e4-ad6e-d1be1be42ca9" providerId="ADAL" clId="{E5B87BED-3C56-4CFB-AFC0-08C32E9EAE67}" dt="2024-06-20T09:22:28.082" v="56" actId="478"/>
+          <ac:spMkLst>
+            <pc:docMk/>
+            <pc:sldMk cId="4178864355" sldId="258"/>
+            <ac:spMk id="41" creationId="{8FBE4E16-5414-4DA8-EB3D-F01127516EF5}"/>
+          </ac:spMkLst>
+        </pc:spChg>
+        <pc:spChg chg="del">
+          <ac:chgData name="Dylan Lopez" userId="5f194778-9b51-44e4-ad6e-d1be1be42ca9" providerId="ADAL" clId="{E5B87BED-3C56-4CFB-AFC0-08C32E9EAE67}" dt="2024-06-20T09:22:28.082" v="56" actId="478"/>
+          <ac:spMkLst>
+            <pc:docMk/>
+            <pc:sldMk cId="4178864355" sldId="258"/>
+            <ac:spMk id="42" creationId="{0B09072F-201A-04E3-210A-3F58B426F03B}"/>
+          </ac:spMkLst>
+        </pc:spChg>
+        <pc:spChg chg="del">
+          <ac:chgData name="Dylan Lopez" userId="5f194778-9b51-44e4-ad6e-d1be1be42ca9" providerId="ADAL" clId="{E5B87BED-3C56-4CFB-AFC0-08C32E9EAE67}" dt="2024-06-20T09:22:28.082" v="56" actId="478"/>
+          <ac:spMkLst>
+            <pc:docMk/>
+            <pc:sldMk cId="4178864355" sldId="258"/>
+            <ac:spMk id="48" creationId="{96AB0153-29B9-42D7-3224-984E364B7D49}"/>
+          </ac:spMkLst>
+        </pc:spChg>
+        <pc:spChg chg="del">
+          <ac:chgData name="Dylan Lopez" userId="5f194778-9b51-44e4-ad6e-d1be1be42ca9" providerId="ADAL" clId="{E5B87BED-3C56-4CFB-AFC0-08C32E9EAE67}" dt="2024-06-20T09:22:28.082" v="56" actId="478"/>
+          <ac:spMkLst>
+            <pc:docMk/>
+            <pc:sldMk cId="4178864355" sldId="258"/>
+            <ac:spMk id="49" creationId="{EA486E34-0739-C8C2-7CA4-50A0AE016B5E}"/>
+          </ac:spMkLst>
+        </pc:spChg>
+        <pc:spChg chg="del">
+          <ac:chgData name="Dylan Lopez" userId="5f194778-9b51-44e4-ad6e-d1be1be42ca9" providerId="ADAL" clId="{E5B87BED-3C56-4CFB-AFC0-08C32E9EAE67}" dt="2024-06-20T09:22:28.082" v="56" actId="478"/>
+          <ac:spMkLst>
+            <pc:docMk/>
+            <pc:sldMk cId="4178864355" sldId="258"/>
+            <ac:spMk id="50" creationId="{12E03FC9-8E99-3B50-22B8-1E0349183974}"/>
+          </ac:spMkLst>
+        </pc:spChg>
+        <pc:spChg chg="del">
+          <ac:chgData name="Dylan Lopez" userId="5f194778-9b51-44e4-ad6e-d1be1be42ca9" providerId="ADAL" clId="{E5B87BED-3C56-4CFB-AFC0-08C32E9EAE67}" dt="2024-06-20T09:22:28.082" v="56" actId="478"/>
+          <ac:spMkLst>
+            <pc:docMk/>
+            <pc:sldMk cId="4178864355" sldId="258"/>
+            <ac:spMk id="51" creationId="{4F1C7507-44CF-FC48-67BA-FBF646716D10}"/>
+          </ac:spMkLst>
+        </pc:spChg>
+        <pc:spChg chg="del">
+          <ac:chgData name="Dylan Lopez" userId="5f194778-9b51-44e4-ad6e-d1be1be42ca9" providerId="ADAL" clId="{E5B87BED-3C56-4CFB-AFC0-08C32E9EAE67}" dt="2024-06-20T09:22:28.082" v="56" actId="478"/>
+          <ac:spMkLst>
+            <pc:docMk/>
+            <pc:sldMk cId="4178864355" sldId="258"/>
+            <ac:spMk id="52" creationId="{7F4D0E6E-AAE1-0F5D-B188-5673808EB8A2}"/>
+          </ac:spMkLst>
+        </pc:spChg>
+        <pc:spChg chg="mod">
+          <ac:chgData name="Dylan Lopez" userId="5f194778-9b51-44e4-ad6e-d1be1be42ca9" providerId="ADAL" clId="{E5B87BED-3C56-4CFB-AFC0-08C32E9EAE67}" dt="2024-06-20T09:22:23.485" v="55" actId="1076"/>
+          <ac:spMkLst>
+            <pc:docMk/>
+            <pc:sldMk cId="4178864355" sldId="258"/>
+            <ac:spMk id="53" creationId="{C69D78B6-6FCA-A4F4-A09C-EFEDBDE79ADE}"/>
+          </ac:spMkLst>
+        </pc:spChg>
+        <pc:picChg chg="del">
+          <ac:chgData name="Dylan Lopez" userId="5f194778-9b51-44e4-ad6e-d1be1be42ca9" providerId="ADAL" clId="{E5B87BED-3C56-4CFB-AFC0-08C32E9EAE67}" dt="2024-06-20T09:21:40.258" v="49" actId="478"/>
+          <ac:picMkLst>
+            <pc:docMk/>
+            <pc:sldMk cId="4178864355" sldId="258"/>
+            <ac:picMk id="12" creationId="{C22AA09B-309F-F11D-025E-F7B8CC88CA4E}"/>
+          </ac:picMkLst>
+        </pc:picChg>
+        <pc:picChg chg="add mod">
+          <ac:chgData name="Dylan Lopez" userId="5f194778-9b51-44e4-ad6e-d1be1be42ca9" providerId="ADAL" clId="{E5B87BED-3C56-4CFB-AFC0-08C32E9EAE67}" dt="2024-06-20T09:21:56.293" v="52" actId="1076"/>
+          <ac:picMkLst>
+            <pc:docMk/>
+            <pc:sldMk cId="4178864355" sldId="258"/>
+            <ac:picMk id="18" creationId="{752F22A5-E28E-E365-ADDB-A0E41983FAB3}"/>
+          </ac:picMkLst>
+        </pc:picChg>
+        <pc:picChg chg="add mod">
+          <ac:chgData name="Dylan Lopez" userId="5f194778-9b51-44e4-ad6e-d1be1be42ca9" providerId="ADAL" clId="{E5B87BED-3C56-4CFB-AFC0-08C32E9EAE67}" dt="2024-06-20T09:22:47.334" v="62" actId="1076"/>
+          <ac:picMkLst>
+            <pc:docMk/>
+            <pc:sldMk cId="4178864355" sldId="258"/>
+            <ac:picMk id="20" creationId="{9B4B2537-72A0-903B-067F-9FF441453D46}"/>
+          </ac:picMkLst>
+        </pc:picChg>
+      </pc:sldChg>
+      <pc:sldChg chg="addSp delSp modSp mod">
+        <pc:chgData name="Dylan Lopez" userId="5f194778-9b51-44e4-ad6e-d1be1be42ca9" providerId="ADAL" clId="{E5B87BED-3C56-4CFB-AFC0-08C32E9EAE67}" dt="2024-06-20T09:25:06.919" v="106" actId="208"/>
+        <pc:sldMkLst>
+          <pc:docMk/>
+          <pc:sldMk cId="2054331335" sldId="259"/>
+        </pc:sldMkLst>
+        <pc:spChg chg="add mod">
+          <ac:chgData name="Dylan Lopez" userId="5f194778-9b51-44e4-ad6e-d1be1be42ca9" providerId="ADAL" clId="{E5B87BED-3C56-4CFB-AFC0-08C32E9EAE67}" dt="2024-06-20T09:24:45.588" v="102"/>
+          <ac:spMkLst>
+            <pc:docMk/>
+            <pc:sldMk cId="2054331335" sldId="259"/>
+            <ac:spMk id="5" creationId="{311D569F-CDA5-DAB3-9C86-F4A1F2BB5C95}"/>
+          </ac:spMkLst>
+        </pc:spChg>
+        <pc:spChg chg="add mod">
+          <ac:chgData name="Dylan Lopez" userId="5f194778-9b51-44e4-ad6e-d1be1be42ca9" providerId="ADAL" clId="{E5B87BED-3C56-4CFB-AFC0-08C32E9EAE67}" dt="2024-06-20T09:24:45.588" v="102"/>
+          <ac:spMkLst>
+            <pc:docMk/>
+            <pc:sldMk cId="2054331335" sldId="259"/>
+            <ac:spMk id="6" creationId="{250D1648-52A1-5D42-D690-9C2B256C461B}"/>
+          </ac:spMkLst>
+        </pc:spChg>
+        <pc:spChg chg="del">
+          <ac:chgData name="Dylan Lopez" userId="5f194778-9b51-44e4-ad6e-d1be1be42ca9" providerId="ADAL" clId="{E5B87BED-3C56-4CFB-AFC0-08C32E9EAE67}" dt="2024-06-20T09:24:45.254" v="101" actId="478"/>
+          <ac:spMkLst>
+            <pc:docMk/>
+            <pc:sldMk cId="2054331335" sldId="259"/>
+            <ac:spMk id="7" creationId="{CB51EB11-D401-1995-38A8-E97C5BD7C1AE}"/>
+          </ac:spMkLst>
+        </pc:spChg>
+        <pc:spChg chg="del">
+          <ac:chgData name="Dylan Lopez" userId="5f194778-9b51-44e4-ad6e-d1be1be42ca9" providerId="ADAL" clId="{E5B87BED-3C56-4CFB-AFC0-08C32E9EAE67}" dt="2024-06-20T09:24:45.254" v="101" actId="478"/>
+          <ac:spMkLst>
+            <pc:docMk/>
+            <pc:sldMk cId="2054331335" sldId="259"/>
+            <ac:spMk id="8" creationId="{78150E4D-41E2-32CB-F530-C198B3B9BFF3}"/>
+          </ac:spMkLst>
+        </pc:spChg>
+        <pc:spChg chg="del">
+          <ac:chgData name="Dylan Lopez" userId="5f194778-9b51-44e4-ad6e-d1be1be42ca9" providerId="ADAL" clId="{E5B87BED-3C56-4CFB-AFC0-08C32E9EAE67}" dt="2024-06-20T09:24:45.254" v="101" actId="478"/>
+          <ac:spMkLst>
+            <pc:docMk/>
+            <pc:sldMk cId="2054331335" sldId="259"/>
+            <ac:spMk id="9" creationId="{92BE5734-3289-3CD2-CC01-D1DC064F6AEE}"/>
+          </ac:spMkLst>
+        </pc:spChg>
+        <pc:spChg chg="del">
+          <ac:chgData name="Dylan Lopez" userId="5f194778-9b51-44e4-ad6e-d1be1be42ca9" providerId="ADAL" clId="{E5B87BED-3C56-4CFB-AFC0-08C32E9EAE67}" dt="2024-06-20T09:24:45.254" v="101" actId="478"/>
+          <ac:spMkLst>
+            <pc:docMk/>
+            <pc:sldMk cId="2054331335" sldId="259"/>
+            <ac:spMk id="10" creationId="{1FE9B45A-B754-CB2A-F302-FDECE6EEDED1}"/>
+          </ac:spMkLst>
+        </pc:spChg>
+        <pc:spChg chg="add mod">
+          <ac:chgData name="Dylan Lopez" userId="5f194778-9b51-44e4-ad6e-d1be1be42ca9" providerId="ADAL" clId="{E5B87BED-3C56-4CFB-AFC0-08C32E9EAE67}" dt="2024-06-20T09:24:50.728" v="103" actId="207"/>
+          <ac:spMkLst>
+            <pc:docMk/>
+            <pc:sldMk cId="2054331335" sldId="259"/>
+            <ac:spMk id="17" creationId="{F28572FA-38CA-7379-4DD3-B0BFE446E3FE}"/>
+          </ac:spMkLst>
+        </pc:spChg>
+        <pc:spChg chg="add mod">
+          <ac:chgData name="Dylan Lopez" userId="5f194778-9b51-44e4-ad6e-d1be1be42ca9" providerId="ADAL" clId="{E5B87BED-3C56-4CFB-AFC0-08C32E9EAE67}" dt="2024-06-20T09:25:06.919" v="106" actId="208"/>
+          <ac:spMkLst>
+            <pc:docMk/>
+            <pc:sldMk cId="2054331335" sldId="259"/>
+            <ac:spMk id="18" creationId="{19E57299-4060-0CAE-D6DC-3623EB23B5C4}"/>
+          </ac:spMkLst>
+        </pc:spChg>
+        <pc:spChg chg="add mod">
+          <ac:chgData name="Dylan Lopez" userId="5f194778-9b51-44e4-ad6e-d1be1be42ca9" providerId="ADAL" clId="{E5B87BED-3C56-4CFB-AFC0-08C32E9EAE67}" dt="2024-06-20T09:24:45.588" v="102"/>
+          <ac:spMkLst>
+            <pc:docMk/>
+            <pc:sldMk cId="2054331335" sldId="259"/>
+            <ac:spMk id="19" creationId="{B0FABAD7-6931-A815-8913-9E286A298854}"/>
+          </ac:spMkLst>
+        </pc:spChg>
+        <pc:spChg chg="add mod">
+          <ac:chgData name="Dylan Lopez" userId="5f194778-9b51-44e4-ad6e-d1be1be42ca9" providerId="ADAL" clId="{E5B87BED-3C56-4CFB-AFC0-08C32E9EAE67}" dt="2024-06-20T09:24:45.588" v="102"/>
+          <ac:spMkLst>
+            <pc:docMk/>
+            <pc:sldMk cId="2054331335" sldId="259"/>
+            <ac:spMk id="20" creationId="{A46EA29D-8676-D291-C159-77EBEAC587FB}"/>
+          </ac:spMkLst>
+        </pc:spChg>
+        <pc:spChg chg="mod">
+          <ac:chgData name="Dylan Lopez" userId="5f194778-9b51-44e4-ad6e-d1be1be42ca9" providerId="ADAL" clId="{E5B87BED-3C56-4CFB-AFC0-08C32E9EAE67}" dt="2024-06-20T09:24:24.838" v="100" actId="14100"/>
+          <ac:spMkLst>
+            <pc:docMk/>
+            <pc:sldMk cId="2054331335" sldId="259"/>
+            <ac:spMk id="44" creationId="{C4A15920-E11F-1E81-C623-7DB3D15A95A3}"/>
+          </ac:spMkLst>
+        </pc:spChg>
+      </pc:sldChg>
+      <pc:sldChg chg="addSp modSp mod">
+        <pc:chgData name="Dylan Lopez" userId="5f194778-9b51-44e4-ad6e-d1be1be42ca9" providerId="ADAL" clId="{E5B87BED-3C56-4CFB-AFC0-08C32E9EAE67}" dt="2024-06-20T09:20:22.449" v="39" actId="20577"/>
+        <pc:sldMkLst>
+          <pc:docMk/>
+          <pc:sldMk cId="4210475300" sldId="260"/>
+        </pc:sldMkLst>
+        <pc:spChg chg="add mod">
+          <ac:chgData name="Dylan Lopez" userId="5f194778-9b51-44e4-ad6e-d1be1be42ca9" providerId="ADAL" clId="{E5B87BED-3C56-4CFB-AFC0-08C32E9EAE67}" dt="2024-06-20T09:18:59.960" v="1"/>
+          <ac:spMkLst>
+            <pc:docMk/>
+            <pc:sldMk cId="4210475300" sldId="260"/>
+            <ac:spMk id="2" creationId="{14286A73-C963-2178-153B-0FE01FA1A77A}"/>
+          </ac:spMkLst>
+        </pc:spChg>
+        <pc:spChg chg="add mod">
+          <ac:chgData name="Dylan Lopez" userId="5f194778-9b51-44e4-ad6e-d1be1be42ca9" providerId="ADAL" clId="{E5B87BED-3C56-4CFB-AFC0-08C32E9EAE67}" dt="2024-06-20T09:18:59.960" v="1"/>
+          <ac:spMkLst>
+            <pc:docMk/>
+            <pc:sldMk cId="4210475300" sldId="260"/>
+            <ac:spMk id="5" creationId="{77DCFDE6-BE69-E6B9-A5D5-642937B201DE}"/>
+          </ac:spMkLst>
+        </pc:spChg>
+        <pc:spChg chg="mod">
+          <ac:chgData name="Dylan Lopez" userId="5f194778-9b51-44e4-ad6e-d1be1be42ca9" providerId="ADAL" clId="{E5B87BED-3C56-4CFB-AFC0-08C32E9EAE67}" dt="2024-06-20T09:20:09.894" v="22" actId="1076"/>
+          <ac:spMkLst>
+            <pc:docMk/>
+            <pc:sldMk cId="4210475300" sldId="260"/>
+            <ac:spMk id="7" creationId="{CB51EB11-D401-1995-38A8-E97C5BD7C1AE}"/>
+          </ac:spMkLst>
+        </pc:spChg>
+        <pc:spChg chg="mod">
+          <ac:chgData name="Dylan Lopez" userId="5f194778-9b51-44e4-ad6e-d1be1be42ca9" providerId="ADAL" clId="{E5B87BED-3C56-4CFB-AFC0-08C32E9EAE67}" dt="2024-06-20T09:20:09.894" v="22" actId="1076"/>
+          <ac:spMkLst>
+            <pc:docMk/>
+            <pc:sldMk cId="4210475300" sldId="260"/>
+            <ac:spMk id="8" creationId="{78150E4D-41E2-32CB-F530-C198B3B9BFF3}"/>
+          </ac:spMkLst>
+        </pc:spChg>
+        <pc:spChg chg="mod">
+          <ac:chgData name="Dylan Lopez" userId="5f194778-9b51-44e4-ad6e-d1be1be42ca9" providerId="ADAL" clId="{E5B87BED-3C56-4CFB-AFC0-08C32E9EAE67}" dt="2024-06-20T09:20:09.894" v="22" actId="1076"/>
+          <ac:spMkLst>
+            <pc:docMk/>
+            <pc:sldMk cId="4210475300" sldId="260"/>
+            <ac:spMk id="9" creationId="{92BE5734-3289-3CD2-CC01-D1DC064F6AEE}"/>
+          </ac:spMkLst>
+        </pc:spChg>
+        <pc:spChg chg="mod">
+          <ac:chgData name="Dylan Lopez" userId="5f194778-9b51-44e4-ad6e-d1be1be42ca9" providerId="ADAL" clId="{E5B87BED-3C56-4CFB-AFC0-08C32E9EAE67}" dt="2024-06-20T09:20:09.894" v="22" actId="1076"/>
+          <ac:spMkLst>
+            <pc:docMk/>
+            <pc:sldMk cId="4210475300" sldId="260"/>
+            <ac:spMk id="10" creationId="{1FE9B45A-B754-CB2A-F302-FDECE6EEDED1}"/>
+          </ac:spMkLst>
+        </pc:spChg>
+        <pc:spChg chg="add mod">
+          <ac:chgData name="Dylan Lopez" userId="5f194778-9b51-44e4-ad6e-d1be1be42ca9" providerId="ADAL" clId="{E5B87BED-3C56-4CFB-AFC0-08C32E9EAE67}" dt="2024-06-20T09:18:59.960" v="1"/>
+          <ac:spMkLst>
+            <pc:docMk/>
+            <pc:sldMk cId="4210475300" sldId="260"/>
+            <ac:spMk id="14" creationId="{ACBE8F91-EABA-96BC-7915-81B8E261F51A}"/>
+          </ac:spMkLst>
+        </pc:spChg>
+        <pc:spChg chg="add mod">
+          <ac:chgData name="Dylan Lopez" userId="5f194778-9b51-44e4-ad6e-d1be1be42ca9" providerId="ADAL" clId="{E5B87BED-3C56-4CFB-AFC0-08C32E9EAE67}" dt="2024-06-20T09:18:59.960" v="1"/>
+          <ac:spMkLst>
+            <pc:docMk/>
+            <pc:sldMk cId="4210475300" sldId="260"/>
+            <ac:spMk id="15" creationId="{67ED0AB2-023F-2BEE-F39C-F65E599E8311}"/>
+          </ac:spMkLst>
+        </pc:spChg>
+        <pc:spChg chg="add mod">
+          <ac:chgData name="Dylan Lopez" userId="5f194778-9b51-44e4-ad6e-d1be1be42ca9" providerId="ADAL" clId="{E5B87BED-3C56-4CFB-AFC0-08C32E9EAE67}" dt="2024-06-20T09:20:09.894" v="22" actId="1076"/>
+          <ac:spMkLst>
+            <pc:docMk/>
+            <pc:sldMk cId="4210475300" sldId="260"/>
+            <ac:spMk id="16" creationId="{CE953D68-A4CB-15E3-F176-B4602EBB4964}"/>
+          </ac:spMkLst>
+        </pc:spChg>
+        <pc:spChg chg="add mod">
+          <ac:chgData name="Dylan Lopez" userId="5f194778-9b51-44e4-ad6e-d1be1be42ca9" providerId="ADAL" clId="{E5B87BED-3C56-4CFB-AFC0-08C32E9EAE67}" dt="2024-06-20T09:20:22.449" v="39" actId="20577"/>
+          <ac:spMkLst>
+            <pc:docMk/>
+            <pc:sldMk cId="4210475300" sldId="260"/>
+            <ac:spMk id="18" creationId="{CB7AE146-EB68-79C2-D959-8050ADE54EFD}"/>
+          </ac:spMkLst>
+        </pc:spChg>
+      </pc:sldChg>
+      <pc:sldChg chg="addSp delSp modSp mod">
+        <pc:chgData name="Dylan Lopez" userId="5f194778-9b51-44e4-ad6e-d1be1be42ca9" providerId="ADAL" clId="{E5B87BED-3C56-4CFB-AFC0-08C32E9EAE67}" dt="2024-06-20T09:34:11.777" v="214" actId="20577"/>
+        <pc:sldMkLst>
+          <pc:docMk/>
+          <pc:sldMk cId="802169342" sldId="262"/>
+        </pc:sldMkLst>
+        <pc:spChg chg="mod">
+          <ac:chgData name="Dylan Lopez" userId="5f194778-9b51-44e4-ad6e-d1be1be42ca9" providerId="ADAL" clId="{E5B87BED-3C56-4CFB-AFC0-08C32E9EAE67}" dt="2024-06-20T09:33:47.965" v="200" actId="14100"/>
+          <ac:spMkLst>
+            <pc:docMk/>
+            <pc:sldMk cId="802169342" sldId="262"/>
+            <ac:spMk id="5" creationId="{9A25300F-21C1-6F49-5FDD-6D0860BD86C2}"/>
+          </ac:spMkLst>
+        </pc:spChg>
+        <pc:spChg chg="add mod">
+          <ac:chgData name="Dylan Lopez" userId="5f194778-9b51-44e4-ad6e-d1be1be42ca9" providerId="ADAL" clId="{E5B87BED-3C56-4CFB-AFC0-08C32E9EAE67}" dt="2024-06-20T09:33:52.660" v="203"/>
+          <ac:spMkLst>
+            <pc:docMk/>
+            <pc:sldMk cId="802169342" sldId="262"/>
+            <ac:spMk id="6" creationId="{A1180DB7-D247-ED6B-AFDE-D0B3D05681E7}"/>
+          </ac:spMkLst>
+        </pc:spChg>
+        <pc:spChg chg="del">
+          <ac:chgData name="Dylan Lopez" userId="5f194778-9b51-44e4-ad6e-d1be1be42ca9" providerId="ADAL" clId="{E5B87BED-3C56-4CFB-AFC0-08C32E9EAE67}" dt="2024-06-20T09:33:44.106" v="198" actId="478"/>
+          <ac:spMkLst>
+            <pc:docMk/>
+            <pc:sldMk cId="802169342" sldId="262"/>
+            <ac:spMk id="7" creationId="{3A304EC7-8584-21B5-BF61-1F173693AE42}"/>
+          </ac:spMkLst>
+        </pc:spChg>
+        <pc:spChg chg="mod">
+          <ac:chgData name="Dylan Lopez" userId="5f194778-9b51-44e4-ad6e-d1be1be42ca9" providerId="ADAL" clId="{E5B87BED-3C56-4CFB-AFC0-08C32E9EAE67}" dt="2024-06-20T09:33:50.326" v="201" actId="1076"/>
+          <ac:spMkLst>
+            <pc:docMk/>
+            <pc:sldMk cId="802169342" sldId="262"/>
+            <ac:spMk id="8" creationId="{0F98528A-7A22-D0B4-A721-AD0B905675AF}"/>
+          </ac:spMkLst>
+        </pc:spChg>
+        <pc:spChg chg="del">
+          <ac:chgData name="Dylan Lopez" userId="5f194778-9b51-44e4-ad6e-d1be1be42ca9" providerId="ADAL" clId="{E5B87BED-3C56-4CFB-AFC0-08C32E9EAE67}" dt="2024-06-20T09:33:51.766" v="202" actId="478"/>
+          <ac:spMkLst>
+            <pc:docMk/>
+            <pc:sldMk cId="802169342" sldId="262"/>
+            <ac:spMk id="9" creationId="{3A07C2FA-254C-E1DA-FB6C-63E401AC34AC}"/>
+          </ac:spMkLst>
+        </pc:spChg>
+        <pc:spChg chg="add mod">
+          <ac:chgData name="Dylan Lopez" userId="5f194778-9b51-44e4-ad6e-d1be1be42ca9" providerId="ADAL" clId="{E5B87BED-3C56-4CFB-AFC0-08C32E9EAE67}" dt="2024-06-20T09:33:52.660" v="203"/>
+          <ac:spMkLst>
+            <pc:docMk/>
+            <pc:sldMk cId="802169342" sldId="262"/>
+            <ac:spMk id="10" creationId="{3D573EAC-49AB-329A-7D7A-64624F372D72}"/>
+          </ac:spMkLst>
+        </pc:spChg>
+        <pc:spChg chg="add mod">
+          <ac:chgData name="Dylan Lopez" userId="5f194778-9b51-44e4-ad6e-d1be1be42ca9" providerId="ADAL" clId="{E5B87BED-3C56-4CFB-AFC0-08C32E9EAE67}" dt="2024-06-20T09:33:52.660" v="203"/>
+          <ac:spMkLst>
+            <pc:docMk/>
+            <pc:sldMk cId="802169342" sldId="262"/>
+            <ac:spMk id="11" creationId="{0CC0861F-AA3D-1DB1-75E9-ED658296C973}"/>
+          </ac:spMkLst>
+        </pc:spChg>
+        <pc:spChg chg="add mod">
+          <ac:chgData name="Dylan Lopez" userId="5f194778-9b51-44e4-ad6e-d1be1be42ca9" providerId="ADAL" clId="{E5B87BED-3C56-4CFB-AFC0-08C32E9EAE67}" dt="2024-06-20T09:33:52.660" v="203"/>
+          <ac:spMkLst>
+            <pc:docMk/>
+            <pc:sldMk cId="802169342" sldId="262"/>
+            <ac:spMk id="12" creationId="{F23098E0-419D-CF6D-A10B-FE9A49C90D7D}"/>
+          </ac:spMkLst>
+        </pc:spChg>
+        <pc:spChg chg="add mod">
+          <ac:chgData name="Dylan Lopez" userId="5f194778-9b51-44e4-ad6e-d1be1be42ca9" providerId="ADAL" clId="{E5B87BED-3C56-4CFB-AFC0-08C32E9EAE67}" dt="2024-06-20T09:33:52.660" v="203"/>
+          <ac:spMkLst>
+            <pc:docMk/>
+            <pc:sldMk cId="802169342" sldId="262"/>
+            <ac:spMk id="15" creationId="{3737F4C8-D30A-2760-E5B0-83A3CC705132}"/>
+          </ac:spMkLst>
+        </pc:spChg>
+        <pc:spChg chg="add mod">
+          <ac:chgData name="Dylan Lopez" userId="5f194778-9b51-44e4-ad6e-d1be1be42ca9" providerId="ADAL" clId="{E5B87BED-3C56-4CFB-AFC0-08C32E9EAE67}" dt="2024-06-20T09:33:52.660" v="203"/>
+          <ac:spMkLst>
+            <pc:docMk/>
+            <pc:sldMk cId="802169342" sldId="262"/>
+            <ac:spMk id="16" creationId="{D719AFE1-AD5E-2479-1F51-C853B68AA37D}"/>
+          </ac:spMkLst>
+        </pc:spChg>
+        <pc:spChg chg="add mod">
+          <ac:chgData name="Dylan Lopez" userId="5f194778-9b51-44e4-ad6e-d1be1be42ca9" providerId="ADAL" clId="{E5B87BED-3C56-4CFB-AFC0-08C32E9EAE67}" dt="2024-06-20T09:34:11.777" v="214" actId="20577"/>
+          <ac:spMkLst>
+            <pc:docMk/>
+            <pc:sldMk cId="802169342" sldId="262"/>
+            <ac:spMk id="17" creationId="{D9495CD2-9BF1-C84F-9DC0-F285F7F5EFFB}"/>
+          </ac:spMkLst>
+        </pc:spChg>
+      </pc:sldChg>
+      <pc:sldChg chg="addSp delSp modSp mod">
+        <pc:chgData name="Dylan Lopez" userId="5f194778-9b51-44e4-ad6e-d1be1be42ca9" providerId="ADAL" clId="{E5B87BED-3C56-4CFB-AFC0-08C32E9EAE67}" dt="2024-06-20T09:33:36.277" v="197" actId="478"/>
+        <pc:sldMkLst>
+          <pc:docMk/>
+          <pc:sldMk cId="1941931827" sldId="263"/>
+        </pc:sldMkLst>
+        <pc:spChg chg="add mod">
+          <ac:chgData name="Dylan Lopez" userId="5f194778-9b51-44e4-ad6e-d1be1be42ca9" providerId="ADAL" clId="{E5B87BED-3C56-4CFB-AFC0-08C32E9EAE67}" dt="2024-06-20T09:33:26.539" v="190"/>
+          <ac:spMkLst>
+            <pc:docMk/>
+            <pc:sldMk cId="1941931827" sldId="263"/>
+            <ac:spMk id="5" creationId="{7920EEFC-104A-D5B0-AEC9-6D83AB79AC31}"/>
+          </ac:spMkLst>
+        </pc:spChg>
+        <pc:spChg chg="add del">
+          <ac:chgData name="Dylan Lopez" userId="5f194778-9b51-44e4-ad6e-d1be1be42ca9" providerId="ADAL" clId="{E5B87BED-3C56-4CFB-AFC0-08C32E9EAE67}" dt="2024-06-20T09:33:36.277" v="197" actId="478"/>
+          <ac:spMkLst>
+            <pc:docMk/>
+            <pc:sldMk cId="1941931827" sldId="263"/>
+            <ac:spMk id="6" creationId="{86423CC1-89DF-EC4C-1D0E-079F7C860D0F}"/>
+          </ac:spMkLst>
+        </pc:spChg>
+        <pc:spChg chg="add mod">
+          <ac:chgData name="Dylan Lopez" userId="5f194778-9b51-44e4-ad6e-d1be1be42ca9" providerId="ADAL" clId="{E5B87BED-3C56-4CFB-AFC0-08C32E9EAE67}" dt="2024-06-20T09:33:26.539" v="190"/>
+          <ac:spMkLst>
+            <pc:docMk/>
+            <pc:sldMk cId="1941931827" sldId="263"/>
+            <ac:spMk id="7" creationId="{FF0F035A-B970-4215-6A45-3160DC6A3F2D}"/>
+          </ac:spMkLst>
+        </pc:spChg>
+        <pc:spChg chg="add mod">
+          <ac:chgData name="Dylan Lopez" userId="5f194778-9b51-44e4-ad6e-d1be1be42ca9" providerId="ADAL" clId="{E5B87BED-3C56-4CFB-AFC0-08C32E9EAE67}" dt="2024-06-20T09:33:26.539" v="190"/>
+          <ac:spMkLst>
+            <pc:docMk/>
+            <pc:sldMk cId="1941931827" sldId="263"/>
+            <ac:spMk id="9" creationId="{0E403F8E-BECA-DFEC-1FDF-45EA994BDD17}"/>
+          </ac:spMkLst>
+        </pc:spChg>
+        <pc:spChg chg="add del">
+          <ac:chgData name="Dylan Lopez" userId="5f194778-9b51-44e4-ad6e-d1be1be42ca9" providerId="ADAL" clId="{E5B87BED-3C56-4CFB-AFC0-08C32E9EAE67}" dt="2024-06-20T09:33:35.976" v="196" actId="478"/>
+          <ac:spMkLst>
+            <pc:docMk/>
+            <pc:sldMk cId="1941931827" sldId="263"/>
+            <ac:spMk id="10" creationId="{9972C91A-7FE7-4E36-0959-E687C29213E1}"/>
+          </ac:spMkLst>
+        </pc:spChg>
+        <pc:spChg chg="add del">
+          <ac:chgData name="Dylan Lopez" userId="5f194778-9b51-44e4-ad6e-d1be1be42ca9" providerId="ADAL" clId="{E5B87BED-3C56-4CFB-AFC0-08C32E9EAE67}" dt="2024-06-20T09:33:35.713" v="195" actId="478"/>
+          <ac:spMkLst>
+            <pc:docMk/>
+            <pc:sldMk cId="1941931827" sldId="263"/>
+            <ac:spMk id="11" creationId="{9627D453-758D-2C01-A399-0D32F280710A}"/>
+          </ac:spMkLst>
+        </pc:spChg>
+        <pc:spChg chg="add del">
+          <ac:chgData name="Dylan Lopez" userId="5f194778-9b51-44e4-ad6e-d1be1be42ca9" providerId="ADAL" clId="{E5B87BED-3C56-4CFB-AFC0-08C32E9EAE67}" dt="2024-06-20T09:33:35.448" v="194" actId="478"/>
+          <ac:spMkLst>
+            <pc:docMk/>
+            <pc:sldMk cId="1941931827" sldId="263"/>
+            <ac:spMk id="12" creationId="{7FFEF6C5-54AD-E7B9-8070-CF7DEE3CBF31}"/>
+          </ac:spMkLst>
+        </pc:spChg>
+        <pc:spChg chg="add del">
+          <ac:chgData name="Dylan Lopez" userId="5f194778-9b51-44e4-ad6e-d1be1be42ca9" providerId="ADAL" clId="{E5B87BED-3C56-4CFB-AFC0-08C32E9EAE67}" dt="2024-06-20T09:33:35.157" v="193" actId="478"/>
+          <ac:spMkLst>
+            <pc:docMk/>
+            <pc:sldMk cId="1941931827" sldId="263"/>
+            <ac:spMk id="15" creationId="{400CE3B2-881D-8FE3-9EBE-6FC352EFFD28}"/>
+          </ac:spMkLst>
+        </pc:spChg>
+        <pc:spChg chg="add del">
+          <ac:chgData name="Dylan Lopez" userId="5f194778-9b51-44e4-ad6e-d1be1be42ca9" providerId="ADAL" clId="{E5B87BED-3C56-4CFB-AFC0-08C32E9EAE67}" dt="2024-06-20T09:33:34.818" v="192" actId="478"/>
+          <ac:spMkLst>
+            <pc:docMk/>
+            <pc:sldMk cId="1941931827" sldId="263"/>
+            <ac:spMk id="16" creationId="{5352BC82-D7AA-15D9-211A-912DBF975478}"/>
+          </ac:spMkLst>
+        </pc:spChg>
+        <pc:spChg chg="add del">
+          <ac:chgData name="Dylan Lopez" userId="5f194778-9b51-44e4-ad6e-d1be1be42ca9" providerId="ADAL" clId="{E5B87BED-3C56-4CFB-AFC0-08C32E9EAE67}" dt="2024-06-20T09:33:34.535" v="191" actId="478"/>
+          <ac:spMkLst>
+            <pc:docMk/>
+            <pc:sldMk cId="1941931827" sldId="263"/>
+            <ac:spMk id="17" creationId="{526F7018-EB19-86C5-CD08-EC63ADBEF90E}"/>
+          </ac:spMkLst>
+        </pc:spChg>
+        <pc:spChg chg="add mod">
+          <ac:chgData name="Dylan Lopez" userId="5f194778-9b51-44e4-ad6e-d1be1be42ca9" providerId="ADAL" clId="{E5B87BED-3C56-4CFB-AFC0-08C32E9EAE67}" dt="2024-06-20T09:33:26.539" v="190"/>
+          <ac:spMkLst>
+            <pc:docMk/>
+            <pc:sldMk cId="1941931827" sldId="263"/>
+            <ac:spMk id="18" creationId="{C4981FD5-3AA5-1238-2690-8128321B1983}"/>
+          </ac:spMkLst>
+        </pc:spChg>
+        <pc:spChg chg="add mod">
+          <ac:chgData name="Dylan Lopez" userId="5f194778-9b51-44e4-ad6e-d1be1be42ca9" providerId="ADAL" clId="{E5B87BED-3C56-4CFB-AFC0-08C32E9EAE67}" dt="2024-06-20T09:33:26.539" v="190"/>
+          <ac:spMkLst>
+            <pc:docMk/>
+            <pc:sldMk cId="1941931827" sldId="263"/>
+            <ac:spMk id="19" creationId="{36328707-3DD2-5D9E-2E28-8954EED6E9F2}"/>
+          </ac:spMkLst>
+        </pc:spChg>
+        <pc:spChg chg="add mod">
+          <ac:chgData name="Dylan Lopez" userId="5f194778-9b51-44e4-ad6e-d1be1be42ca9" providerId="ADAL" clId="{E5B87BED-3C56-4CFB-AFC0-08C32E9EAE67}" dt="2024-06-20T09:33:26.539" v="190"/>
+          <ac:spMkLst>
+            <pc:docMk/>
+            <pc:sldMk cId="1941931827" sldId="263"/>
+            <ac:spMk id="20" creationId="{939C5820-7557-04FC-2F80-3A4C7437FF32}"/>
+          </ac:spMkLst>
+        </pc:spChg>
+      </pc:sldChg>
+      <pc:sldChg chg="addSp delSp modSp add mod">
+        <pc:chgData name="Dylan Lopez" userId="5f194778-9b51-44e4-ad6e-d1be1be42ca9" providerId="ADAL" clId="{E5B87BED-3C56-4CFB-AFC0-08C32E9EAE67}" dt="2024-06-20T09:29:31.431" v="182" actId="1076"/>
+        <pc:sldMkLst>
+          <pc:docMk/>
+          <pc:sldMk cId="584018073" sldId="264"/>
+        </pc:sldMkLst>
+        <pc:spChg chg="del">
+          <ac:chgData name="Dylan Lopez" userId="5f194778-9b51-44e4-ad6e-d1be1be42ca9" providerId="ADAL" clId="{E5B87BED-3C56-4CFB-AFC0-08C32E9EAE67}" dt="2024-06-20T09:25:48.966" v="111" actId="478"/>
+          <ac:spMkLst>
+            <pc:docMk/>
+            <pc:sldMk cId="584018073" sldId="264"/>
+            <ac:spMk id="2" creationId="{6714AAF9-C0B7-840C-8A18-F26B30124605}"/>
+          </ac:spMkLst>
+        </pc:spChg>
+        <pc:spChg chg="del">
+          <ac:chgData name="Dylan Lopez" userId="5f194778-9b51-44e4-ad6e-d1be1be42ca9" providerId="ADAL" clId="{E5B87BED-3C56-4CFB-AFC0-08C32E9EAE67}" dt="2024-06-20T09:25:47.799" v="110" actId="478"/>
+          <ac:spMkLst>
+            <pc:docMk/>
+            <pc:sldMk cId="584018073" sldId="264"/>
+            <ac:spMk id="3" creationId="{354C58EB-FAF4-B757-B1FB-80D4B71E325B}"/>
+          </ac:spMkLst>
+        </pc:spChg>
+        <pc:spChg chg="add del mod">
+          <ac:chgData name="Dylan Lopez" userId="5f194778-9b51-44e4-ad6e-d1be1be42ca9" providerId="ADAL" clId="{E5B87BED-3C56-4CFB-AFC0-08C32E9EAE67}" dt="2024-06-20T09:26:53.930" v="127" actId="478"/>
+          <ac:spMkLst>
+            <pc:docMk/>
+            <pc:sldMk cId="584018073" sldId="264"/>
+            <ac:spMk id="7" creationId="{5DCC3CEB-D771-8E08-85AA-D5DCEE495940}"/>
+          </ac:spMkLst>
+        </pc:spChg>
+        <pc:spChg chg="add mod">
+          <ac:chgData name="Dylan Lopez" userId="5f194778-9b51-44e4-ad6e-d1be1be42ca9" providerId="ADAL" clId="{E5B87BED-3C56-4CFB-AFC0-08C32E9EAE67}" dt="2024-06-20T09:28:15.044" v="175" actId="6549"/>
+          <ac:spMkLst>
+            <pc:docMk/>
+            <pc:sldMk cId="584018073" sldId="264"/>
+            <ac:spMk id="10" creationId="{A3D592BC-A873-15E1-5557-F36F533B17B6}"/>
+          </ac:spMkLst>
+        </pc:spChg>
+        <pc:spChg chg="del">
+          <ac:chgData name="Dylan Lopez" userId="5f194778-9b51-44e4-ad6e-d1be1be42ca9" providerId="ADAL" clId="{E5B87BED-3C56-4CFB-AFC0-08C32E9EAE67}" dt="2024-06-20T09:25:47.799" v="110" actId="478"/>
+          <ac:spMkLst>
+            <pc:docMk/>
+            <pc:sldMk cId="584018073" sldId="264"/>
+            <ac:spMk id="11" creationId="{78963504-34A3-36C2-05A1-084402A33226}"/>
+          </ac:spMkLst>
+        </pc:spChg>
+        <pc:spChg chg="del">
+          <ac:chgData name="Dylan Lopez" userId="5f194778-9b51-44e4-ad6e-d1be1be42ca9" providerId="ADAL" clId="{E5B87BED-3C56-4CFB-AFC0-08C32E9EAE67}" dt="2024-06-20T09:25:47.799" v="110" actId="478"/>
+          <ac:spMkLst>
+            <pc:docMk/>
+            <pc:sldMk cId="584018073" sldId="264"/>
+            <ac:spMk id="12" creationId="{0FD4448F-81A9-4B4D-EFCD-7BDF21AFEB77}"/>
+          </ac:spMkLst>
+        </pc:spChg>
+        <pc:spChg chg="del">
+          <ac:chgData name="Dylan Lopez" userId="5f194778-9b51-44e4-ad6e-d1be1be42ca9" providerId="ADAL" clId="{E5B87BED-3C56-4CFB-AFC0-08C32E9EAE67}" dt="2024-06-20T09:25:47.799" v="110" actId="478"/>
+          <ac:spMkLst>
+            <pc:docMk/>
+            <pc:sldMk cId="584018073" sldId="264"/>
+            <ac:spMk id="14" creationId="{06C0850E-C25B-2069-0D90-3C08B300A7B1}"/>
+          </ac:spMkLst>
+        </pc:spChg>
+        <pc:spChg chg="mod">
+          <ac:chgData name="Dylan Lopez" userId="5f194778-9b51-44e4-ad6e-d1be1be42ca9" providerId="ADAL" clId="{E5B87BED-3C56-4CFB-AFC0-08C32E9EAE67}" dt="2024-06-20T09:25:38.522" v="108" actId="208"/>
+          <ac:spMkLst>
+            <pc:docMk/>
+            <pc:sldMk cId="584018073" sldId="264"/>
+            <ac:spMk id="18" creationId="{19E57299-4060-0CAE-D6DC-3623EB23B5C4}"/>
+          </ac:spMkLst>
+        </pc:spChg>
+        <pc:spChg chg="mod">
+          <ac:chgData name="Dylan Lopez" userId="5f194778-9b51-44e4-ad6e-d1be1be42ca9" providerId="ADAL" clId="{E5B87BED-3C56-4CFB-AFC0-08C32E9EAE67}" dt="2024-06-20T09:25:43.121" v="109" actId="208"/>
+          <ac:spMkLst>
+            <pc:docMk/>
+            <pc:sldMk cId="584018073" sldId="264"/>
+            <ac:spMk id="19" creationId="{B0FABAD7-6931-A815-8913-9E286A298854}"/>
+          </ac:spMkLst>
+        </pc:spChg>
+        <pc:spChg chg="add mod">
+          <ac:chgData name="Dylan Lopez" userId="5f194778-9b51-44e4-ad6e-d1be1be42ca9" providerId="ADAL" clId="{E5B87BED-3C56-4CFB-AFC0-08C32E9EAE67}" dt="2024-06-20T09:27:56.150" v="171" actId="1076"/>
+          <ac:spMkLst>
+            <pc:docMk/>
+            <pc:sldMk cId="584018073" sldId="264"/>
+            <ac:spMk id="21" creationId="{091FA18E-619D-0F47-CB80-ADC4725A850A}"/>
+          </ac:spMkLst>
+        </pc:spChg>
+        <pc:spChg chg="add mod">
+          <ac:chgData name="Dylan Lopez" userId="5f194778-9b51-44e4-ad6e-d1be1be42ca9" providerId="ADAL" clId="{E5B87BED-3C56-4CFB-AFC0-08C32E9EAE67}" dt="2024-06-20T09:27:48.542" v="168" actId="1076"/>
+          <ac:spMkLst>
+            <pc:docMk/>
+            <pc:sldMk cId="584018073" sldId="264"/>
+            <ac:spMk id="22" creationId="{6BAB6DC4-1DAF-BAED-C6D2-044D55058FFD}"/>
+          </ac:spMkLst>
+        </pc:spChg>
+        <pc:spChg chg="add mod">
+          <ac:chgData name="Dylan Lopez" userId="5f194778-9b51-44e4-ad6e-d1be1be42ca9" providerId="ADAL" clId="{E5B87BED-3C56-4CFB-AFC0-08C32E9EAE67}" dt="2024-06-20T09:27:57.886" v="172" actId="1076"/>
+          <ac:spMkLst>
+            <pc:docMk/>
+            <pc:sldMk cId="584018073" sldId="264"/>
+            <ac:spMk id="23" creationId="{3F2CA1F5-93ED-ED8E-C654-47012C1BD382}"/>
+          </ac:spMkLst>
+        </pc:spChg>
+        <pc:spChg chg="del">
+          <ac:chgData name="Dylan Lopez" userId="5f194778-9b51-44e4-ad6e-d1be1be42ca9" providerId="ADAL" clId="{E5B87BED-3C56-4CFB-AFC0-08C32E9EAE67}" dt="2024-06-20T09:25:47.799" v="110" actId="478"/>
+          <ac:spMkLst>
+            <pc:docMk/>
+            <pc:sldMk cId="584018073" sldId="264"/>
+            <ac:spMk id="24" creationId="{CF8FAB8E-F867-ACC9-83FA-14917AA7230F}"/>
+          </ac:spMkLst>
+        </pc:spChg>
+        <pc:spChg chg="del">
+          <ac:chgData name="Dylan Lopez" userId="5f194778-9b51-44e4-ad6e-d1be1be42ca9" providerId="ADAL" clId="{E5B87BED-3C56-4CFB-AFC0-08C32E9EAE67}" dt="2024-06-20T09:25:47.799" v="110" actId="478"/>
+          <ac:spMkLst>
+            <pc:docMk/>
+            <pc:sldMk cId="584018073" sldId="264"/>
+            <ac:spMk id="37" creationId="{0B72B4C8-4595-C747-2F5E-B55A5B80B1A5}"/>
+          </ac:spMkLst>
+        </pc:spChg>
+        <pc:spChg chg="del">
+          <ac:chgData name="Dylan Lopez" userId="5f194778-9b51-44e4-ad6e-d1be1be42ca9" providerId="ADAL" clId="{E5B87BED-3C56-4CFB-AFC0-08C32E9EAE67}" dt="2024-06-20T09:25:47.799" v="110" actId="478"/>
+          <ac:spMkLst>
+            <pc:docMk/>
+            <pc:sldMk cId="584018073" sldId="264"/>
+            <ac:spMk id="44" creationId="{C4A15920-E11F-1E81-C623-7DB3D15A95A3}"/>
+          </ac:spMkLst>
+        </pc:spChg>
+        <pc:picChg chg="add mod">
+          <ac:chgData name="Dylan Lopez" userId="5f194778-9b51-44e4-ad6e-d1be1be42ca9" providerId="ADAL" clId="{E5B87BED-3C56-4CFB-AFC0-08C32E9EAE67}" dt="2024-06-20T09:27:07.286" v="130" actId="1076"/>
+          <ac:picMkLst>
+            <pc:docMk/>
+            <pc:sldMk cId="584018073" sldId="264"/>
+            <ac:picMk id="9" creationId="{898235D5-17FA-0293-2504-B9C4A7559642}"/>
+          </ac:picMkLst>
+        </pc:picChg>
+        <pc:picChg chg="add mod">
+          <ac:chgData name="Dylan Lopez" userId="5f194778-9b51-44e4-ad6e-d1be1be42ca9" providerId="ADAL" clId="{E5B87BED-3C56-4CFB-AFC0-08C32E9EAE67}" dt="2024-06-20T09:28:12.046" v="174" actId="1076"/>
+          <ac:picMkLst>
+            <pc:docMk/>
+            <pc:sldMk cId="584018073" sldId="264"/>
+            <ac:picMk id="25" creationId="{86777AD7-C20E-699C-4BF7-928B19FB35F3}"/>
+          </ac:picMkLst>
+        </pc:picChg>
+        <pc:picChg chg="add mod">
+          <ac:chgData name="Dylan Lopez" userId="5f194778-9b51-44e4-ad6e-d1be1be42ca9" providerId="ADAL" clId="{E5B87BED-3C56-4CFB-AFC0-08C32E9EAE67}" dt="2024-06-20T09:29:27.222" v="178" actId="14100"/>
+          <ac:picMkLst>
+            <pc:docMk/>
+            <pc:sldMk cId="584018073" sldId="264"/>
+            <ac:picMk id="27" creationId="{79F4DD89-1430-A87F-3DEE-9496027933EF}"/>
+          </ac:picMkLst>
+        </pc:picChg>
+        <pc:picChg chg="add mod">
+          <ac:chgData name="Dylan Lopez" userId="5f194778-9b51-44e4-ad6e-d1be1be42ca9" providerId="ADAL" clId="{E5B87BED-3C56-4CFB-AFC0-08C32E9EAE67}" dt="2024-06-20T09:29:29.543" v="180" actId="1076"/>
+          <ac:picMkLst>
+            <pc:docMk/>
+            <pc:sldMk cId="584018073" sldId="264"/>
+            <ac:picMk id="28" creationId="{84EED50C-B82C-D940-FA8C-91A60E17ECE2}"/>
+          </ac:picMkLst>
+        </pc:picChg>
+        <pc:picChg chg="add mod">
+          <ac:chgData name="Dylan Lopez" userId="5f194778-9b51-44e4-ad6e-d1be1be42ca9" providerId="ADAL" clId="{E5B87BED-3C56-4CFB-AFC0-08C32E9EAE67}" dt="2024-06-20T09:29:31.431" v="182" actId="1076"/>
+          <ac:picMkLst>
+            <pc:docMk/>
+            <pc:sldMk cId="584018073" sldId="264"/>
+            <ac:picMk id="29" creationId="{C9A3D9BF-A8BE-D508-BC3E-9927C7995BE1}"/>
+          </ac:picMkLst>
+        </pc:picChg>
+        <pc:picChg chg="del">
+          <ac:chgData name="Dylan Lopez" userId="5f194778-9b51-44e4-ad6e-d1be1be42ca9" providerId="ADAL" clId="{E5B87BED-3C56-4CFB-AFC0-08C32E9EAE67}" dt="2024-06-20T09:25:47.799" v="110" actId="478"/>
+          <ac:picMkLst>
+            <pc:docMk/>
+            <pc:sldMk cId="584018073" sldId="264"/>
+            <ac:picMk id="35" creationId="{21871AC7-0893-2375-EABF-F9A420E43325}"/>
+          </ac:picMkLst>
+        </pc:picChg>
+        <pc:picChg chg="del">
+          <ac:chgData name="Dylan Lopez" userId="5f194778-9b51-44e4-ad6e-d1be1be42ca9" providerId="ADAL" clId="{E5B87BED-3C56-4CFB-AFC0-08C32E9EAE67}" dt="2024-06-20T09:25:47.799" v="110" actId="478"/>
+          <ac:picMkLst>
+            <pc:docMk/>
+            <pc:sldMk cId="584018073" sldId="264"/>
+            <ac:picMk id="36" creationId="{18F8C57C-55C8-3DB8-BF2C-2C99E262F284}"/>
+          </ac:picMkLst>
+        </pc:picChg>
+        <pc:picChg chg="del">
+          <ac:chgData name="Dylan Lopez" userId="5f194778-9b51-44e4-ad6e-d1be1be42ca9" providerId="ADAL" clId="{E5B87BED-3C56-4CFB-AFC0-08C32E9EAE67}" dt="2024-06-20T09:25:47.799" v="110" actId="478"/>
+          <ac:picMkLst>
+            <pc:docMk/>
+            <pc:sldMk cId="584018073" sldId="264"/>
+            <ac:picMk id="45" creationId="{1B961B99-D6CD-D74A-E7E3-A92CD3CC05E7}"/>
+          </ac:picMkLst>
+        </pc:picChg>
+        <pc:picChg chg="del">
+          <ac:chgData name="Dylan Lopez" userId="5f194778-9b51-44e4-ad6e-d1be1be42ca9" providerId="ADAL" clId="{E5B87BED-3C56-4CFB-AFC0-08C32E9EAE67}" dt="2024-06-20T09:25:47.799" v="110" actId="478"/>
+          <ac:picMkLst>
+            <pc:docMk/>
+            <pc:sldMk cId="584018073" sldId="264"/>
+            <ac:picMk id="1032" creationId="{133998F0-B08F-D754-55C5-44512F1BFCB6}"/>
+          </ac:picMkLst>
+        </pc:picChg>
+      </pc:sldChg>
+      <pc:sldChg chg="addSp delSp modSp add mod">
+        <pc:chgData name="Dylan Lopez" userId="5f194778-9b51-44e4-ad6e-d1be1be42ca9" providerId="ADAL" clId="{E5B87BED-3C56-4CFB-AFC0-08C32E9EAE67}" dt="2024-06-20T09:36:34.563" v="236" actId="313"/>
+        <pc:sldMkLst>
+          <pc:docMk/>
+          <pc:sldMk cId="3310059216" sldId="265"/>
+        </pc:sldMkLst>
+        <pc:spChg chg="add mod">
+          <ac:chgData name="Dylan Lopez" userId="5f194778-9b51-44e4-ad6e-d1be1be42ca9" providerId="ADAL" clId="{E5B87BED-3C56-4CFB-AFC0-08C32E9EAE67}" dt="2024-06-20T09:35:43.161" v="218"/>
+          <ac:spMkLst>
+            <pc:docMk/>
+            <pc:sldMk cId="3310059216" sldId="265"/>
+            <ac:spMk id="5" creationId="{307A02AE-94D3-B193-8E94-DA49124369EB}"/>
+          </ac:spMkLst>
+        </pc:spChg>
+        <pc:spChg chg="del">
+          <ac:chgData name="Dylan Lopez" userId="5f194778-9b51-44e4-ad6e-d1be1be42ca9" providerId="ADAL" clId="{E5B87BED-3C56-4CFB-AFC0-08C32E9EAE67}" dt="2024-06-20T09:35:36.285" v="216" actId="478"/>
+          <ac:spMkLst>
+            <pc:docMk/>
+            <pc:sldMk cId="3310059216" sldId="265"/>
+            <ac:spMk id="6" creationId="{86423CC1-89DF-EC4C-1D0E-079F7C860D0F}"/>
+          </ac:spMkLst>
+        </pc:spChg>
+        <pc:spChg chg="add mod">
+          <ac:chgData name="Dylan Lopez" userId="5f194778-9b51-44e4-ad6e-d1be1be42ca9" providerId="ADAL" clId="{E5B87BED-3C56-4CFB-AFC0-08C32E9EAE67}" dt="2024-06-20T09:35:52.542" v="222" actId="1076"/>
+          <ac:spMkLst>
+            <pc:docMk/>
+            <pc:sldMk cId="3310059216" sldId="265"/>
+            <ac:spMk id="7" creationId="{89A42AB1-A631-722F-2727-862EA84E27A8}"/>
+          </ac:spMkLst>
+        </pc:spChg>
+        <pc:spChg chg="add mod">
+          <ac:chgData name="Dylan Lopez" userId="5f194778-9b51-44e4-ad6e-d1be1be42ca9" providerId="ADAL" clId="{E5B87BED-3C56-4CFB-AFC0-08C32E9EAE67}" dt="2024-06-20T09:35:57.220" v="225" actId="1076"/>
+          <ac:spMkLst>
+            <pc:docMk/>
+            <pc:sldMk cId="3310059216" sldId="265"/>
+            <ac:spMk id="9" creationId="{B48E59D1-FBF0-37DE-B5D5-C53EAAAA1AFA}"/>
+          </ac:spMkLst>
+        </pc:spChg>
+        <pc:spChg chg="del">
+          <ac:chgData name="Dylan Lopez" userId="5f194778-9b51-44e4-ad6e-d1be1be42ca9" providerId="ADAL" clId="{E5B87BED-3C56-4CFB-AFC0-08C32E9EAE67}" dt="2024-06-20T09:35:37.967" v="217" actId="478"/>
+          <ac:spMkLst>
+            <pc:docMk/>
+            <pc:sldMk cId="3310059216" sldId="265"/>
+            <ac:spMk id="10" creationId="{9972C91A-7FE7-4E36-0959-E687C29213E1}"/>
+          </ac:spMkLst>
+        </pc:spChg>
+        <pc:spChg chg="del">
+          <ac:chgData name="Dylan Lopez" userId="5f194778-9b51-44e4-ad6e-d1be1be42ca9" providerId="ADAL" clId="{E5B87BED-3C56-4CFB-AFC0-08C32E9EAE67}" dt="2024-06-20T09:35:37.967" v="217" actId="478"/>
+          <ac:spMkLst>
+            <pc:docMk/>
+            <pc:sldMk cId="3310059216" sldId="265"/>
+            <ac:spMk id="11" creationId="{9627D453-758D-2C01-A399-0D32F280710A}"/>
+          </ac:spMkLst>
+        </pc:spChg>
+        <pc:spChg chg="del">
+          <ac:chgData name="Dylan Lopez" userId="5f194778-9b51-44e4-ad6e-d1be1be42ca9" providerId="ADAL" clId="{E5B87BED-3C56-4CFB-AFC0-08C32E9EAE67}" dt="2024-06-20T09:35:37.967" v="217" actId="478"/>
+          <ac:spMkLst>
+            <pc:docMk/>
+            <pc:sldMk cId="3310059216" sldId="265"/>
+            <ac:spMk id="12" creationId="{7FFEF6C5-54AD-E7B9-8070-CF7DEE3CBF31}"/>
+          </ac:spMkLst>
+        </pc:spChg>
+        <pc:spChg chg="del">
+          <ac:chgData name="Dylan Lopez" userId="5f194778-9b51-44e4-ad6e-d1be1be42ca9" providerId="ADAL" clId="{E5B87BED-3C56-4CFB-AFC0-08C32E9EAE67}" dt="2024-06-20T09:35:37.967" v="217" actId="478"/>
+          <ac:spMkLst>
+            <pc:docMk/>
+            <pc:sldMk cId="3310059216" sldId="265"/>
+            <ac:spMk id="15" creationId="{400CE3B2-881D-8FE3-9EBE-6FC352EFFD28}"/>
+          </ac:spMkLst>
+        </pc:spChg>
+        <pc:spChg chg="del">
+          <ac:chgData name="Dylan Lopez" userId="5f194778-9b51-44e4-ad6e-d1be1be42ca9" providerId="ADAL" clId="{E5B87BED-3C56-4CFB-AFC0-08C32E9EAE67}" dt="2024-06-20T09:35:37.967" v="217" actId="478"/>
+          <ac:spMkLst>
+            <pc:docMk/>
+            <pc:sldMk cId="3310059216" sldId="265"/>
+            <ac:spMk id="16" creationId="{5352BC82-D7AA-15D9-211A-912DBF975478}"/>
+          </ac:spMkLst>
+        </pc:spChg>
+        <pc:spChg chg="del">
+          <ac:chgData name="Dylan Lopez" userId="5f194778-9b51-44e4-ad6e-d1be1be42ca9" providerId="ADAL" clId="{E5B87BED-3C56-4CFB-AFC0-08C32E9EAE67}" dt="2024-06-20T09:35:37.967" v="217" actId="478"/>
+          <ac:spMkLst>
+            <pc:docMk/>
+            <pc:sldMk cId="3310059216" sldId="265"/>
+            <ac:spMk id="17" creationId="{526F7018-EB19-86C5-CD08-EC63ADBEF90E}"/>
+          </ac:spMkLst>
+        </pc:spChg>
+        <pc:spChg chg="add mod">
+          <ac:chgData name="Dylan Lopez" userId="5f194778-9b51-44e4-ad6e-d1be1be42ca9" providerId="ADAL" clId="{E5B87BED-3C56-4CFB-AFC0-08C32E9EAE67}" dt="2024-06-20T09:36:00.632" v="227" actId="1076"/>
+          <ac:spMkLst>
+            <pc:docMk/>
+            <pc:sldMk cId="3310059216" sldId="265"/>
+            <ac:spMk id="18" creationId="{8772CCD7-02C8-FCE0-6267-A7FA48E69453}"/>
+          </ac:spMkLst>
+        </pc:spChg>
+        <pc:spChg chg="add mod">
+          <ac:chgData name="Dylan Lopez" userId="5f194778-9b51-44e4-ad6e-d1be1be42ca9" providerId="ADAL" clId="{E5B87BED-3C56-4CFB-AFC0-08C32E9EAE67}" dt="2024-06-20T09:36:34.563" v="236" actId="313"/>
+          <ac:spMkLst>
+            <pc:docMk/>
+            <pc:sldMk cId="3310059216" sldId="265"/>
+            <ac:spMk id="19" creationId="{40046287-2E5E-31D9-F951-0DD249B01519}"/>
+          </ac:spMkLst>
+        </pc:spChg>
+        <pc:spChg chg="add mod">
+          <ac:chgData name="Dylan Lopez" userId="5f194778-9b51-44e4-ad6e-d1be1be42ca9" providerId="ADAL" clId="{E5B87BED-3C56-4CFB-AFC0-08C32E9EAE67}" dt="2024-06-20T09:36:33.066" v="235" actId="313"/>
+          <ac:spMkLst>
+            <pc:docMk/>
+            <pc:sldMk cId="3310059216" sldId="265"/>
+            <ac:spMk id="20" creationId="{79D8F914-5A5B-3670-2C6F-741EB63D6A3B}"/>
+          </ac:spMkLst>
+        </pc:spChg>
+        <pc:spChg chg="add mod">
+          <ac:chgData name="Dylan Lopez" userId="5f194778-9b51-44e4-ad6e-d1be1be42ca9" providerId="ADAL" clId="{E5B87BED-3C56-4CFB-AFC0-08C32E9EAE67}" dt="2024-06-20T09:36:31.619" v="234" actId="313"/>
+          <ac:spMkLst>
+            <pc:docMk/>
+            <pc:sldMk cId="3310059216" sldId="265"/>
+            <ac:spMk id="21" creationId="{A9869BDF-3E69-FA49-AB7B-38E1E8FDB6FE}"/>
           </ac:spMkLst>
         </pc:spChg>
       </pc:sldChg>
@@ -1640,7 +2755,7 @@
           <a:p>
             <a:fld id="{ED7E5673-58DF-46E8-93E8-1EB5A49B06BB}" type="datetimeFigureOut">
               <a:rPr lang="fr-CH" smtClean="0"/>
-              <a:t>17.05.2024</a:t>
+              <a:t>20.06.2024</a:t>
             </a:fld>
             <a:endParaRPr lang="fr-CH"/>
           </a:p>
@@ -1840,7 +2955,7 @@
           <a:p>
             <a:fld id="{ED7E5673-58DF-46E8-93E8-1EB5A49B06BB}" type="datetimeFigureOut">
               <a:rPr lang="fr-CH" smtClean="0"/>
-              <a:t>17.05.2024</a:t>
+              <a:t>20.06.2024</a:t>
             </a:fld>
             <a:endParaRPr lang="fr-CH"/>
           </a:p>
@@ -2050,7 +3165,7 @@
           <a:p>
             <a:fld id="{ED7E5673-58DF-46E8-93E8-1EB5A49B06BB}" type="datetimeFigureOut">
               <a:rPr lang="fr-CH" smtClean="0"/>
-              <a:t>17.05.2024</a:t>
+              <a:t>20.06.2024</a:t>
             </a:fld>
             <a:endParaRPr lang="fr-CH"/>
           </a:p>
@@ -2250,7 +3365,7 @@
           <a:p>
             <a:fld id="{ED7E5673-58DF-46E8-93E8-1EB5A49B06BB}" type="datetimeFigureOut">
               <a:rPr lang="fr-CH" smtClean="0"/>
-              <a:t>17.05.2024</a:t>
+              <a:t>20.06.2024</a:t>
             </a:fld>
             <a:endParaRPr lang="fr-CH"/>
           </a:p>
@@ -2526,7 +3641,7 @@
           <a:p>
             <a:fld id="{ED7E5673-58DF-46E8-93E8-1EB5A49B06BB}" type="datetimeFigureOut">
               <a:rPr lang="fr-CH" smtClean="0"/>
-              <a:t>17.05.2024</a:t>
+              <a:t>20.06.2024</a:t>
             </a:fld>
             <a:endParaRPr lang="fr-CH"/>
           </a:p>
@@ -2794,7 +3909,7 @@
           <a:p>
             <a:fld id="{ED7E5673-58DF-46E8-93E8-1EB5A49B06BB}" type="datetimeFigureOut">
               <a:rPr lang="fr-CH" smtClean="0"/>
-              <a:t>17.05.2024</a:t>
+              <a:t>20.06.2024</a:t>
             </a:fld>
             <a:endParaRPr lang="fr-CH"/>
           </a:p>
@@ -3209,7 +4324,7 @@
           <a:p>
             <a:fld id="{ED7E5673-58DF-46E8-93E8-1EB5A49B06BB}" type="datetimeFigureOut">
               <a:rPr lang="fr-CH" smtClean="0"/>
-              <a:t>17.05.2024</a:t>
+              <a:t>20.06.2024</a:t>
             </a:fld>
             <a:endParaRPr lang="fr-CH"/>
           </a:p>
@@ -3351,7 +4466,7 @@
           <a:p>
             <a:fld id="{ED7E5673-58DF-46E8-93E8-1EB5A49B06BB}" type="datetimeFigureOut">
               <a:rPr lang="fr-CH" smtClean="0"/>
-              <a:t>17.05.2024</a:t>
+              <a:t>20.06.2024</a:t>
             </a:fld>
             <a:endParaRPr lang="fr-CH"/>
           </a:p>
@@ -3464,7 +4579,7 @@
           <a:p>
             <a:fld id="{ED7E5673-58DF-46E8-93E8-1EB5A49B06BB}" type="datetimeFigureOut">
               <a:rPr lang="fr-CH" smtClean="0"/>
-              <a:t>17.05.2024</a:t>
+              <a:t>20.06.2024</a:t>
             </a:fld>
             <a:endParaRPr lang="fr-CH"/>
           </a:p>
@@ -3777,7 +4892,7 @@
           <a:p>
             <a:fld id="{ED7E5673-58DF-46E8-93E8-1EB5A49B06BB}" type="datetimeFigureOut">
               <a:rPr lang="fr-CH" smtClean="0"/>
-              <a:t>17.05.2024</a:t>
+              <a:t>20.06.2024</a:t>
             </a:fld>
             <a:endParaRPr lang="fr-CH"/>
           </a:p>
@@ -4066,7 +5181,7 @@
           <a:p>
             <a:fld id="{ED7E5673-58DF-46E8-93E8-1EB5A49B06BB}" type="datetimeFigureOut">
               <a:rPr lang="fr-CH" smtClean="0"/>
-              <a:t>17.05.2024</a:t>
+              <a:t>20.06.2024</a:t>
             </a:fld>
             <a:endParaRPr lang="fr-CH"/>
           </a:p>
@@ -4309,7 +5424,7 @@
           <a:p>
             <a:fld id="{ED7E5673-58DF-46E8-93E8-1EB5A49B06BB}" type="datetimeFigureOut">
               <a:rPr lang="fr-CH" smtClean="0"/>
-              <a:t>17.05.2024</a:t>
+              <a:t>20.06.2024</a:t>
             </a:fld>
             <a:endParaRPr lang="fr-CH"/>
           </a:p>
@@ -5083,6 +6198,968 @@
 </p:sld>
 </file>
 
+<file path=ppt/slides/slide10.xml><?xml version="1.0" encoding="utf-8"?>
+<p:sld xmlns:a="http://schemas.openxmlformats.org/drawingml/2006/main" xmlns:r="http://schemas.openxmlformats.org/officeDocument/2006/relationships" xmlns:p="http://schemas.openxmlformats.org/presentationml/2006/main">
+  <p:cSld>
+    <p:spTree>
+      <p:nvGrpSpPr>
+        <p:cNvPr id="1" name=""/>
+        <p:cNvGrpSpPr/>
+        <p:nvPr/>
+      </p:nvGrpSpPr>
+      <p:grpSpPr>
+        <a:xfrm>
+          <a:off x="0" y="0"/>
+          <a:ext cx="0" cy="0"/>
+          <a:chOff x="0" y="0"/>
+          <a:chExt cx="0" cy="0"/>
+        </a:xfrm>
+      </p:grpSpPr>
+      <p:sp>
+        <p:nvSpPr>
+          <p:cNvPr id="4" name="Rectangle 3">
+            <a:extLst>
+              <a:ext uri="{FF2B5EF4-FFF2-40B4-BE49-F238E27FC236}">
+                <a16:creationId xmlns:a16="http://schemas.microsoft.com/office/drawing/2014/main" id="{082F3F07-15FC-E21B-FCB1-53B641FA2A89}"/>
+              </a:ext>
+            </a:extLst>
+          </p:cNvPr>
+          <p:cNvSpPr/>
+          <p:nvPr/>
+        </p:nvSpPr>
+        <p:spPr>
+          <a:xfrm>
+            <a:off x="0" y="0"/>
+            <a:ext cx="12192000" cy="1056443"/>
+          </a:xfrm>
+          <a:prstGeom prst="rect">
+            <a:avLst/>
+          </a:prstGeom>
+          <a:noFill/>
+        </p:spPr>
+        <p:style>
+          <a:lnRef idx="2">
+            <a:schemeClr val="accent1">
+              <a:shade val="15000"/>
+            </a:schemeClr>
+          </a:lnRef>
+          <a:fillRef idx="1">
+            <a:schemeClr val="accent1"/>
+          </a:fillRef>
+          <a:effectRef idx="0">
+            <a:schemeClr val="accent1"/>
+          </a:effectRef>
+          <a:fontRef idx="minor">
+            <a:schemeClr val="lt1"/>
+          </a:fontRef>
+        </p:style>
+        <p:txBody>
+          <a:bodyPr rtlCol="0" anchor="ctr"/>
+          <a:lstStyle/>
+          <a:p>
+            <a:pPr algn="ctr"/>
+            <a:endParaRPr lang="fr-CH"/>
+          </a:p>
+        </p:txBody>
+      </p:sp>
+      <p:sp>
+        <p:nvSpPr>
+          <p:cNvPr id="13" name="Rectangle 12">
+            <a:extLst>
+              <a:ext uri="{FF2B5EF4-FFF2-40B4-BE49-F238E27FC236}">
+                <a16:creationId xmlns:a16="http://schemas.microsoft.com/office/drawing/2014/main" id="{7BB57464-606F-439C-3EE6-37956C925459}"/>
+              </a:ext>
+            </a:extLst>
+          </p:cNvPr>
+          <p:cNvSpPr/>
+          <p:nvPr/>
+        </p:nvSpPr>
+        <p:spPr>
+          <a:xfrm>
+            <a:off x="0" y="0"/>
+            <a:ext cx="12192000" cy="6858000"/>
+          </a:xfrm>
+          <a:prstGeom prst="rect">
+            <a:avLst/>
+          </a:prstGeom>
+          <a:noFill/>
+        </p:spPr>
+        <p:style>
+          <a:lnRef idx="2">
+            <a:schemeClr val="accent1">
+              <a:shade val="15000"/>
+            </a:schemeClr>
+          </a:lnRef>
+          <a:fillRef idx="1">
+            <a:schemeClr val="accent1"/>
+          </a:fillRef>
+          <a:effectRef idx="0">
+            <a:schemeClr val="accent1"/>
+          </a:effectRef>
+          <a:fontRef idx="minor">
+            <a:schemeClr val="lt1"/>
+          </a:fontRef>
+        </p:style>
+        <p:txBody>
+          <a:bodyPr rtlCol="0" anchor="ctr"/>
+          <a:lstStyle/>
+          <a:p>
+            <a:pPr algn="ctr"/>
+            <a:endParaRPr lang="fr-CH"/>
+          </a:p>
+        </p:txBody>
+      </p:sp>
+      <p:sp>
+        <p:nvSpPr>
+          <p:cNvPr id="15" name="Rectangle 14">
+            <a:extLst>
+              <a:ext uri="{FF2B5EF4-FFF2-40B4-BE49-F238E27FC236}">
+                <a16:creationId xmlns:a16="http://schemas.microsoft.com/office/drawing/2014/main" id="{8293D4C6-387E-E6E8-A0A3-157E1B7FBF31}"/>
+              </a:ext>
+            </a:extLst>
+          </p:cNvPr>
+          <p:cNvSpPr/>
+          <p:nvPr/>
+        </p:nvSpPr>
+        <p:spPr>
+          <a:xfrm>
+            <a:off x="1296140" y="246931"/>
+            <a:ext cx="2095130" cy="479395"/>
+          </a:xfrm>
+          <a:prstGeom prst="rect">
+            <a:avLst/>
+          </a:prstGeom>
+          <a:solidFill>
+            <a:schemeClr val="bg1"/>
+          </a:solidFill>
+        </p:spPr>
+        <p:style>
+          <a:lnRef idx="2">
+            <a:schemeClr val="accent1">
+              <a:shade val="15000"/>
+            </a:schemeClr>
+          </a:lnRef>
+          <a:fillRef idx="1">
+            <a:schemeClr val="accent1"/>
+          </a:fillRef>
+          <a:effectRef idx="0">
+            <a:schemeClr val="accent1"/>
+          </a:effectRef>
+          <a:fontRef idx="minor">
+            <a:schemeClr val="lt1"/>
+          </a:fontRef>
+        </p:style>
+        <p:txBody>
+          <a:bodyPr rtlCol="0" anchor="ctr"/>
+          <a:lstStyle/>
+          <a:p>
+            <a:pPr algn="l"/>
+            <a:r>
+              <a:rPr lang="fr-CH" dirty="0">
+                <a:solidFill>
+                  <a:schemeClr val="tx1"/>
+                </a:solidFill>
+                <a:latin typeface="system-ui"/>
+              </a:rPr>
+              <a:t>      </a:t>
+            </a:r>
+            <a:r>
+              <a:rPr lang="fr-CH" b="0" i="0" dirty="0">
+                <a:solidFill>
+                  <a:schemeClr val="tx1"/>
+                </a:solidFill>
+                <a:effectLst/>
+                <a:latin typeface="system-ui"/>
+              </a:rPr>
+              <a:t>ENCHERINO</a:t>
+            </a:r>
+            <a:endParaRPr lang="fr-CH" dirty="0">
+              <a:solidFill>
+                <a:schemeClr val="tx1"/>
+              </a:solidFill>
+            </a:endParaRPr>
+          </a:p>
+        </p:txBody>
+      </p:sp>
+      <p:pic>
+        <p:nvPicPr>
+          <p:cNvPr id="16" name="Image 15">
+            <a:extLst>
+              <a:ext uri="{FF2B5EF4-FFF2-40B4-BE49-F238E27FC236}">
+                <a16:creationId xmlns:a16="http://schemas.microsoft.com/office/drawing/2014/main" id="{AAAC7B51-9DDE-1A33-4B2F-6F85774812F5}"/>
+              </a:ext>
+            </a:extLst>
+          </p:cNvPr>
+          <p:cNvPicPr>
+            <a:picLocks noChangeAspect="1"/>
+          </p:cNvPicPr>
+          <p:nvPr/>
+        </p:nvPicPr>
+        <p:blipFill>
+          <a:blip r:embed="rId2"/>
+          <a:stretch>
+            <a:fillRect/>
+          </a:stretch>
+        </p:blipFill>
+        <p:spPr>
+          <a:xfrm>
+            <a:off x="179717" y="267522"/>
+            <a:ext cx="520339" cy="469325"/>
+          </a:xfrm>
+          <a:prstGeom prst="rect">
+            <a:avLst/>
+          </a:prstGeom>
+        </p:spPr>
+      </p:pic>
+      <p:sp>
+        <p:nvSpPr>
+          <p:cNvPr id="5" name="Rectangle 4">
+            <a:extLst>
+              <a:ext uri="{FF2B5EF4-FFF2-40B4-BE49-F238E27FC236}">
+                <a16:creationId xmlns:a16="http://schemas.microsoft.com/office/drawing/2014/main" id="{311D569F-CDA5-DAB3-9C86-F4A1F2BB5C95}"/>
+              </a:ext>
+            </a:extLst>
+          </p:cNvPr>
+          <p:cNvSpPr/>
+          <p:nvPr/>
+        </p:nvSpPr>
+        <p:spPr>
+          <a:xfrm>
+            <a:off x="7291428" y="466077"/>
+            <a:ext cx="640672" cy="270770"/>
+          </a:xfrm>
+          <a:prstGeom prst="rect">
+            <a:avLst/>
+          </a:prstGeom>
+          <a:solidFill>
+            <a:schemeClr val="bg1"/>
+          </a:solidFill>
+          <a:ln>
+            <a:solidFill>
+              <a:schemeClr val="tx1"/>
+            </a:solidFill>
+          </a:ln>
+        </p:spPr>
+        <p:style>
+          <a:lnRef idx="2">
+            <a:schemeClr val="accent1">
+              <a:shade val="15000"/>
+            </a:schemeClr>
+          </a:lnRef>
+          <a:fillRef idx="1">
+            <a:schemeClr val="accent1"/>
+          </a:fillRef>
+          <a:effectRef idx="0">
+            <a:schemeClr val="accent1"/>
+          </a:effectRef>
+          <a:fontRef idx="minor">
+            <a:schemeClr val="lt1"/>
+          </a:fontRef>
+        </p:style>
+        <p:txBody>
+          <a:bodyPr rtlCol="0" anchor="ctr"/>
+          <a:lstStyle/>
+          <a:p>
+            <a:pPr algn="ctr"/>
+            <a:r>
+              <a:rPr lang="fr-CH" sz="900" dirty="0">
+                <a:solidFill>
+                  <a:schemeClr val="tx1"/>
+                </a:solidFill>
+              </a:rPr>
+              <a:t>Home</a:t>
+            </a:r>
+          </a:p>
+        </p:txBody>
+      </p:sp>
+      <p:sp>
+        <p:nvSpPr>
+          <p:cNvPr id="6" name="Rectangle 5">
+            <a:extLst>
+              <a:ext uri="{FF2B5EF4-FFF2-40B4-BE49-F238E27FC236}">
+                <a16:creationId xmlns:a16="http://schemas.microsoft.com/office/drawing/2014/main" id="{250D1648-52A1-5D42-D690-9C2B256C461B}"/>
+              </a:ext>
+            </a:extLst>
+          </p:cNvPr>
+          <p:cNvSpPr/>
+          <p:nvPr/>
+        </p:nvSpPr>
+        <p:spPr>
+          <a:xfrm>
+            <a:off x="8003120" y="463858"/>
+            <a:ext cx="640672" cy="270770"/>
+          </a:xfrm>
+          <a:prstGeom prst="rect">
+            <a:avLst/>
+          </a:prstGeom>
+          <a:solidFill>
+            <a:schemeClr val="bg1"/>
+          </a:solidFill>
+        </p:spPr>
+        <p:style>
+          <a:lnRef idx="2">
+            <a:schemeClr val="accent1">
+              <a:shade val="15000"/>
+            </a:schemeClr>
+          </a:lnRef>
+          <a:fillRef idx="1">
+            <a:schemeClr val="accent1"/>
+          </a:fillRef>
+          <a:effectRef idx="0">
+            <a:schemeClr val="accent1"/>
+          </a:effectRef>
+          <a:fontRef idx="minor">
+            <a:schemeClr val="lt1"/>
+          </a:fontRef>
+        </p:style>
+        <p:txBody>
+          <a:bodyPr rtlCol="0" anchor="ctr"/>
+          <a:lstStyle/>
+          <a:p>
+            <a:pPr algn="ctr"/>
+            <a:r>
+              <a:rPr lang="fr-CH" sz="900" dirty="0">
+                <a:solidFill>
+                  <a:schemeClr val="tx1"/>
+                </a:solidFill>
+              </a:rPr>
+              <a:t>About</a:t>
+            </a:r>
+          </a:p>
+        </p:txBody>
+      </p:sp>
+      <p:sp>
+        <p:nvSpPr>
+          <p:cNvPr id="17" name="Rectangle 16">
+            <a:extLst>
+              <a:ext uri="{FF2B5EF4-FFF2-40B4-BE49-F238E27FC236}">
+                <a16:creationId xmlns:a16="http://schemas.microsoft.com/office/drawing/2014/main" id="{F28572FA-38CA-7379-4DD3-B0BFE446E3FE}"/>
+              </a:ext>
+            </a:extLst>
+          </p:cNvPr>
+          <p:cNvSpPr/>
+          <p:nvPr/>
+        </p:nvSpPr>
+        <p:spPr>
+          <a:xfrm>
+            <a:off x="8707417" y="466077"/>
+            <a:ext cx="640672" cy="270770"/>
+          </a:xfrm>
+          <a:prstGeom prst="rect">
+            <a:avLst/>
+          </a:prstGeom>
+          <a:solidFill>
+            <a:schemeClr val="bg1"/>
+          </a:solidFill>
+        </p:spPr>
+        <p:style>
+          <a:lnRef idx="2">
+            <a:schemeClr val="accent1">
+              <a:shade val="15000"/>
+            </a:schemeClr>
+          </a:lnRef>
+          <a:fillRef idx="1">
+            <a:schemeClr val="accent1"/>
+          </a:fillRef>
+          <a:effectRef idx="0">
+            <a:schemeClr val="accent1"/>
+          </a:effectRef>
+          <a:fontRef idx="minor">
+            <a:schemeClr val="lt1"/>
+          </a:fontRef>
+        </p:style>
+        <p:txBody>
+          <a:bodyPr rtlCol="0" anchor="ctr"/>
+          <a:lstStyle/>
+          <a:p>
+            <a:pPr algn="ctr"/>
+            <a:r>
+              <a:rPr lang="fr-CH" sz="900" dirty="0">
+                <a:solidFill>
+                  <a:schemeClr val="tx1"/>
+                </a:solidFill>
+              </a:rPr>
+              <a:t>Lots</a:t>
+            </a:r>
+          </a:p>
+        </p:txBody>
+      </p:sp>
+      <p:sp>
+        <p:nvSpPr>
+          <p:cNvPr id="18" name="Rectangle 17">
+            <a:extLst>
+              <a:ext uri="{FF2B5EF4-FFF2-40B4-BE49-F238E27FC236}">
+                <a16:creationId xmlns:a16="http://schemas.microsoft.com/office/drawing/2014/main" id="{19E57299-4060-0CAE-D6DC-3623EB23B5C4}"/>
+              </a:ext>
+            </a:extLst>
+          </p:cNvPr>
+          <p:cNvSpPr/>
+          <p:nvPr/>
+        </p:nvSpPr>
+        <p:spPr>
+          <a:xfrm>
+            <a:off x="9411714" y="463858"/>
+            <a:ext cx="640672" cy="270770"/>
+          </a:xfrm>
+          <a:prstGeom prst="rect">
+            <a:avLst/>
+          </a:prstGeom>
+          <a:solidFill>
+            <a:schemeClr val="bg1"/>
+          </a:solidFill>
+          <a:ln>
+            <a:solidFill>
+              <a:schemeClr val="tx1"/>
+            </a:solidFill>
+          </a:ln>
+        </p:spPr>
+        <p:style>
+          <a:lnRef idx="2">
+            <a:schemeClr val="accent1">
+              <a:shade val="15000"/>
+            </a:schemeClr>
+          </a:lnRef>
+          <a:fillRef idx="1">
+            <a:schemeClr val="accent1"/>
+          </a:fillRef>
+          <a:effectRef idx="0">
+            <a:schemeClr val="accent1"/>
+          </a:effectRef>
+          <a:fontRef idx="minor">
+            <a:schemeClr val="lt1"/>
+          </a:fontRef>
+        </p:style>
+        <p:txBody>
+          <a:bodyPr rtlCol="0" anchor="ctr"/>
+          <a:lstStyle/>
+          <a:p>
+            <a:pPr algn="ctr"/>
+            <a:r>
+              <a:rPr lang="fr-CH" sz="900" dirty="0">
+                <a:solidFill>
+                  <a:schemeClr val="tx1"/>
+                </a:solidFill>
+              </a:rPr>
+              <a:t>Ajout de lot</a:t>
+            </a:r>
+          </a:p>
+        </p:txBody>
+      </p:sp>
+      <p:sp>
+        <p:nvSpPr>
+          <p:cNvPr id="19" name="Rectangle 18">
+            <a:extLst>
+              <a:ext uri="{FF2B5EF4-FFF2-40B4-BE49-F238E27FC236}">
+                <a16:creationId xmlns:a16="http://schemas.microsoft.com/office/drawing/2014/main" id="{B0FABAD7-6931-A815-8913-9E286A298854}"/>
+              </a:ext>
+            </a:extLst>
+          </p:cNvPr>
+          <p:cNvSpPr/>
+          <p:nvPr/>
+        </p:nvSpPr>
+        <p:spPr>
+          <a:xfrm>
+            <a:off x="10116499" y="463858"/>
+            <a:ext cx="640672" cy="270770"/>
+          </a:xfrm>
+          <a:prstGeom prst="rect">
+            <a:avLst/>
+          </a:prstGeom>
+          <a:solidFill>
+            <a:schemeClr val="bg1"/>
+          </a:solidFill>
+          <a:ln>
+            <a:solidFill>
+              <a:srgbClr val="FF0000"/>
+            </a:solidFill>
+          </a:ln>
+        </p:spPr>
+        <p:style>
+          <a:lnRef idx="2">
+            <a:schemeClr val="accent1">
+              <a:shade val="15000"/>
+            </a:schemeClr>
+          </a:lnRef>
+          <a:fillRef idx="1">
+            <a:schemeClr val="accent1"/>
+          </a:fillRef>
+          <a:effectRef idx="0">
+            <a:schemeClr val="accent1"/>
+          </a:effectRef>
+          <a:fontRef idx="minor">
+            <a:schemeClr val="lt1"/>
+          </a:fontRef>
+        </p:style>
+        <p:txBody>
+          <a:bodyPr rtlCol="0" anchor="ctr"/>
+          <a:lstStyle/>
+          <a:p>
+            <a:pPr algn="ctr"/>
+            <a:r>
+              <a:rPr lang="fr-CH" sz="900" dirty="0">
+                <a:solidFill>
+                  <a:schemeClr val="tx1"/>
+                </a:solidFill>
+              </a:rPr>
+              <a:t>Mon Compte</a:t>
+            </a:r>
+          </a:p>
+        </p:txBody>
+      </p:sp>
+      <p:sp>
+        <p:nvSpPr>
+          <p:cNvPr id="20" name="Rectangle 19">
+            <a:extLst>
+              <a:ext uri="{FF2B5EF4-FFF2-40B4-BE49-F238E27FC236}">
+                <a16:creationId xmlns:a16="http://schemas.microsoft.com/office/drawing/2014/main" id="{A46EA29D-8676-D291-C159-77EBEAC587FB}"/>
+              </a:ext>
+            </a:extLst>
+          </p:cNvPr>
+          <p:cNvSpPr/>
+          <p:nvPr/>
+        </p:nvSpPr>
+        <p:spPr>
+          <a:xfrm>
+            <a:off x="10895860" y="455556"/>
+            <a:ext cx="1199570" cy="270770"/>
+          </a:xfrm>
+          <a:prstGeom prst="rect">
+            <a:avLst/>
+          </a:prstGeom>
+          <a:solidFill>
+            <a:schemeClr val="bg1"/>
+          </a:solidFill>
+        </p:spPr>
+        <p:style>
+          <a:lnRef idx="2">
+            <a:schemeClr val="accent1">
+              <a:shade val="15000"/>
+            </a:schemeClr>
+          </a:lnRef>
+          <a:fillRef idx="1">
+            <a:schemeClr val="accent1"/>
+          </a:fillRef>
+          <a:effectRef idx="0">
+            <a:schemeClr val="accent1"/>
+          </a:effectRef>
+          <a:fontRef idx="minor">
+            <a:schemeClr val="lt1"/>
+          </a:fontRef>
+        </p:style>
+        <p:txBody>
+          <a:bodyPr rtlCol="0" anchor="ctr"/>
+          <a:lstStyle/>
+          <a:p>
+            <a:pPr algn="ctr"/>
+            <a:r>
+              <a:rPr lang="fr-CH" sz="900" dirty="0">
+                <a:solidFill>
+                  <a:schemeClr val="tx1"/>
+                </a:solidFill>
+              </a:rPr>
+              <a:t>User [Solde]</a:t>
+            </a:r>
+          </a:p>
+        </p:txBody>
+      </p:sp>
+      <p:pic>
+        <p:nvPicPr>
+          <p:cNvPr id="9" name="Image 8">
+            <a:extLst>
+              <a:ext uri="{FF2B5EF4-FFF2-40B4-BE49-F238E27FC236}">
+                <a16:creationId xmlns:a16="http://schemas.microsoft.com/office/drawing/2014/main" id="{898235D5-17FA-0293-2504-B9C4A7559642}"/>
+              </a:ext>
+            </a:extLst>
+          </p:cNvPr>
+          <p:cNvPicPr>
+            <a:picLocks noChangeAspect="1"/>
+          </p:cNvPicPr>
+          <p:nvPr/>
+        </p:nvPicPr>
+        <p:blipFill>
+          <a:blip r:embed="rId3"/>
+          <a:stretch>
+            <a:fillRect/>
+          </a:stretch>
+        </p:blipFill>
+        <p:spPr>
+          <a:xfrm>
+            <a:off x="10290429" y="819076"/>
+            <a:ext cx="1350311" cy="1534825"/>
+          </a:xfrm>
+          <a:prstGeom prst="rect">
+            <a:avLst/>
+          </a:prstGeom>
+        </p:spPr>
+      </p:pic>
+      <p:sp>
+        <p:nvSpPr>
+          <p:cNvPr id="10" name="Rectangle 9">
+            <a:extLst>
+              <a:ext uri="{FF2B5EF4-FFF2-40B4-BE49-F238E27FC236}">
+                <a16:creationId xmlns:a16="http://schemas.microsoft.com/office/drawing/2014/main" id="{A3D592BC-A873-15E1-5557-F36F533B17B6}"/>
+              </a:ext>
+            </a:extLst>
+          </p:cNvPr>
+          <p:cNvSpPr/>
+          <p:nvPr/>
+        </p:nvSpPr>
+        <p:spPr>
+          <a:xfrm>
+            <a:off x="3822012" y="1185168"/>
+            <a:ext cx="4003829" cy="337352"/>
+          </a:xfrm>
+          <a:prstGeom prst="rect">
+            <a:avLst/>
+          </a:prstGeom>
+          <a:solidFill>
+            <a:schemeClr val="bg1"/>
+          </a:solidFill>
+          <a:ln>
+            <a:solidFill>
+              <a:schemeClr val="tx2"/>
+            </a:solidFill>
+          </a:ln>
+        </p:spPr>
+        <p:style>
+          <a:lnRef idx="2">
+            <a:schemeClr val="accent1">
+              <a:shade val="15000"/>
+            </a:schemeClr>
+          </a:lnRef>
+          <a:fillRef idx="1">
+            <a:schemeClr val="accent1"/>
+          </a:fillRef>
+          <a:effectRef idx="0">
+            <a:schemeClr val="accent1"/>
+          </a:effectRef>
+          <a:fontRef idx="minor">
+            <a:schemeClr val="lt1"/>
+          </a:fontRef>
+        </p:style>
+        <p:txBody>
+          <a:bodyPr rtlCol="0" anchor="ctr"/>
+          <a:lstStyle/>
+          <a:p>
+            <a:pPr algn="ctr"/>
+            <a:r>
+              <a:rPr lang="fr-CH" dirty="0">
+                <a:solidFill>
+                  <a:schemeClr val="tx1"/>
+                </a:solidFill>
+              </a:rPr>
+              <a:t>Texte en rapport avec le lot</a:t>
+            </a:r>
+          </a:p>
+        </p:txBody>
+      </p:sp>
+      <p:sp>
+        <p:nvSpPr>
+          <p:cNvPr id="21" name="Rectangle : coins arrondis 20">
+            <a:extLst>
+              <a:ext uri="{FF2B5EF4-FFF2-40B4-BE49-F238E27FC236}">
+                <a16:creationId xmlns:a16="http://schemas.microsoft.com/office/drawing/2014/main" id="{091FA18E-619D-0F47-CB80-ADC4725A850A}"/>
+              </a:ext>
+            </a:extLst>
+          </p:cNvPr>
+          <p:cNvSpPr/>
+          <p:nvPr/>
+        </p:nvSpPr>
+        <p:spPr>
+          <a:xfrm>
+            <a:off x="1330434" y="1964386"/>
+            <a:ext cx="8401616" cy="615636"/>
+          </a:xfrm>
+          <a:prstGeom prst="roundRect">
+            <a:avLst/>
+          </a:prstGeom>
+          <a:solidFill>
+            <a:schemeClr val="bg1">
+              <a:lumMod val="95000"/>
+            </a:schemeClr>
+          </a:solidFill>
+        </p:spPr>
+        <p:style>
+          <a:lnRef idx="2">
+            <a:schemeClr val="accent1">
+              <a:shade val="15000"/>
+            </a:schemeClr>
+          </a:lnRef>
+          <a:fillRef idx="1">
+            <a:schemeClr val="accent1"/>
+          </a:fillRef>
+          <a:effectRef idx="0">
+            <a:schemeClr val="accent1"/>
+          </a:effectRef>
+          <a:fontRef idx="minor">
+            <a:schemeClr val="lt1"/>
+          </a:fontRef>
+        </p:style>
+        <p:txBody>
+          <a:bodyPr rtlCol="0" anchor="ctr"/>
+          <a:lstStyle/>
+          <a:p>
+            <a:pPr algn="ctr"/>
+            <a:r>
+              <a:rPr lang="fr-CH" dirty="0">
+                <a:solidFill>
+                  <a:schemeClr val="tx1"/>
+                </a:solidFill>
+              </a:rPr>
+              <a:t>Infos sur le lot</a:t>
+            </a:r>
+          </a:p>
+        </p:txBody>
+      </p:sp>
+      <p:sp>
+        <p:nvSpPr>
+          <p:cNvPr id="22" name="Rectangle : coins arrondis 21">
+            <a:extLst>
+              <a:ext uri="{FF2B5EF4-FFF2-40B4-BE49-F238E27FC236}">
+                <a16:creationId xmlns:a16="http://schemas.microsoft.com/office/drawing/2014/main" id="{6BAB6DC4-1DAF-BAED-C6D2-044D55058FFD}"/>
+              </a:ext>
+            </a:extLst>
+          </p:cNvPr>
+          <p:cNvSpPr/>
+          <p:nvPr/>
+        </p:nvSpPr>
+        <p:spPr>
+          <a:xfrm>
+            <a:off x="1330434" y="2751527"/>
+            <a:ext cx="8401616" cy="615636"/>
+          </a:xfrm>
+          <a:prstGeom prst="roundRect">
+            <a:avLst/>
+          </a:prstGeom>
+          <a:solidFill>
+            <a:schemeClr val="bg1">
+              <a:lumMod val="95000"/>
+            </a:schemeClr>
+          </a:solidFill>
+        </p:spPr>
+        <p:style>
+          <a:lnRef idx="2">
+            <a:schemeClr val="accent1">
+              <a:shade val="15000"/>
+            </a:schemeClr>
+          </a:lnRef>
+          <a:fillRef idx="1">
+            <a:schemeClr val="accent1"/>
+          </a:fillRef>
+          <a:effectRef idx="0">
+            <a:schemeClr val="accent1"/>
+          </a:effectRef>
+          <a:fontRef idx="minor">
+            <a:schemeClr val="lt1"/>
+          </a:fontRef>
+        </p:style>
+        <p:txBody>
+          <a:bodyPr rtlCol="0" anchor="ctr"/>
+          <a:lstStyle/>
+          <a:p>
+            <a:pPr algn="ctr"/>
+            <a:r>
+              <a:rPr lang="fr-CH" dirty="0">
+                <a:solidFill>
+                  <a:schemeClr val="tx1"/>
+                </a:solidFill>
+              </a:rPr>
+              <a:t>Infos sur le lot</a:t>
+            </a:r>
+          </a:p>
+        </p:txBody>
+      </p:sp>
+      <p:sp>
+        <p:nvSpPr>
+          <p:cNvPr id="23" name="Rectangle : coins arrondis 22">
+            <a:extLst>
+              <a:ext uri="{FF2B5EF4-FFF2-40B4-BE49-F238E27FC236}">
+                <a16:creationId xmlns:a16="http://schemas.microsoft.com/office/drawing/2014/main" id="{3F2CA1F5-93ED-ED8E-C654-47012C1BD382}"/>
+              </a:ext>
+            </a:extLst>
+          </p:cNvPr>
+          <p:cNvSpPr/>
+          <p:nvPr/>
+        </p:nvSpPr>
+        <p:spPr>
+          <a:xfrm>
+            <a:off x="1330434" y="3538668"/>
+            <a:ext cx="8401616" cy="615636"/>
+          </a:xfrm>
+          <a:prstGeom prst="roundRect">
+            <a:avLst/>
+          </a:prstGeom>
+          <a:solidFill>
+            <a:schemeClr val="bg1">
+              <a:lumMod val="95000"/>
+            </a:schemeClr>
+          </a:solidFill>
+        </p:spPr>
+        <p:style>
+          <a:lnRef idx="2">
+            <a:schemeClr val="accent1">
+              <a:shade val="15000"/>
+            </a:schemeClr>
+          </a:lnRef>
+          <a:fillRef idx="1">
+            <a:schemeClr val="accent1"/>
+          </a:fillRef>
+          <a:effectRef idx="0">
+            <a:schemeClr val="accent1"/>
+          </a:effectRef>
+          <a:fontRef idx="minor">
+            <a:schemeClr val="lt1"/>
+          </a:fontRef>
+        </p:style>
+        <p:txBody>
+          <a:bodyPr rtlCol="0" anchor="ctr"/>
+          <a:lstStyle/>
+          <a:p>
+            <a:pPr algn="ctr"/>
+            <a:r>
+              <a:rPr lang="fr-CH" dirty="0">
+                <a:solidFill>
+                  <a:schemeClr val="tx1"/>
+                </a:solidFill>
+              </a:rPr>
+              <a:t>Infos sur le lot</a:t>
+            </a:r>
+          </a:p>
+        </p:txBody>
+      </p:sp>
+      <p:pic>
+        <p:nvPicPr>
+          <p:cNvPr id="25" name="Image 24">
+            <a:extLst>
+              <a:ext uri="{FF2B5EF4-FFF2-40B4-BE49-F238E27FC236}">
+                <a16:creationId xmlns:a16="http://schemas.microsoft.com/office/drawing/2014/main" id="{86777AD7-C20E-699C-4BF7-928B19FB35F3}"/>
+              </a:ext>
+            </a:extLst>
+          </p:cNvPr>
+          <p:cNvPicPr>
+            <a:picLocks noChangeAspect="1"/>
+          </p:cNvPicPr>
+          <p:nvPr/>
+        </p:nvPicPr>
+        <p:blipFill>
+          <a:blip r:embed="rId4"/>
+          <a:stretch>
+            <a:fillRect/>
+          </a:stretch>
+        </p:blipFill>
+        <p:spPr>
+          <a:xfrm>
+            <a:off x="4508154" y="5982722"/>
+            <a:ext cx="2376221" cy="640687"/>
+          </a:xfrm>
+          <a:prstGeom prst="rect">
+            <a:avLst/>
+          </a:prstGeom>
+        </p:spPr>
+      </p:pic>
+      <p:pic>
+        <p:nvPicPr>
+          <p:cNvPr id="27" name="Image 26">
+            <a:extLst>
+              <a:ext uri="{FF2B5EF4-FFF2-40B4-BE49-F238E27FC236}">
+                <a16:creationId xmlns:a16="http://schemas.microsoft.com/office/drawing/2014/main" id="{79F4DD89-1430-A87F-3DEE-9496027933EF}"/>
+              </a:ext>
+            </a:extLst>
+          </p:cNvPr>
+          <p:cNvPicPr>
+            <a:picLocks noChangeAspect="1"/>
+          </p:cNvPicPr>
+          <p:nvPr/>
+        </p:nvPicPr>
+        <p:blipFill>
+          <a:blip r:embed="rId5"/>
+          <a:stretch>
+            <a:fillRect/>
+          </a:stretch>
+        </p:blipFill>
+        <p:spPr>
+          <a:xfrm>
+            <a:off x="8202439" y="2017969"/>
+            <a:ext cx="1281373" cy="463809"/>
+          </a:xfrm>
+          <a:prstGeom prst="rect">
+            <a:avLst/>
+          </a:prstGeom>
+        </p:spPr>
+      </p:pic>
+      <p:pic>
+        <p:nvPicPr>
+          <p:cNvPr id="28" name="Image 27">
+            <a:extLst>
+              <a:ext uri="{FF2B5EF4-FFF2-40B4-BE49-F238E27FC236}">
+                <a16:creationId xmlns:a16="http://schemas.microsoft.com/office/drawing/2014/main" id="{84EED50C-B82C-D940-FA8C-91A60E17ECE2}"/>
+              </a:ext>
+            </a:extLst>
+          </p:cNvPr>
+          <p:cNvPicPr>
+            <a:picLocks noChangeAspect="1"/>
+          </p:cNvPicPr>
+          <p:nvPr/>
+        </p:nvPicPr>
+        <p:blipFill>
+          <a:blip r:embed="rId5"/>
+          <a:stretch>
+            <a:fillRect/>
+          </a:stretch>
+        </p:blipFill>
+        <p:spPr>
+          <a:xfrm>
+            <a:off x="8202439" y="2827440"/>
+            <a:ext cx="1281373" cy="463809"/>
+          </a:xfrm>
+          <a:prstGeom prst="rect">
+            <a:avLst/>
+          </a:prstGeom>
+        </p:spPr>
+      </p:pic>
+      <p:pic>
+        <p:nvPicPr>
+          <p:cNvPr id="29" name="Image 28">
+            <a:extLst>
+              <a:ext uri="{FF2B5EF4-FFF2-40B4-BE49-F238E27FC236}">
+                <a16:creationId xmlns:a16="http://schemas.microsoft.com/office/drawing/2014/main" id="{C9A3D9BF-A8BE-D508-BC3E-9927C7995BE1}"/>
+              </a:ext>
+            </a:extLst>
+          </p:cNvPr>
+          <p:cNvPicPr>
+            <a:picLocks noChangeAspect="1"/>
+          </p:cNvPicPr>
+          <p:nvPr/>
+        </p:nvPicPr>
+        <p:blipFill>
+          <a:blip r:embed="rId5"/>
+          <a:stretch>
+            <a:fillRect/>
+          </a:stretch>
+        </p:blipFill>
+        <p:spPr>
+          <a:xfrm>
+            <a:off x="8202439" y="3583689"/>
+            <a:ext cx="1281373" cy="463809"/>
+          </a:xfrm>
+          <a:prstGeom prst="rect">
+            <a:avLst/>
+          </a:prstGeom>
+        </p:spPr>
+      </p:pic>
+    </p:spTree>
+    <p:extLst>
+      <p:ext uri="{BB962C8B-B14F-4D97-AF65-F5344CB8AC3E}">
+        <p14:creationId xmlns:p14="http://schemas.microsoft.com/office/powerpoint/2010/main" val="584018073"/>
+      </p:ext>
+    </p:extLst>
+  </p:cSld>
+  <p:clrMapOvr>
+    <a:masterClrMapping/>
+  </p:clrMapOvr>
+</p:sld>
+</file>
+
 <file path=ppt/slides/slide2.xml><?xml version="1.0" encoding="utf-8"?>
 <p:sld xmlns:a="http://schemas.openxmlformats.org/drawingml/2006/main" xmlns:r="http://schemas.openxmlformats.org/officeDocument/2006/relationships" xmlns:p="http://schemas.openxmlformats.org/presentationml/2006/main">
   <p:cSld>
@@ -5734,8 +7811,8 @@
         </p:nvSpPr>
         <p:spPr>
           <a:xfrm>
-            <a:off x="2388093" y="1145220"/>
-            <a:ext cx="7102136" cy="656947"/>
+            <a:off x="1633491" y="1145220"/>
+            <a:ext cx="8506390" cy="656947"/>
           </a:xfrm>
           <a:prstGeom prst="rect">
             <a:avLst/>
@@ -5771,10 +7848,10 @@
       </p:sp>
       <p:sp>
         <p:nvSpPr>
-          <p:cNvPr id="7" name="Rectangle 6">
-            <a:extLst>
-              <a:ext uri="{FF2B5EF4-FFF2-40B4-BE49-F238E27FC236}">
-                <a16:creationId xmlns:a16="http://schemas.microsoft.com/office/drawing/2014/main" id="{3A304EC7-8584-21B5-BF61-1F173693AE42}"/>
+          <p:cNvPr id="8" name="Rectangle 7">
+            <a:extLst>
+              <a:ext uri="{FF2B5EF4-FFF2-40B4-BE49-F238E27FC236}">
+                <a16:creationId xmlns:a16="http://schemas.microsoft.com/office/drawing/2014/main" id="{0F98528A-7A22-D0B4-A721-AD0B905675AF}"/>
               </a:ext>
             </a:extLst>
           </p:cNvPr>
@@ -5783,8 +7860,8 @@
         </p:nvSpPr>
         <p:spPr>
           <a:xfrm>
-            <a:off x="2953305" y="1890944"/>
-            <a:ext cx="6285390" cy="366202"/>
+            <a:off x="5053753" y="1927565"/>
+            <a:ext cx="1853953" cy="428347"/>
           </a:xfrm>
           <a:prstGeom prst="rect">
             <a:avLst/>
@@ -5813,17 +7890,17 @@
             <a:pPr algn="ctr"/>
             <a:r>
               <a:rPr lang="fr-CH" dirty="0"/>
-              <a:t>Button sous-catégorie</a:t>
-            </a:r>
-          </a:p>
-        </p:txBody>
-      </p:sp>
-      <p:sp>
-        <p:nvSpPr>
-          <p:cNvPr id="8" name="Rectangle 7">
-            <a:extLst>
-              <a:ext uri="{FF2B5EF4-FFF2-40B4-BE49-F238E27FC236}">
-                <a16:creationId xmlns:a16="http://schemas.microsoft.com/office/drawing/2014/main" id="{0F98528A-7A22-D0B4-A721-AD0B905675AF}"/>
+              <a:t>Texte Lots</a:t>
+            </a:r>
+          </a:p>
+        </p:txBody>
+      </p:sp>
+      <p:sp>
+        <p:nvSpPr>
+          <p:cNvPr id="6" name="Rectangle : coins arrondis 5">
+            <a:extLst>
+              <a:ext uri="{FF2B5EF4-FFF2-40B4-BE49-F238E27FC236}">
+                <a16:creationId xmlns:a16="http://schemas.microsoft.com/office/drawing/2014/main" id="{A1180DB7-D247-ED6B-AFDE-D0B3D05681E7}"/>
               </a:ext>
             </a:extLst>
           </p:cNvPr>
@@ -5832,12 +7909,17 @@
         </p:nvSpPr>
         <p:spPr>
           <a:xfrm>
-            <a:off x="5008486" y="2421385"/>
-            <a:ext cx="1853953" cy="428347"/>
-          </a:xfrm>
-          <a:prstGeom prst="rect">
-            <a:avLst/>
-          </a:prstGeom>
+            <a:off x="1167897" y="2924269"/>
+            <a:ext cx="4553893" cy="823866"/>
+          </a:xfrm>
+          <a:prstGeom prst="roundRect">
+            <a:avLst/>
+          </a:prstGeom>
+          <a:solidFill>
+            <a:schemeClr val="bg1">
+              <a:lumMod val="95000"/>
+            </a:schemeClr>
+          </a:solidFill>
         </p:spPr>
         <p:style>
           <a:lnRef idx="2">
@@ -5861,18 +7943,22 @@
           <a:p>
             <a:pPr algn="ctr"/>
             <a:r>
-              <a:rPr lang="fr-CH" dirty="0"/>
-              <a:t>Texte Lots</a:t>
-            </a:r>
-          </a:p>
-        </p:txBody>
-      </p:sp>
-      <p:sp>
-        <p:nvSpPr>
-          <p:cNvPr id="9" name="Rectangle 8">
-            <a:extLst>
-              <a:ext uri="{FF2B5EF4-FFF2-40B4-BE49-F238E27FC236}">
-                <a16:creationId xmlns:a16="http://schemas.microsoft.com/office/drawing/2014/main" id="{3A07C2FA-254C-E1DA-FB6C-63E401AC34AC}"/>
+              <a:rPr lang="fr-CH" dirty="0">
+                <a:solidFill>
+                  <a:schemeClr val="tx1"/>
+                </a:solidFill>
+              </a:rPr>
+              <a:t>Infos sur le lot</a:t>
+            </a:r>
+          </a:p>
+        </p:txBody>
+      </p:sp>
+      <p:sp>
+        <p:nvSpPr>
+          <p:cNvPr id="10" name="Rectangle : coins arrondis 9">
+            <a:extLst>
+              <a:ext uri="{FF2B5EF4-FFF2-40B4-BE49-F238E27FC236}">
+                <a16:creationId xmlns:a16="http://schemas.microsoft.com/office/drawing/2014/main" id="{3D573EAC-49AB-329A-7D7A-64624F372D72}"/>
               </a:ext>
             </a:extLst>
           </p:cNvPr>
@@ -5881,12 +7967,17 @@
         </p:nvSpPr>
         <p:spPr>
           <a:xfrm>
-            <a:off x="1216241" y="3338004"/>
-            <a:ext cx="10093910" cy="2743200"/>
-          </a:xfrm>
-          <a:prstGeom prst="rect">
-            <a:avLst/>
-          </a:prstGeom>
+            <a:off x="1167897" y="3811262"/>
+            <a:ext cx="4553893" cy="823866"/>
+          </a:xfrm>
+          <a:prstGeom prst="roundRect">
+            <a:avLst/>
+          </a:prstGeom>
+          <a:solidFill>
+            <a:schemeClr val="bg1">
+              <a:lumMod val="95000"/>
+            </a:schemeClr>
+          </a:solidFill>
         </p:spPr>
         <p:style>
           <a:lnRef idx="2">
@@ -5910,8 +8001,293 @@
           <a:p>
             <a:pPr algn="ctr"/>
             <a:r>
+              <a:rPr lang="fr-CH" dirty="0">
+                <a:solidFill>
+                  <a:schemeClr val="tx1"/>
+                </a:solidFill>
+              </a:rPr>
+              <a:t>Infos sur le lot</a:t>
+            </a:r>
+          </a:p>
+        </p:txBody>
+      </p:sp>
+      <p:sp>
+        <p:nvSpPr>
+          <p:cNvPr id="11" name="Rectangle : coins arrondis 10">
+            <a:extLst>
+              <a:ext uri="{FF2B5EF4-FFF2-40B4-BE49-F238E27FC236}">
+                <a16:creationId xmlns:a16="http://schemas.microsoft.com/office/drawing/2014/main" id="{0CC0861F-AA3D-1DB1-75E9-ED658296C973}"/>
+              </a:ext>
+            </a:extLst>
+          </p:cNvPr>
+          <p:cNvSpPr/>
+          <p:nvPr/>
+        </p:nvSpPr>
+        <p:spPr>
+          <a:xfrm>
+            <a:off x="1176478" y="4705356"/>
+            <a:ext cx="4553893" cy="823866"/>
+          </a:xfrm>
+          <a:prstGeom prst="roundRect">
+            <a:avLst/>
+          </a:prstGeom>
+          <a:solidFill>
+            <a:schemeClr val="bg1">
+              <a:lumMod val="95000"/>
+            </a:schemeClr>
+          </a:solidFill>
+        </p:spPr>
+        <p:style>
+          <a:lnRef idx="2">
+            <a:schemeClr val="accent1">
+              <a:shade val="15000"/>
+            </a:schemeClr>
+          </a:lnRef>
+          <a:fillRef idx="1">
+            <a:schemeClr val="accent1"/>
+          </a:fillRef>
+          <a:effectRef idx="0">
+            <a:schemeClr val="accent1"/>
+          </a:effectRef>
+          <a:fontRef idx="minor">
+            <a:schemeClr val="lt1"/>
+          </a:fontRef>
+        </p:style>
+        <p:txBody>
+          <a:bodyPr rtlCol="0" anchor="ctr"/>
+          <a:lstStyle/>
+          <a:p>
+            <a:pPr algn="ctr"/>
+            <a:r>
+              <a:rPr lang="fr-CH" dirty="0">
+                <a:solidFill>
+                  <a:schemeClr val="tx1"/>
+                </a:solidFill>
+              </a:rPr>
+              <a:t>Infos sur le lot</a:t>
+            </a:r>
+          </a:p>
+        </p:txBody>
+      </p:sp>
+      <p:sp>
+        <p:nvSpPr>
+          <p:cNvPr id="12" name="Rectangle : coins arrondis 11">
+            <a:extLst>
+              <a:ext uri="{FF2B5EF4-FFF2-40B4-BE49-F238E27FC236}">
+                <a16:creationId xmlns:a16="http://schemas.microsoft.com/office/drawing/2014/main" id="{F23098E0-419D-CF6D-A10B-FE9A49C90D7D}"/>
+              </a:ext>
+            </a:extLst>
+          </p:cNvPr>
+          <p:cNvSpPr/>
+          <p:nvPr/>
+        </p:nvSpPr>
+        <p:spPr>
+          <a:xfrm>
+            <a:off x="6333386" y="2919378"/>
+            <a:ext cx="4553893" cy="823866"/>
+          </a:xfrm>
+          <a:prstGeom prst="roundRect">
+            <a:avLst/>
+          </a:prstGeom>
+          <a:solidFill>
+            <a:schemeClr val="bg1">
+              <a:lumMod val="95000"/>
+            </a:schemeClr>
+          </a:solidFill>
+        </p:spPr>
+        <p:style>
+          <a:lnRef idx="2">
+            <a:schemeClr val="accent1">
+              <a:shade val="15000"/>
+            </a:schemeClr>
+          </a:lnRef>
+          <a:fillRef idx="1">
+            <a:schemeClr val="accent1"/>
+          </a:fillRef>
+          <a:effectRef idx="0">
+            <a:schemeClr val="accent1"/>
+          </a:effectRef>
+          <a:fontRef idx="minor">
+            <a:schemeClr val="lt1"/>
+          </a:fontRef>
+        </p:style>
+        <p:txBody>
+          <a:bodyPr rtlCol="0" anchor="ctr"/>
+          <a:lstStyle/>
+          <a:p>
+            <a:pPr algn="ctr"/>
+            <a:r>
+              <a:rPr lang="fr-CH" dirty="0">
+                <a:solidFill>
+                  <a:schemeClr val="tx1"/>
+                </a:solidFill>
+              </a:rPr>
+              <a:t>Infos sur le lot</a:t>
+            </a:r>
+          </a:p>
+        </p:txBody>
+      </p:sp>
+      <p:sp>
+        <p:nvSpPr>
+          <p:cNvPr id="15" name="Rectangle : coins arrondis 14">
+            <a:extLst>
+              <a:ext uri="{FF2B5EF4-FFF2-40B4-BE49-F238E27FC236}">
+                <a16:creationId xmlns:a16="http://schemas.microsoft.com/office/drawing/2014/main" id="{3737F4C8-D30A-2760-E5B0-83A3CC705132}"/>
+              </a:ext>
+            </a:extLst>
+          </p:cNvPr>
+          <p:cNvSpPr/>
+          <p:nvPr/>
+        </p:nvSpPr>
+        <p:spPr>
+          <a:xfrm>
+            <a:off x="6333386" y="3806371"/>
+            <a:ext cx="4553893" cy="823866"/>
+          </a:xfrm>
+          <a:prstGeom prst="roundRect">
+            <a:avLst/>
+          </a:prstGeom>
+          <a:solidFill>
+            <a:schemeClr val="bg1">
+              <a:lumMod val="95000"/>
+            </a:schemeClr>
+          </a:solidFill>
+        </p:spPr>
+        <p:style>
+          <a:lnRef idx="2">
+            <a:schemeClr val="accent1">
+              <a:shade val="15000"/>
+            </a:schemeClr>
+          </a:lnRef>
+          <a:fillRef idx="1">
+            <a:schemeClr val="accent1"/>
+          </a:fillRef>
+          <a:effectRef idx="0">
+            <a:schemeClr val="accent1"/>
+          </a:effectRef>
+          <a:fontRef idx="minor">
+            <a:schemeClr val="lt1"/>
+          </a:fontRef>
+        </p:style>
+        <p:txBody>
+          <a:bodyPr rtlCol="0" anchor="ctr"/>
+          <a:lstStyle/>
+          <a:p>
+            <a:pPr algn="ctr"/>
+            <a:r>
+              <a:rPr lang="fr-CH" dirty="0">
+                <a:solidFill>
+                  <a:schemeClr val="tx1"/>
+                </a:solidFill>
+              </a:rPr>
+              <a:t>Infos sur le lot</a:t>
+            </a:r>
+          </a:p>
+        </p:txBody>
+      </p:sp>
+      <p:sp>
+        <p:nvSpPr>
+          <p:cNvPr id="16" name="Rectangle : coins arrondis 15">
+            <a:extLst>
+              <a:ext uri="{FF2B5EF4-FFF2-40B4-BE49-F238E27FC236}">
+                <a16:creationId xmlns:a16="http://schemas.microsoft.com/office/drawing/2014/main" id="{D719AFE1-AD5E-2479-1F51-C853B68AA37D}"/>
+              </a:ext>
+            </a:extLst>
+          </p:cNvPr>
+          <p:cNvSpPr/>
+          <p:nvPr/>
+        </p:nvSpPr>
+        <p:spPr>
+          <a:xfrm>
+            <a:off x="6341967" y="4700465"/>
+            <a:ext cx="4553893" cy="823866"/>
+          </a:xfrm>
+          <a:prstGeom prst="roundRect">
+            <a:avLst/>
+          </a:prstGeom>
+          <a:solidFill>
+            <a:schemeClr val="bg1">
+              <a:lumMod val="95000"/>
+            </a:schemeClr>
+          </a:solidFill>
+        </p:spPr>
+        <p:style>
+          <a:lnRef idx="2">
+            <a:schemeClr val="accent1">
+              <a:shade val="15000"/>
+            </a:schemeClr>
+          </a:lnRef>
+          <a:fillRef idx="1">
+            <a:schemeClr val="accent1"/>
+          </a:fillRef>
+          <a:effectRef idx="0">
+            <a:schemeClr val="accent1"/>
+          </a:effectRef>
+          <a:fontRef idx="minor">
+            <a:schemeClr val="lt1"/>
+          </a:fontRef>
+        </p:style>
+        <p:txBody>
+          <a:bodyPr rtlCol="0" anchor="ctr"/>
+          <a:lstStyle/>
+          <a:p>
+            <a:pPr algn="ctr"/>
+            <a:r>
+              <a:rPr lang="fr-CH" dirty="0">
+                <a:solidFill>
+                  <a:schemeClr val="tx1"/>
+                </a:solidFill>
+              </a:rPr>
+              <a:t>Infos sur le lot</a:t>
+            </a:r>
+          </a:p>
+        </p:txBody>
+      </p:sp>
+      <p:sp>
+        <p:nvSpPr>
+          <p:cNvPr id="17" name="Rectangle 16">
+            <a:extLst>
+              <a:ext uri="{FF2B5EF4-FFF2-40B4-BE49-F238E27FC236}">
+                <a16:creationId xmlns:a16="http://schemas.microsoft.com/office/drawing/2014/main" id="{D9495CD2-9BF1-C84F-9DC0-F285F7F5EFFB}"/>
+              </a:ext>
+            </a:extLst>
+          </p:cNvPr>
+          <p:cNvSpPr/>
+          <p:nvPr/>
+        </p:nvSpPr>
+        <p:spPr>
+          <a:xfrm>
+            <a:off x="4689695" y="6138250"/>
+            <a:ext cx="2525917" cy="428347"/>
+          </a:xfrm>
+          <a:prstGeom prst="rect">
+            <a:avLst/>
+          </a:prstGeom>
+        </p:spPr>
+        <p:style>
+          <a:lnRef idx="2">
+            <a:schemeClr val="accent1">
+              <a:shade val="15000"/>
+            </a:schemeClr>
+          </a:lnRef>
+          <a:fillRef idx="1">
+            <a:schemeClr val="accent1"/>
+          </a:fillRef>
+          <a:effectRef idx="0">
+            <a:schemeClr val="accent1"/>
+          </a:effectRef>
+          <a:fontRef idx="minor">
+            <a:schemeClr val="lt1"/>
+          </a:fontRef>
+        </p:style>
+        <p:txBody>
+          <a:bodyPr rtlCol="0" anchor="ctr"/>
+          <a:lstStyle/>
+          <a:p>
+            <a:pPr algn="ctr"/>
+            <a:r>
               <a:rPr lang="fr-CH" dirty="0"/>
-              <a:t>Liste de lots</a:t>
+              <a:t>Pagination</a:t>
             </a:r>
           </a:p>
         </p:txBody>
@@ -6756,10 +9132,10 @@
       </p:sp>
       <p:sp>
         <p:nvSpPr>
-          <p:cNvPr id="6" name="Rectangle 5">
-            <a:extLst>
-              <a:ext uri="{FF2B5EF4-FFF2-40B4-BE49-F238E27FC236}">
-                <a16:creationId xmlns:a16="http://schemas.microsoft.com/office/drawing/2014/main" id="{0413C0C2-79E4-3C3D-CF5D-7B5B3F4257B9}"/>
+          <p:cNvPr id="13" name="Rectangle 12">
+            <a:extLst>
+              <a:ext uri="{FF2B5EF4-FFF2-40B4-BE49-F238E27FC236}">
+                <a16:creationId xmlns:a16="http://schemas.microsoft.com/office/drawing/2014/main" id="{7BB57464-606F-439C-3EE6-37956C925459}"/>
               </a:ext>
             </a:extLst>
           </p:cNvPr>
@@ -6768,15 +9144,13 @@
         </p:nvSpPr>
         <p:spPr>
           <a:xfrm>
-            <a:off x="1296140" y="246931"/>
-            <a:ext cx="2095130" cy="479395"/>
+            <a:off x="0" y="0"/>
+            <a:ext cx="12192000" cy="6858000"/>
           </a:xfrm>
           <a:prstGeom prst="rect">
             <a:avLst/>
           </a:prstGeom>
-          <a:solidFill>
-            <a:schemeClr val="bg1"/>
-          </a:solidFill>
+          <a:noFill/>
         </p:spPr>
         <p:style>
           <a:lnRef idx="2">
@@ -6798,40 +9172,17 @@
           <a:bodyPr rtlCol="0" anchor="ctr"/>
           <a:lstStyle/>
           <a:p>
-            <a:pPr algn="l"/>
-            <a:r>
-              <a:rPr lang="fr-CH" dirty="0">
-                <a:solidFill>
-                  <a:schemeClr val="tx1"/>
-                </a:solidFill>
-                <a:latin typeface="system-ui"/>
-              </a:rPr>
-              <a:t>      </a:t>
-            </a:r>
-            <a:r>
-              <a:rPr lang="fr-CH" b="0" i="0" dirty="0">
-                <a:solidFill>
-                  <a:schemeClr val="tx1"/>
-                </a:solidFill>
-                <a:effectLst/>
-                <a:latin typeface="system-ui"/>
-              </a:rPr>
-              <a:t>ENCHERINO</a:t>
-            </a:r>
-            <a:endParaRPr lang="fr-CH" dirty="0">
-              <a:solidFill>
-                <a:schemeClr val="tx1"/>
-              </a:solidFill>
-            </a:endParaRPr>
-          </a:p>
-        </p:txBody>
-      </p:sp>
-      <p:sp>
-        <p:nvSpPr>
-          <p:cNvPr id="7" name="Rectangle 6">
-            <a:extLst>
-              <a:ext uri="{FF2B5EF4-FFF2-40B4-BE49-F238E27FC236}">
-                <a16:creationId xmlns:a16="http://schemas.microsoft.com/office/drawing/2014/main" id="{CB51EB11-D401-1995-38A8-E97C5BD7C1AE}"/>
+            <a:pPr algn="ctr"/>
+            <a:endParaRPr lang="fr-CH"/>
+          </a:p>
+        </p:txBody>
+      </p:sp>
+      <p:sp>
+        <p:nvSpPr>
+          <p:cNvPr id="2" name="Rectangle 1">
+            <a:extLst>
+              <a:ext uri="{FF2B5EF4-FFF2-40B4-BE49-F238E27FC236}">
+                <a16:creationId xmlns:a16="http://schemas.microsoft.com/office/drawing/2014/main" id="{4B0A241A-2F79-A790-21C0-09C58A251245}"/>
               </a:ext>
             </a:extLst>
           </p:cNvPr>
@@ -6840,32 +9191,24 @@
         </p:nvSpPr>
         <p:spPr>
           <a:xfrm>
-            <a:off x="9355585" y="468296"/>
-            <a:ext cx="640672" cy="270770"/>
+            <a:off x="177553" y="88777"/>
+            <a:ext cx="1331651" cy="816745"/>
           </a:xfrm>
           <a:prstGeom prst="rect">
             <a:avLst/>
           </a:prstGeom>
-          <a:solidFill>
-            <a:schemeClr val="bg1"/>
-          </a:solidFill>
-          <a:ln>
-            <a:solidFill>
-              <a:srgbClr val="FF0000"/>
-            </a:solidFill>
-          </a:ln>
         </p:spPr>
         <p:style>
           <a:lnRef idx="2">
-            <a:schemeClr val="accent1">
+            <a:schemeClr val="accent6">
               <a:shade val="15000"/>
             </a:schemeClr>
           </a:lnRef>
           <a:fillRef idx="1">
-            <a:schemeClr val="accent1"/>
+            <a:schemeClr val="accent6"/>
           </a:fillRef>
           <a:effectRef idx="0">
-            <a:schemeClr val="accent1"/>
+            <a:schemeClr val="accent6"/>
           </a:effectRef>
           <a:fontRef idx="minor">
             <a:schemeClr val="lt1"/>
@@ -6877,22 +9220,18 @@
           <a:p>
             <a:pPr algn="ctr"/>
             <a:r>
-              <a:rPr lang="fr-CH" sz="900" dirty="0">
-                <a:solidFill>
-                  <a:schemeClr val="tx1"/>
-                </a:solidFill>
-              </a:rPr>
-              <a:t>Home</a:t>
-            </a:r>
-          </a:p>
-        </p:txBody>
-      </p:sp>
-      <p:sp>
-        <p:nvSpPr>
-          <p:cNvPr id="8" name="Rectangle 7">
-            <a:extLst>
-              <a:ext uri="{FF2B5EF4-FFF2-40B4-BE49-F238E27FC236}">
-                <a16:creationId xmlns:a16="http://schemas.microsoft.com/office/drawing/2014/main" id="{78150E4D-41E2-32CB-F530-C198B3B9BFF3}"/>
+              <a:rPr lang="fr-CH" dirty="0"/>
+              <a:t>Logo</a:t>
+            </a:r>
+          </a:p>
+        </p:txBody>
+      </p:sp>
+      <p:sp>
+        <p:nvSpPr>
+          <p:cNvPr id="3" name="Rectangle 2">
+            <a:extLst>
+              <a:ext uri="{FF2B5EF4-FFF2-40B4-BE49-F238E27FC236}">
+                <a16:creationId xmlns:a16="http://schemas.microsoft.com/office/drawing/2014/main" id="{DC0DC132-AC01-87F7-7170-46858A415CDF}"/>
               </a:ext>
             </a:extLst>
           </p:cNvPr>
@@ -6901,15 +9240,12 @@
         </p:nvSpPr>
         <p:spPr>
           <a:xfrm>
-            <a:off x="10067277" y="466077"/>
-            <a:ext cx="640672" cy="270770"/>
+            <a:off x="1633491" y="88777"/>
+            <a:ext cx="2299317" cy="816745"/>
           </a:xfrm>
           <a:prstGeom prst="rect">
             <a:avLst/>
           </a:prstGeom>
-          <a:solidFill>
-            <a:schemeClr val="bg1"/>
-          </a:solidFill>
         </p:spPr>
         <p:style>
           <a:lnRef idx="2">
@@ -6933,22 +9269,18 @@
           <a:p>
             <a:pPr algn="ctr"/>
             <a:r>
-              <a:rPr lang="fr-CH" sz="900" dirty="0">
-                <a:solidFill>
-                  <a:schemeClr val="tx1"/>
-                </a:solidFill>
-              </a:rPr>
-              <a:t>About</a:t>
-            </a:r>
-          </a:p>
-        </p:txBody>
-      </p:sp>
-      <p:sp>
-        <p:nvSpPr>
-          <p:cNvPr id="9" name="Rectangle 8">
-            <a:extLst>
-              <a:ext uri="{FF2B5EF4-FFF2-40B4-BE49-F238E27FC236}">
-                <a16:creationId xmlns:a16="http://schemas.microsoft.com/office/drawing/2014/main" id="{92BE5734-3289-3CD2-CC01-D1DC064F6AEE}"/>
+              <a:rPr lang="fr-CH" dirty="0"/>
+              <a:t>Titre du site</a:t>
+            </a:r>
+          </a:p>
+        </p:txBody>
+      </p:sp>
+      <p:sp>
+        <p:nvSpPr>
+          <p:cNvPr id="14" name="Rectangle 13">
+            <a:extLst>
+              <a:ext uri="{FF2B5EF4-FFF2-40B4-BE49-F238E27FC236}">
+                <a16:creationId xmlns:a16="http://schemas.microsoft.com/office/drawing/2014/main" id="{D3A34330-BCB5-D5E0-6E2C-0D043209E015}"/>
               </a:ext>
             </a:extLst>
           </p:cNvPr>
@@ -6957,15 +9289,12 @@
         </p:nvSpPr>
         <p:spPr>
           <a:xfrm>
-            <a:off x="10771574" y="468296"/>
-            <a:ext cx="640672" cy="270770"/>
+            <a:off x="8202967" y="88777"/>
+            <a:ext cx="3879542" cy="816745"/>
           </a:xfrm>
           <a:prstGeom prst="rect">
             <a:avLst/>
           </a:prstGeom>
-          <a:solidFill>
-            <a:schemeClr val="bg1"/>
-          </a:solidFill>
         </p:spPr>
         <p:style>
           <a:lnRef idx="2">
@@ -6989,22 +9318,23 @@
           <a:p>
             <a:pPr algn="ctr"/>
             <a:r>
-              <a:rPr lang="fr-CH" sz="900" dirty="0">
-                <a:solidFill>
-                  <a:schemeClr val="tx1"/>
-                </a:solidFill>
-              </a:rPr>
-              <a:t>Lots</a:t>
-            </a:r>
-          </a:p>
-        </p:txBody>
-      </p:sp>
-      <p:sp>
-        <p:nvSpPr>
-          <p:cNvPr id="10" name="Rectangle 9">
-            <a:extLst>
-              <a:ext uri="{FF2B5EF4-FFF2-40B4-BE49-F238E27FC236}">
-                <a16:creationId xmlns:a16="http://schemas.microsoft.com/office/drawing/2014/main" id="{1FE9B45A-B754-CB2A-F302-FDECE6EEDED1}"/>
+              <a:rPr lang="fr-CH" dirty="0"/>
+              <a:t>Menu </a:t>
+            </a:r>
+            <a:r>
+              <a:rPr lang="fr-CH" dirty="0" err="1"/>
+              <a:t>button</a:t>
+            </a:r>
+            <a:endParaRPr lang="fr-CH" dirty="0"/>
+          </a:p>
+        </p:txBody>
+      </p:sp>
+      <p:sp>
+        <p:nvSpPr>
+          <p:cNvPr id="8" name="Rectangle 7">
+            <a:extLst>
+              <a:ext uri="{FF2B5EF4-FFF2-40B4-BE49-F238E27FC236}">
+                <a16:creationId xmlns:a16="http://schemas.microsoft.com/office/drawing/2014/main" id="{0F98528A-7A22-D0B4-A721-AD0B905675AF}"/>
               </a:ext>
             </a:extLst>
           </p:cNvPr>
@@ -7013,15 +9343,12 @@
         </p:nvSpPr>
         <p:spPr>
           <a:xfrm>
-            <a:off x="11475871" y="466077"/>
-            <a:ext cx="640672" cy="270770"/>
+            <a:off x="4793943" y="1222899"/>
+            <a:ext cx="2237172" cy="428347"/>
           </a:xfrm>
           <a:prstGeom prst="rect">
             <a:avLst/>
           </a:prstGeom>
-          <a:solidFill>
-            <a:schemeClr val="bg1"/>
-          </a:solidFill>
         </p:spPr>
         <p:style>
           <a:lnRef idx="2">
@@ -7045,22 +9372,18 @@
           <a:p>
             <a:pPr algn="ctr"/>
             <a:r>
-              <a:rPr lang="fr-CH" sz="900" dirty="0">
-                <a:solidFill>
-                  <a:schemeClr val="tx1"/>
-                </a:solidFill>
-              </a:rPr>
-              <a:t>Ajout de lot</a:t>
-            </a:r>
-          </a:p>
-        </p:txBody>
-      </p:sp>
-      <p:sp>
-        <p:nvSpPr>
-          <p:cNvPr id="11" name="Rectangle 10">
-            <a:extLst>
-              <a:ext uri="{FF2B5EF4-FFF2-40B4-BE49-F238E27FC236}">
-                <a16:creationId xmlns:a16="http://schemas.microsoft.com/office/drawing/2014/main" id="{D786BC1D-A222-3200-2357-0D4972A7BAB7}"/>
+              <a:rPr lang="fr-CH" dirty="0"/>
+              <a:t>Texte</a:t>
+            </a:r>
+          </a:p>
+        </p:txBody>
+      </p:sp>
+      <p:sp>
+        <p:nvSpPr>
+          <p:cNvPr id="5" name="Rectangle 4">
+            <a:extLst>
+              <a:ext uri="{FF2B5EF4-FFF2-40B4-BE49-F238E27FC236}">
+                <a16:creationId xmlns:a16="http://schemas.microsoft.com/office/drawing/2014/main" id="{307A02AE-94D3-B193-8E94-DA49124369EB}"/>
               </a:ext>
             </a:extLst>
           </p:cNvPr>
@@ -7069,15 +9392,12 @@
         </p:nvSpPr>
         <p:spPr>
           <a:xfrm>
-            <a:off x="3144175" y="1509204"/>
-            <a:ext cx="5973192" cy="436486"/>
+            <a:off x="4689695" y="6138250"/>
+            <a:ext cx="2525917" cy="428347"/>
           </a:xfrm>
           <a:prstGeom prst="rect">
             <a:avLst/>
           </a:prstGeom>
-          <a:solidFill>
-            <a:schemeClr val="bg1"/>
-          </a:solidFill>
         </p:spPr>
         <p:style>
           <a:lnRef idx="2">
@@ -7101,45 +9421,18 @@
           <a:p>
             <a:pPr algn="ctr"/>
             <a:r>
-              <a:rPr lang="fr-CH" b="0" i="0" dirty="0">
-                <a:solidFill>
-                  <a:srgbClr val="212529"/>
-                </a:solidFill>
-                <a:effectLst/>
-                <a:highlight>
-                  <a:srgbClr val="FFFFFF"/>
-                </a:highlight>
-                <a:latin typeface="system-ui"/>
-              </a:rPr>
-              <a:t>Bienvenue sur </a:t>
-            </a:r>
-            <a:r>
-              <a:rPr lang="fr-CH" b="0" i="0" dirty="0" err="1">
-                <a:solidFill>
-                  <a:srgbClr val="212529"/>
-                </a:solidFill>
-                <a:effectLst/>
-                <a:highlight>
-                  <a:srgbClr val="FFFFFF"/>
-                </a:highlight>
-                <a:latin typeface="system-ui"/>
-              </a:rPr>
-              <a:t>Encherino</a:t>
-            </a:r>
-            <a:endParaRPr lang="fr-CH" dirty="0">
-              <a:solidFill>
-                <a:schemeClr val="tx1"/>
-              </a:solidFill>
-            </a:endParaRPr>
-          </a:p>
-        </p:txBody>
-      </p:sp>
-      <p:sp>
-        <p:nvSpPr>
-          <p:cNvPr id="12" name="Rectangle 11">
-            <a:extLst>
-              <a:ext uri="{FF2B5EF4-FFF2-40B4-BE49-F238E27FC236}">
-                <a16:creationId xmlns:a16="http://schemas.microsoft.com/office/drawing/2014/main" id="{3BB45950-9B2C-3E7D-0DE0-EB5FB2659D4B}"/>
+              <a:rPr lang="fr-CH" dirty="0"/>
+              <a:t>Pagination</a:t>
+            </a:r>
+          </a:p>
+        </p:txBody>
+      </p:sp>
+      <p:sp>
+        <p:nvSpPr>
+          <p:cNvPr id="7" name="Rectangle : coins arrondis 6">
+            <a:extLst>
+              <a:ext uri="{FF2B5EF4-FFF2-40B4-BE49-F238E27FC236}">
+                <a16:creationId xmlns:a16="http://schemas.microsoft.com/office/drawing/2014/main" id="{89A42AB1-A631-722F-2727-862EA84E27A8}"/>
               </a:ext>
             </a:extLst>
           </p:cNvPr>
@@ -7148,14 +9441,16 @@
         </p:nvSpPr>
         <p:spPr>
           <a:xfrm>
-            <a:off x="2228295" y="2180207"/>
-            <a:ext cx="7963270" cy="2732103"/>
-          </a:xfrm>
-          <a:prstGeom prst="rect">
+            <a:off x="1253904" y="2000816"/>
+            <a:ext cx="9397497" cy="679010"/>
+          </a:xfrm>
+          <a:prstGeom prst="roundRect">
             <a:avLst/>
           </a:prstGeom>
           <a:solidFill>
-            <a:schemeClr val="bg1"/>
+            <a:schemeClr val="bg1">
+              <a:lumMod val="95000"/>
+            </a:schemeClr>
           </a:solidFill>
         </p:spPr>
         <p:style>
@@ -7180,46 +9475,22 @@
           <a:p>
             <a:pPr algn="ctr"/>
             <a:r>
-              <a:rPr lang="fr-FR" sz="1400" dirty="0">
+              <a:rPr lang="fr-CH" dirty="0">
                 <a:solidFill>
                   <a:schemeClr val="tx1"/>
                 </a:solidFill>
               </a:rPr>
-              <a:t>Découvrez notre plateforme d'enchères en ligne où vous pouvez trouver une large gamme de produits passionnants à des prix compétitifs. Que vous soyez un amateur d'antiquités, un collectionneur ou simplement à la recherche de bonnes affaires, </a:t>
-            </a:r>
-            <a:r>
-              <a:rPr lang="fr-FR" sz="1400" dirty="0" err="1">
-                <a:solidFill>
-                  <a:schemeClr val="tx1"/>
-                </a:solidFill>
-              </a:rPr>
-              <a:t>Encherino</a:t>
-            </a:r>
-            <a:r>
-              <a:rPr lang="fr-FR" sz="1400" dirty="0">
-                <a:solidFill>
-                  <a:schemeClr val="tx1"/>
-                </a:solidFill>
-              </a:rPr>
-              <a:t> est l'endroit idéal pour vous.</a:t>
-            </a:r>
-            <a:r>
-              <a:rPr lang="fr-CH" sz="1400" dirty="0">
-                <a:solidFill>
-                  <a:schemeClr val="tx1"/>
-                </a:solidFill>
-              </a:rPr>
-              <a:t> </a:t>
-            </a:r>
-          </a:p>
-        </p:txBody>
-      </p:sp>
-      <p:sp>
-        <p:nvSpPr>
-          <p:cNvPr id="13" name="Rectangle 12">
-            <a:extLst>
-              <a:ext uri="{FF2B5EF4-FFF2-40B4-BE49-F238E27FC236}">
-                <a16:creationId xmlns:a16="http://schemas.microsoft.com/office/drawing/2014/main" id="{7BB57464-606F-439C-3EE6-37956C925459}"/>
+              <a:t>Infos sur le lot</a:t>
+            </a:r>
+          </a:p>
+        </p:txBody>
+      </p:sp>
+      <p:sp>
+        <p:nvSpPr>
+          <p:cNvPr id="9" name="Rectangle : coins arrondis 8">
+            <a:extLst>
+              <a:ext uri="{FF2B5EF4-FFF2-40B4-BE49-F238E27FC236}">
+                <a16:creationId xmlns:a16="http://schemas.microsoft.com/office/drawing/2014/main" id="{B48E59D1-FBF0-37DE-B5D5-C53EAAAA1AFA}"/>
               </a:ext>
             </a:extLst>
           </p:cNvPr>
@@ -7228,13 +9499,17 @@
         </p:nvSpPr>
         <p:spPr>
           <a:xfrm>
-            <a:off x="0" y="0"/>
-            <a:ext cx="12192000" cy="6858000"/>
-          </a:xfrm>
-          <a:prstGeom prst="rect">
-            <a:avLst/>
-          </a:prstGeom>
-          <a:noFill/>
+            <a:off x="1253904" y="2806025"/>
+            <a:ext cx="9397497" cy="679010"/>
+          </a:xfrm>
+          <a:prstGeom prst="roundRect">
+            <a:avLst/>
+          </a:prstGeom>
+          <a:solidFill>
+            <a:schemeClr val="bg1">
+              <a:lumMod val="95000"/>
+            </a:schemeClr>
+          </a:solidFill>
         </p:spPr>
         <p:style>
           <a:lnRef idx="2">
@@ -7257,134 +9532,244 @@
           <a:lstStyle/>
           <a:p>
             <a:pPr algn="ctr"/>
-            <a:endParaRPr lang="fr-CH"/>
-          </a:p>
-        </p:txBody>
-      </p:sp>
-      <p:pic>
-        <p:nvPicPr>
-          <p:cNvPr id="17" name="Image 16">
-            <a:extLst>
-              <a:ext uri="{FF2B5EF4-FFF2-40B4-BE49-F238E27FC236}">
-                <a16:creationId xmlns:a16="http://schemas.microsoft.com/office/drawing/2014/main" id="{A6FB57E4-2506-CCE2-1D80-A6F1D1CEE2CE}"/>
-              </a:ext>
-            </a:extLst>
-          </p:cNvPr>
-          <p:cNvPicPr>
-            <a:picLocks noChangeAspect="1"/>
-          </p:cNvPicPr>
-          <p:nvPr/>
-        </p:nvPicPr>
-        <p:blipFill>
-          <a:blip r:embed="rId2"/>
-          <a:stretch>
-            <a:fillRect/>
-          </a:stretch>
-        </p:blipFill>
-        <p:spPr>
-          <a:xfrm>
-            <a:off x="779755" y="5348796"/>
-            <a:ext cx="10530396" cy="1176825"/>
+            <a:r>
+              <a:rPr lang="fr-CH" dirty="0">
+                <a:solidFill>
+                  <a:schemeClr val="tx1"/>
+                </a:solidFill>
+              </a:rPr>
+              <a:t>Infos sur le lot</a:t>
+            </a:r>
+          </a:p>
+        </p:txBody>
+      </p:sp>
+      <p:sp>
+        <p:nvSpPr>
+          <p:cNvPr id="18" name="Rectangle : coins arrondis 17">
+            <a:extLst>
+              <a:ext uri="{FF2B5EF4-FFF2-40B4-BE49-F238E27FC236}">
+                <a16:creationId xmlns:a16="http://schemas.microsoft.com/office/drawing/2014/main" id="{8772CCD7-02C8-FCE0-6267-A7FA48E69453}"/>
+              </a:ext>
+            </a:extLst>
+          </p:cNvPr>
+          <p:cNvSpPr/>
+          <p:nvPr/>
+        </p:nvSpPr>
+        <p:spPr>
+          <a:xfrm>
+            <a:off x="1253904" y="3611234"/>
+            <a:ext cx="9397497" cy="679010"/>
+          </a:xfrm>
+          <a:prstGeom prst="roundRect">
+            <a:avLst/>
+          </a:prstGeom>
+          <a:solidFill>
+            <a:schemeClr val="bg1">
+              <a:lumMod val="95000"/>
+            </a:schemeClr>
+          </a:solidFill>
+        </p:spPr>
+        <p:style>
+          <a:lnRef idx="2">
+            <a:schemeClr val="accent1">
+              <a:shade val="15000"/>
+            </a:schemeClr>
+          </a:lnRef>
+          <a:fillRef idx="1">
+            <a:schemeClr val="accent1"/>
+          </a:fillRef>
+          <a:effectRef idx="0">
+            <a:schemeClr val="accent1"/>
+          </a:effectRef>
+          <a:fontRef idx="minor">
+            <a:schemeClr val="lt1"/>
+          </a:fontRef>
+        </p:style>
+        <p:txBody>
+          <a:bodyPr rtlCol="0" anchor="ctr"/>
+          <a:lstStyle/>
+          <a:p>
+            <a:pPr algn="ctr"/>
+            <a:r>
+              <a:rPr lang="fr-CH" dirty="0">
+                <a:solidFill>
+                  <a:schemeClr val="tx1"/>
+                </a:solidFill>
+              </a:rPr>
+              <a:t>Infos sur le lot</a:t>
+            </a:r>
+          </a:p>
+        </p:txBody>
+      </p:sp>
+      <p:sp>
+        <p:nvSpPr>
+          <p:cNvPr id="19" name="Rectangle 18">
+            <a:extLst>
+              <a:ext uri="{FF2B5EF4-FFF2-40B4-BE49-F238E27FC236}">
+                <a16:creationId xmlns:a16="http://schemas.microsoft.com/office/drawing/2014/main" id="{40046287-2E5E-31D9-F951-0DD249B01519}"/>
+              </a:ext>
+            </a:extLst>
+          </p:cNvPr>
+          <p:cNvSpPr/>
+          <p:nvPr/>
+        </p:nvSpPr>
+        <p:spPr>
+          <a:xfrm>
+            <a:off x="9490580" y="2174973"/>
+            <a:ext cx="818224" cy="330695"/>
           </a:xfrm>
           <a:prstGeom prst="rect">
             <a:avLst/>
           </a:prstGeom>
-        </p:spPr>
-      </p:pic>
-      <p:pic>
-        <p:nvPicPr>
-          <p:cNvPr id="19" name="Image 18">
-            <a:extLst>
-              <a:ext uri="{FF2B5EF4-FFF2-40B4-BE49-F238E27FC236}">
-                <a16:creationId xmlns:a16="http://schemas.microsoft.com/office/drawing/2014/main" id="{85390840-0C6B-B290-D003-F800472BC82C}"/>
-              </a:ext>
-            </a:extLst>
-          </p:cNvPr>
-          <p:cNvPicPr>
-            <a:picLocks noChangeAspect="1"/>
-          </p:cNvPicPr>
-          <p:nvPr/>
-        </p:nvPicPr>
-        <p:blipFill>
-          <a:blip r:embed="rId3"/>
-          <a:stretch>
-            <a:fillRect/>
-          </a:stretch>
-        </p:blipFill>
-        <p:spPr>
-          <a:xfrm>
-            <a:off x="333597" y="1609819"/>
-            <a:ext cx="1481201" cy="3141215"/>
+          <a:solidFill>
+            <a:schemeClr val="tx2">
+              <a:lumMod val="25000"/>
+              <a:lumOff val="75000"/>
+            </a:schemeClr>
+          </a:solidFill>
+        </p:spPr>
+        <p:style>
+          <a:lnRef idx="2">
+            <a:schemeClr val="accent1">
+              <a:shade val="15000"/>
+            </a:schemeClr>
+          </a:lnRef>
+          <a:fillRef idx="1">
+            <a:schemeClr val="accent1"/>
+          </a:fillRef>
+          <a:effectRef idx="0">
+            <a:schemeClr val="accent1"/>
+          </a:effectRef>
+          <a:fontRef idx="minor">
+            <a:schemeClr val="lt1"/>
+          </a:fontRef>
+        </p:style>
+        <p:txBody>
+          <a:bodyPr rtlCol="0" anchor="ctr"/>
+          <a:lstStyle/>
+          <a:p>
+            <a:pPr algn="ctr"/>
+            <a:r>
+              <a:rPr lang="fr-CH" sz="1400" dirty="0"/>
+              <a:t>bouton</a:t>
+            </a:r>
+          </a:p>
+        </p:txBody>
+      </p:sp>
+      <p:sp>
+        <p:nvSpPr>
+          <p:cNvPr id="20" name="Rectangle 19">
+            <a:extLst>
+              <a:ext uri="{FF2B5EF4-FFF2-40B4-BE49-F238E27FC236}">
+                <a16:creationId xmlns:a16="http://schemas.microsoft.com/office/drawing/2014/main" id="{79D8F914-5A5B-3670-2C6F-741EB63D6A3B}"/>
+              </a:ext>
+            </a:extLst>
+          </p:cNvPr>
+          <p:cNvSpPr/>
+          <p:nvPr/>
+        </p:nvSpPr>
+        <p:spPr>
+          <a:xfrm>
+            <a:off x="9490580" y="2980182"/>
+            <a:ext cx="818224" cy="330695"/>
           </a:xfrm>
           <a:prstGeom prst="rect">
             <a:avLst/>
           </a:prstGeom>
-        </p:spPr>
-      </p:pic>
-      <p:pic>
-        <p:nvPicPr>
-          <p:cNvPr id="21" name="Image 20">
-            <a:extLst>
-              <a:ext uri="{FF2B5EF4-FFF2-40B4-BE49-F238E27FC236}">
-                <a16:creationId xmlns:a16="http://schemas.microsoft.com/office/drawing/2014/main" id="{48D6D3FC-80AF-5BDB-A3E9-83B1B3C53743}"/>
-              </a:ext>
-            </a:extLst>
-          </p:cNvPr>
-          <p:cNvPicPr>
-            <a:picLocks noChangeAspect="1"/>
-          </p:cNvPicPr>
-          <p:nvPr/>
-        </p:nvPicPr>
-        <p:blipFill>
-          <a:blip r:embed="rId4"/>
-          <a:stretch>
-            <a:fillRect/>
-          </a:stretch>
-        </p:blipFill>
-        <p:spPr>
-          <a:xfrm>
-            <a:off x="10363821" y="1834016"/>
-            <a:ext cx="1655922" cy="3078294"/>
+          <a:solidFill>
+            <a:schemeClr val="tx2">
+              <a:lumMod val="25000"/>
+              <a:lumOff val="75000"/>
+            </a:schemeClr>
+          </a:solidFill>
+        </p:spPr>
+        <p:style>
+          <a:lnRef idx="2">
+            <a:schemeClr val="accent1">
+              <a:shade val="15000"/>
+            </a:schemeClr>
+          </a:lnRef>
+          <a:fillRef idx="1">
+            <a:schemeClr val="accent1"/>
+          </a:fillRef>
+          <a:effectRef idx="0">
+            <a:schemeClr val="accent1"/>
+          </a:effectRef>
+          <a:fontRef idx="minor">
+            <a:schemeClr val="lt1"/>
+          </a:fontRef>
+        </p:style>
+        <p:txBody>
+          <a:bodyPr rtlCol="0" anchor="ctr"/>
+          <a:lstStyle/>
+          <a:p>
+            <a:pPr algn="ctr"/>
+            <a:r>
+              <a:rPr lang="fr-CH" sz="1400" dirty="0"/>
+              <a:t>bouton</a:t>
+            </a:r>
+          </a:p>
+        </p:txBody>
+      </p:sp>
+      <p:sp>
+        <p:nvSpPr>
+          <p:cNvPr id="21" name="Rectangle 20">
+            <a:extLst>
+              <a:ext uri="{FF2B5EF4-FFF2-40B4-BE49-F238E27FC236}">
+                <a16:creationId xmlns:a16="http://schemas.microsoft.com/office/drawing/2014/main" id="{A9869BDF-3E69-FA49-AB7B-38E1E8FDB6FE}"/>
+              </a:ext>
+            </a:extLst>
+          </p:cNvPr>
+          <p:cNvSpPr/>
+          <p:nvPr/>
+        </p:nvSpPr>
+        <p:spPr>
+          <a:xfrm>
+            <a:off x="9490580" y="3791874"/>
+            <a:ext cx="818224" cy="330695"/>
           </a:xfrm>
           <a:prstGeom prst="rect">
             <a:avLst/>
           </a:prstGeom>
-        </p:spPr>
-      </p:pic>
-      <p:pic>
-        <p:nvPicPr>
-          <p:cNvPr id="3" name="Image 2">
-            <a:extLst>
-              <a:ext uri="{FF2B5EF4-FFF2-40B4-BE49-F238E27FC236}">
-                <a16:creationId xmlns:a16="http://schemas.microsoft.com/office/drawing/2014/main" id="{A9183C76-0939-36C7-242F-A826CC6B1BB9}"/>
-              </a:ext>
-            </a:extLst>
-          </p:cNvPr>
-          <p:cNvPicPr>
-            <a:picLocks noChangeAspect="1"/>
-          </p:cNvPicPr>
-          <p:nvPr/>
-        </p:nvPicPr>
-        <p:blipFill>
-          <a:blip r:embed="rId5"/>
-          <a:stretch>
-            <a:fillRect/>
-          </a:stretch>
-        </p:blipFill>
-        <p:spPr>
-          <a:xfrm>
-            <a:off x="179717" y="267522"/>
-            <a:ext cx="520339" cy="469325"/>
-          </a:xfrm>
-          <a:prstGeom prst="rect">
-            <a:avLst/>
-          </a:prstGeom>
-        </p:spPr>
-      </p:pic>
+          <a:solidFill>
+            <a:schemeClr val="tx2">
+              <a:lumMod val="25000"/>
+              <a:lumOff val="75000"/>
+            </a:schemeClr>
+          </a:solidFill>
+        </p:spPr>
+        <p:style>
+          <a:lnRef idx="2">
+            <a:schemeClr val="accent1">
+              <a:shade val="15000"/>
+            </a:schemeClr>
+          </a:lnRef>
+          <a:fillRef idx="1">
+            <a:schemeClr val="accent1"/>
+          </a:fillRef>
+          <a:effectRef idx="0">
+            <a:schemeClr val="accent1"/>
+          </a:effectRef>
+          <a:fontRef idx="minor">
+            <a:schemeClr val="lt1"/>
+          </a:fontRef>
+        </p:style>
+        <p:txBody>
+          <a:bodyPr rtlCol="0" anchor="ctr"/>
+          <a:lstStyle/>
+          <a:p>
+            <a:pPr algn="ctr"/>
+            <a:r>
+              <a:rPr lang="fr-CH" sz="1400" dirty="0"/>
+              <a:t>bouton</a:t>
+            </a:r>
+          </a:p>
+        </p:txBody>
+      </p:sp>
     </p:spTree>
     <p:extLst>
       <p:ext uri="{BB962C8B-B14F-4D97-AF65-F5344CB8AC3E}">
-        <p14:creationId xmlns:p14="http://schemas.microsoft.com/office/powerpoint/2010/main" val="4210475300"/>
+        <p14:creationId xmlns:p14="http://schemas.microsoft.com/office/powerpoint/2010/main" val="3310059216"/>
       </p:ext>
     </p:extLst>
   </p:cSld>
@@ -7460,10 +9845,10 @@
       </p:sp>
       <p:sp>
         <p:nvSpPr>
-          <p:cNvPr id="7" name="Rectangle 6">
-            <a:extLst>
-              <a:ext uri="{FF2B5EF4-FFF2-40B4-BE49-F238E27FC236}">
-                <a16:creationId xmlns:a16="http://schemas.microsoft.com/office/drawing/2014/main" id="{CB51EB11-D401-1995-38A8-E97C5BD7C1AE}"/>
+          <p:cNvPr id="6" name="Rectangle 5">
+            <a:extLst>
+              <a:ext uri="{FF2B5EF4-FFF2-40B4-BE49-F238E27FC236}">
+                <a16:creationId xmlns:a16="http://schemas.microsoft.com/office/drawing/2014/main" id="{0413C0C2-79E4-3C3D-CF5D-7B5B3F4257B9}"/>
               </a:ext>
             </a:extLst>
           </p:cNvPr>
@@ -7472,8 +9857,8 @@
         </p:nvSpPr>
         <p:spPr>
           <a:xfrm>
-            <a:off x="9355585" y="468296"/>
-            <a:ext cx="640672" cy="270770"/>
+            <a:off x="1296140" y="246931"/>
+            <a:ext cx="2095130" cy="479395"/>
           </a:xfrm>
           <a:prstGeom prst="rect">
             <a:avLst/>
@@ -7481,11 +9866,6 @@
           <a:solidFill>
             <a:schemeClr val="bg1"/>
           </a:solidFill>
-          <a:ln>
-            <a:solidFill>
-              <a:schemeClr val="tx2"/>
-            </a:solidFill>
-          </a:ln>
         </p:spPr>
         <p:style>
           <a:lnRef idx="2">
@@ -7507,24 +9887,40 @@
           <a:bodyPr rtlCol="0" anchor="ctr"/>
           <a:lstStyle/>
           <a:p>
-            <a:pPr algn="ctr"/>
-            <a:r>
-              <a:rPr lang="fr-CH" sz="900" dirty="0">
+            <a:pPr algn="l"/>
+            <a:r>
+              <a:rPr lang="fr-CH" dirty="0">
                 <a:solidFill>
                   <a:schemeClr val="tx1"/>
                 </a:solidFill>
+                <a:latin typeface="system-ui"/>
               </a:rPr>
-              <a:t>Home</a:t>
-            </a:r>
-          </a:p>
-        </p:txBody>
-      </p:sp>
-      <p:sp>
-        <p:nvSpPr>
-          <p:cNvPr id="8" name="Rectangle 7">
-            <a:extLst>
-              <a:ext uri="{FF2B5EF4-FFF2-40B4-BE49-F238E27FC236}">
-                <a16:creationId xmlns:a16="http://schemas.microsoft.com/office/drawing/2014/main" id="{78150E4D-41E2-32CB-F530-C198B3B9BFF3}"/>
+              <a:t>      </a:t>
+            </a:r>
+            <a:r>
+              <a:rPr lang="fr-CH" b="0" i="0" dirty="0">
+                <a:solidFill>
+                  <a:schemeClr val="tx1"/>
+                </a:solidFill>
+                <a:effectLst/>
+                <a:latin typeface="system-ui"/>
+              </a:rPr>
+              <a:t>ENCHERINO</a:t>
+            </a:r>
+            <a:endParaRPr lang="fr-CH" dirty="0">
+              <a:solidFill>
+                <a:schemeClr val="tx1"/>
+              </a:solidFill>
+            </a:endParaRPr>
+          </a:p>
+        </p:txBody>
+      </p:sp>
+      <p:sp>
+        <p:nvSpPr>
+          <p:cNvPr id="7" name="Rectangle 6">
+            <a:extLst>
+              <a:ext uri="{FF2B5EF4-FFF2-40B4-BE49-F238E27FC236}">
+                <a16:creationId xmlns:a16="http://schemas.microsoft.com/office/drawing/2014/main" id="{CB51EB11-D401-1995-38A8-E97C5BD7C1AE}"/>
               </a:ext>
             </a:extLst>
           </p:cNvPr>
@@ -7533,7 +9929,7 @@
         </p:nvSpPr>
         <p:spPr>
           <a:xfrm>
-            <a:off x="10067277" y="466077"/>
+            <a:off x="7291428" y="466077"/>
             <a:ext cx="640672" cy="270770"/>
           </a:xfrm>
           <a:prstGeom prst="rect">
@@ -7575,6 +9971,62 @@
                   <a:schemeClr val="tx1"/>
                 </a:solidFill>
               </a:rPr>
+              <a:t>Home</a:t>
+            </a:r>
+          </a:p>
+        </p:txBody>
+      </p:sp>
+      <p:sp>
+        <p:nvSpPr>
+          <p:cNvPr id="8" name="Rectangle 7">
+            <a:extLst>
+              <a:ext uri="{FF2B5EF4-FFF2-40B4-BE49-F238E27FC236}">
+                <a16:creationId xmlns:a16="http://schemas.microsoft.com/office/drawing/2014/main" id="{78150E4D-41E2-32CB-F530-C198B3B9BFF3}"/>
+              </a:ext>
+            </a:extLst>
+          </p:cNvPr>
+          <p:cNvSpPr/>
+          <p:nvPr/>
+        </p:nvSpPr>
+        <p:spPr>
+          <a:xfrm>
+            <a:off x="8003120" y="463858"/>
+            <a:ext cx="640672" cy="270770"/>
+          </a:xfrm>
+          <a:prstGeom prst="rect">
+            <a:avLst/>
+          </a:prstGeom>
+          <a:solidFill>
+            <a:schemeClr val="bg1"/>
+          </a:solidFill>
+        </p:spPr>
+        <p:style>
+          <a:lnRef idx="2">
+            <a:schemeClr val="accent1">
+              <a:shade val="15000"/>
+            </a:schemeClr>
+          </a:lnRef>
+          <a:fillRef idx="1">
+            <a:schemeClr val="accent1"/>
+          </a:fillRef>
+          <a:effectRef idx="0">
+            <a:schemeClr val="accent1"/>
+          </a:effectRef>
+          <a:fontRef idx="minor">
+            <a:schemeClr val="lt1"/>
+          </a:fontRef>
+        </p:style>
+        <p:txBody>
+          <a:bodyPr rtlCol="0" anchor="ctr"/>
+          <a:lstStyle/>
+          <a:p>
+            <a:pPr algn="ctr"/>
+            <a:r>
+              <a:rPr lang="fr-CH" sz="900" dirty="0">
+                <a:solidFill>
+                  <a:schemeClr val="tx1"/>
+                </a:solidFill>
+              </a:rPr>
               <a:t>About</a:t>
             </a:r>
           </a:p>
@@ -7594,7 +10046,7 @@
         </p:nvSpPr>
         <p:spPr>
           <a:xfrm>
-            <a:off x="10771574" y="468296"/>
+            <a:off x="8707417" y="466077"/>
             <a:ext cx="640672" cy="270770"/>
           </a:xfrm>
           <a:prstGeom prst="rect">
@@ -7650,7 +10102,7 @@
         </p:nvSpPr>
         <p:spPr>
           <a:xfrm>
-            <a:off x="11475871" y="466077"/>
+            <a:off x="9411714" y="463858"/>
             <a:ext cx="640672" cy="270770"/>
           </a:xfrm>
           <a:prstGeom prst="rect">
@@ -7706,7 +10158,7 @@
         </p:nvSpPr>
         <p:spPr>
           <a:xfrm>
-            <a:off x="3109404" y="1273206"/>
+            <a:off x="3144175" y="1509204"/>
             <a:ext cx="5973192" cy="436486"/>
           </a:xfrm>
           <a:prstGeom prst="rect">
@@ -7748,7 +10200,20 @@
                 </a:highlight>
                 <a:latin typeface="system-ui"/>
               </a:rPr>
-              <a:t>À Propos de Nous</a:t>
+              <a:t>Bienvenue sur </a:t>
+            </a:r>
+            <a:r>
+              <a:rPr lang="fr-CH" b="0" i="0" dirty="0" err="1">
+                <a:solidFill>
+                  <a:srgbClr val="212529"/>
+                </a:solidFill>
+                <a:effectLst/>
+                <a:highlight>
+                  <a:srgbClr val="FFFFFF"/>
+                </a:highlight>
+                <a:latin typeface="system-ui"/>
+              </a:rPr>
+              <a:t>Encherino</a:t>
             </a:r>
             <a:endParaRPr lang="fr-CH" dirty="0">
               <a:solidFill>
@@ -7772,8 +10237,8 @@
         </p:nvSpPr>
         <p:spPr>
           <a:xfrm>
-            <a:off x="2104007" y="1926455"/>
-            <a:ext cx="7963270" cy="358807"/>
+            <a:off x="2228295" y="2180207"/>
+            <a:ext cx="7963270" cy="2732103"/>
           </a:xfrm>
           <a:prstGeom prst="rect">
             <a:avLst/>
@@ -7809,7 +10274,23 @@
                   <a:schemeClr val="tx1"/>
                 </a:solidFill>
               </a:rPr>
-              <a:t>Nous sommes une équipe passionnée dédiée à offrir la meilleure expérience d'enchères en ligne.</a:t>
+              <a:t>Découvrez notre plateforme d'enchères en ligne où vous pouvez trouver une large gamme de produits passionnants à des prix compétitifs. Que vous soyez un amateur d'antiquités, un collectionneur ou simplement à la recherche de bonnes affaires, </a:t>
+            </a:r>
+            <a:r>
+              <a:rPr lang="fr-FR" sz="1400" dirty="0" err="1">
+                <a:solidFill>
+                  <a:schemeClr val="tx1"/>
+                </a:solidFill>
+              </a:rPr>
+              <a:t>Encherino</a:t>
+            </a:r>
+            <a:r>
+              <a:rPr lang="fr-FR" sz="1400" dirty="0">
+                <a:solidFill>
+                  <a:schemeClr val="tx1"/>
+                </a:solidFill>
+              </a:rPr>
+              <a:t> est l'endroit idéal pour vous.</a:t>
             </a:r>
             <a:r>
               <a:rPr lang="fr-CH" sz="1400" dirty="0">
@@ -7869,84 +10350,12 @@
           </a:p>
         </p:txBody>
       </p:sp>
-      <p:sp>
-        <p:nvSpPr>
-          <p:cNvPr id="15" name="Rectangle 14">
-            <a:extLst>
-              <a:ext uri="{FF2B5EF4-FFF2-40B4-BE49-F238E27FC236}">
-                <a16:creationId xmlns:a16="http://schemas.microsoft.com/office/drawing/2014/main" id="{2B172531-E124-BE1E-B0DD-D7B1E4A77E23}"/>
-              </a:ext>
-            </a:extLst>
-          </p:cNvPr>
-          <p:cNvSpPr/>
-          <p:nvPr/>
-        </p:nvSpPr>
-        <p:spPr>
-          <a:xfrm>
-            <a:off x="1296140" y="246931"/>
-            <a:ext cx="2095130" cy="479395"/>
-          </a:xfrm>
-          <a:prstGeom prst="rect">
-            <a:avLst/>
-          </a:prstGeom>
-          <a:solidFill>
-            <a:schemeClr val="bg1"/>
-          </a:solidFill>
-        </p:spPr>
-        <p:style>
-          <a:lnRef idx="2">
-            <a:schemeClr val="accent1">
-              <a:shade val="15000"/>
-            </a:schemeClr>
-          </a:lnRef>
-          <a:fillRef idx="1">
-            <a:schemeClr val="accent1"/>
-          </a:fillRef>
-          <a:effectRef idx="0">
-            <a:schemeClr val="accent1"/>
-          </a:effectRef>
-          <a:fontRef idx="minor">
-            <a:schemeClr val="lt1"/>
-          </a:fontRef>
-        </p:style>
-        <p:txBody>
-          <a:bodyPr rtlCol="0" anchor="ctr"/>
-          <a:lstStyle/>
-          <a:p>
-            <a:pPr algn="l"/>
-            <a:r>
-              <a:rPr lang="fr-CH" dirty="0">
-                <a:solidFill>
-                  <a:schemeClr val="tx1"/>
-                </a:solidFill>
-                <a:latin typeface="system-ui"/>
-              </a:rPr>
-              <a:t>      </a:t>
-            </a:r>
-            <a:r>
-              <a:rPr lang="fr-CH" b="0" i="0" dirty="0">
-                <a:solidFill>
-                  <a:schemeClr val="tx1"/>
-                </a:solidFill>
-                <a:effectLst/>
-                <a:latin typeface="system-ui"/>
-              </a:rPr>
-              <a:t>ENCHERINO</a:t>
-            </a:r>
-            <a:endParaRPr lang="fr-CH" dirty="0">
-              <a:solidFill>
-                <a:schemeClr val="tx1"/>
-              </a:solidFill>
-            </a:endParaRPr>
-          </a:p>
-        </p:txBody>
-      </p:sp>
       <p:pic>
         <p:nvPicPr>
-          <p:cNvPr id="16" name="Image 15">
-            <a:extLst>
-              <a:ext uri="{FF2B5EF4-FFF2-40B4-BE49-F238E27FC236}">
-                <a16:creationId xmlns:a16="http://schemas.microsoft.com/office/drawing/2014/main" id="{59F7876A-86B1-6D51-0F25-1225816FC429}"/>
+          <p:cNvPr id="17" name="Image 16">
+            <a:extLst>
+              <a:ext uri="{FF2B5EF4-FFF2-40B4-BE49-F238E27FC236}">
+                <a16:creationId xmlns:a16="http://schemas.microsoft.com/office/drawing/2014/main" id="{A6FB57E4-2506-CCE2-1D80-A6F1D1CEE2CE}"/>
               </a:ext>
             </a:extLst>
           </p:cNvPr>
@@ -7963,8 +10372,8 @@
         </p:blipFill>
         <p:spPr>
           <a:xfrm>
-            <a:off x="179717" y="267522"/>
-            <a:ext cx="520339" cy="469325"/>
+            <a:off x="779755" y="5348796"/>
+            <a:ext cx="10530396" cy="1176825"/>
           </a:xfrm>
           <a:prstGeom prst="rect">
             <a:avLst/>
@@ -7973,10 +10382,10 @@
       </p:pic>
       <p:pic>
         <p:nvPicPr>
-          <p:cNvPr id="18" name="Image 17">
-            <a:extLst>
-              <a:ext uri="{FF2B5EF4-FFF2-40B4-BE49-F238E27FC236}">
-                <a16:creationId xmlns:a16="http://schemas.microsoft.com/office/drawing/2014/main" id="{38A55219-D6D9-6BB2-A083-31653D33FCB6}"/>
+          <p:cNvPr id="19" name="Image 18">
+            <a:extLst>
+              <a:ext uri="{FF2B5EF4-FFF2-40B4-BE49-F238E27FC236}">
+                <a16:creationId xmlns:a16="http://schemas.microsoft.com/office/drawing/2014/main" id="{85390840-0C6B-B290-D003-F800472BC82C}"/>
               </a:ext>
             </a:extLst>
           </p:cNvPr>
@@ -7993,8 +10402,8 @@
         </p:blipFill>
         <p:spPr>
           <a:xfrm>
-            <a:off x="924282" y="2635883"/>
-            <a:ext cx="2771525" cy="1953088"/>
+            <a:off x="333597" y="1609819"/>
+            <a:ext cx="1481201" cy="3141215"/>
           </a:xfrm>
           <a:prstGeom prst="rect">
             <a:avLst/>
@@ -8003,10 +10412,10 @@
       </p:pic>
       <p:pic>
         <p:nvPicPr>
-          <p:cNvPr id="20" name="Image 19">
-            <a:extLst>
-              <a:ext uri="{FF2B5EF4-FFF2-40B4-BE49-F238E27FC236}">
-                <a16:creationId xmlns:a16="http://schemas.microsoft.com/office/drawing/2014/main" id="{D6FBC98D-E041-7AAA-9EF0-A89D67E0B979}"/>
+          <p:cNvPr id="21" name="Image 20">
+            <a:extLst>
+              <a:ext uri="{FF2B5EF4-FFF2-40B4-BE49-F238E27FC236}">
+                <a16:creationId xmlns:a16="http://schemas.microsoft.com/office/drawing/2014/main" id="{48D6D3FC-80AF-5BDB-A3E9-83B1B3C53743}"/>
               </a:ext>
             </a:extLst>
           </p:cNvPr>
@@ -8023,8 +10432,8 @@
         </p:blipFill>
         <p:spPr>
           <a:xfrm>
-            <a:off x="4589976" y="2655770"/>
-            <a:ext cx="2771525" cy="2004736"/>
+            <a:off x="10363821" y="1834016"/>
+            <a:ext cx="1655922" cy="3078294"/>
           </a:xfrm>
           <a:prstGeom prst="rect">
             <a:avLst/>
@@ -8033,10 +10442,10 @@
       </p:pic>
       <p:pic>
         <p:nvPicPr>
-          <p:cNvPr id="22" name="Image 21">
-            <a:extLst>
-              <a:ext uri="{FF2B5EF4-FFF2-40B4-BE49-F238E27FC236}">
-                <a16:creationId xmlns:a16="http://schemas.microsoft.com/office/drawing/2014/main" id="{AFA17B3D-63C2-BCA0-2D95-2EDA9D6BAB05}"/>
+          <p:cNvPr id="3" name="Image 2">
+            <a:extLst>
+              <a:ext uri="{FF2B5EF4-FFF2-40B4-BE49-F238E27FC236}">
+                <a16:creationId xmlns:a16="http://schemas.microsoft.com/office/drawing/2014/main" id="{A9183C76-0939-36C7-242F-A826CC6B1BB9}"/>
               </a:ext>
             </a:extLst>
           </p:cNvPr>
@@ -8053,18 +10462,130 @@
         </p:blipFill>
         <p:spPr>
           <a:xfrm>
-            <a:off x="8231038" y="2655769"/>
-            <a:ext cx="2780154" cy="2004737"/>
+            <a:off x="179717" y="267522"/>
+            <a:ext cx="520339" cy="469325"/>
           </a:xfrm>
           <a:prstGeom prst="rect">
             <a:avLst/>
           </a:prstGeom>
         </p:spPr>
       </p:pic>
+      <p:sp>
+        <p:nvSpPr>
+          <p:cNvPr id="16" name="Rectangle 15">
+            <a:extLst>
+              <a:ext uri="{FF2B5EF4-FFF2-40B4-BE49-F238E27FC236}">
+                <a16:creationId xmlns:a16="http://schemas.microsoft.com/office/drawing/2014/main" id="{CE953D68-A4CB-15E3-F176-B4602EBB4964}"/>
+              </a:ext>
+            </a:extLst>
+          </p:cNvPr>
+          <p:cNvSpPr/>
+          <p:nvPr/>
+        </p:nvSpPr>
+        <p:spPr>
+          <a:xfrm>
+            <a:off x="10116499" y="463858"/>
+            <a:ext cx="640672" cy="270770"/>
+          </a:xfrm>
+          <a:prstGeom prst="rect">
+            <a:avLst/>
+          </a:prstGeom>
+          <a:solidFill>
+            <a:schemeClr val="bg1"/>
+          </a:solidFill>
+        </p:spPr>
+        <p:style>
+          <a:lnRef idx="2">
+            <a:schemeClr val="accent1">
+              <a:shade val="15000"/>
+            </a:schemeClr>
+          </a:lnRef>
+          <a:fillRef idx="1">
+            <a:schemeClr val="accent1"/>
+          </a:fillRef>
+          <a:effectRef idx="0">
+            <a:schemeClr val="accent1"/>
+          </a:effectRef>
+          <a:fontRef idx="minor">
+            <a:schemeClr val="lt1"/>
+          </a:fontRef>
+        </p:style>
+        <p:txBody>
+          <a:bodyPr rtlCol="0" anchor="ctr"/>
+          <a:lstStyle/>
+          <a:p>
+            <a:pPr algn="ctr"/>
+            <a:r>
+              <a:rPr lang="fr-CH" sz="900" dirty="0">
+                <a:solidFill>
+                  <a:schemeClr val="tx1"/>
+                </a:solidFill>
+              </a:rPr>
+              <a:t>Mon Compte</a:t>
+            </a:r>
+          </a:p>
+        </p:txBody>
+      </p:sp>
+      <p:sp>
+        <p:nvSpPr>
+          <p:cNvPr id="18" name="Rectangle 17">
+            <a:extLst>
+              <a:ext uri="{FF2B5EF4-FFF2-40B4-BE49-F238E27FC236}">
+                <a16:creationId xmlns:a16="http://schemas.microsoft.com/office/drawing/2014/main" id="{CB7AE146-EB68-79C2-D959-8050ADE54EFD}"/>
+              </a:ext>
+            </a:extLst>
+          </p:cNvPr>
+          <p:cNvSpPr/>
+          <p:nvPr/>
+        </p:nvSpPr>
+        <p:spPr>
+          <a:xfrm>
+            <a:off x="10895860" y="455556"/>
+            <a:ext cx="1199570" cy="270770"/>
+          </a:xfrm>
+          <a:prstGeom prst="rect">
+            <a:avLst/>
+          </a:prstGeom>
+          <a:solidFill>
+            <a:schemeClr val="bg1"/>
+          </a:solidFill>
+        </p:spPr>
+        <p:style>
+          <a:lnRef idx="2">
+            <a:schemeClr val="accent1">
+              <a:shade val="15000"/>
+            </a:schemeClr>
+          </a:lnRef>
+          <a:fillRef idx="1">
+            <a:schemeClr val="accent1"/>
+          </a:fillRef>
+          <a:effectRef idx="0">
+            <a:schemeClr val="accent1"/>
+          </a:effectRef>
+          <a:fontRef idx="minor">
+            <a:schemeClr val="lt1"/>
+          </a:fontRef>
+        </p:style>
+        <p:txBody>
+          <a:bodyPr rtlCol="0" anchor="ctr"/>
+          <a:lstStyle/>
+          <a:p>
+            <a:pPr algn="ctr"/>
+            <a:r>
+              <a:rPr lang="fr-CH" sz="900" dirty="0">
+                <a:solidFill>
+                  <a:schemeClr val="tx1"/>
+                </a:solidFill>
+              </a:rPr>
+              <a:t>User [Solde]</a:t>
+            </a:r>
+          </a:p>
+        </p:txBody>
+      </p:sp>
     </p:spTree>
     <p:extLst>
       <p:ext uri="{BB962C8B-B14F-4D97-AF65-F5344CB8AC3E}">
-        <p14:creationId xmlns:p14="http://schemas.microsoft.com/office/powerpoint/2010/main" val="1697065118"/>
+        <p14:creationId xmlns:p14="http://schemas.microsoft.com/office/powerpoint/2010/main" val="4210475300"/>
       </p:ext>
     </p:extLst>
   </p:cSld>
@@ -8140,10 +10661,10 @@
       </p:sp>
       <p:sp>
         <p:nvSpPr>
-          <p:cNvPr id="7" name="Rectangle 6">
-            <a:extLst>
-              <a:ext uri="{FF2B5EF4-FFF2-40B4-BE49-F238E27FC236}">
-                <a16:creationId xmlns:a16="http://schemas.microsoft.com/office/drawing/2014/main" id="{CB51EB11-D401-1995-38A8-E97C5BD7C1AE}"/>
+          <p:cNvPr id="11" name="Rectangle 10">
+            <a:extLst>
+              <a:ext uri="{FF2B5EF4-FFF2-40B4-BE49-F238E27FC236}">
+                <a16:creationId xmlns:a16="http://schemas.microsoft.com/office/drawing/2014/main" id="{D786BC1D-A222-3200-2357-0D4972A7BAB7}"/>
               </a:ext>
             </a:extLst>
           </p:cNvPr>
@@ -8152,8 +10673,8 @@
         </p:nvSpPr>
         <p:spPr>
           <a:xfrm>
-            <a:off x="9355585" y="468296"/>
-            <a:ext cx="640672" cy="270770"/>
+            <a:off x="3109404" y="1273206"/>
+            <a:ext cx="5973192" cy="436486"/>
           </a:xfrm>
           <a:prstGeom prst="rect">
             <a:avLst/>
@@ -8161,546 +10682,6 @@
           <a:solidFill>
             <a:schemeClr val="bg1"/>
           </a:solidFill>
-        </p:spPr>
-        <p:style>
-          <a:lnRef idx="2">
-            <a:schemeClr val="accent1">
-              <a:shade val="15000"/>
-            </a:schemeClr>
-          </a:lnRef>
-          <a:fillRef idx="1">
-            <a:schemeClr val="accent1"/>
-          </a:fillRef>
-          <a:effectRef idx="0">
-            <a:schemeClr val="accent1"/>
-          </a:effectRef>
-          <a:fontRef idx="minor">
-            <a:schemeClr val="lt1"/>
-          </a:fontRef>
-        </p:style>
-        <p:txBody>
-          <a:bodyPr rtlCol="0" anchor="ctr"/>
-          <a:lstStyle/>
-          <a:p>
-            <a:pPr algn="ctr"/>
-            <a:r>
-              <a:rPr lang="fr-CH" sz="900" dirty="0">
-                <a:solidFill>
-                  <a:schemeClr val="tx1"/>
-                </a:solidFill>
-              </a:rPr>
-              <a:t>Home</a:t>
-            </a:r>
-          </a:p>
-        </p:txBody>
-      </p:sp>
-      <p:sp>
-        <p:nvSpPr>
-          <p:cNvPr id="8" name="Rectangle 7">
-            <a:extLst>
-              <a:ext uri="{FF2B5EF4-FFF2-40B4-BE49-F238E27FC236}">
-                <a16:creationId xmlns:a16="http://schemas.microsoft.com/office/drawing/2014/main" id="{78150E4D-41E2-32CB-F530-C198B3B9BFF3}"/>
-              </a:ext>
-            </a:extLst>
-          </p:cNvPr>
-          <p:cNvSpPr/>
-          <p:nvPr/>
-        </p:nvSpPr>
-        <p:spPr>
-          <a:xfrm>
-            <a:off x="10067277" y="466077"/>
-            <a:ext cx="640672" cy="270770"/>
-          </a:xfrm>
-          <a:prstGeom prst="rect">
-            <a:avLst/>
-          </a:prstGeom>
-          <a:solidFill>
-            <a:schemeClr val="bg1"/>
-          </a:solidFill>
-          <a:ln>
-            <a:solidFill>
-              <a:schemeClr val="tx2"/>
-            </a:solidFill>
-          </a:ln>
-        </p:spPr>
-        <p:style>
-          <a:lnRef idx="2">
-            <a:schemeClr val="accent1">
-              <a:shade val="15000"/>
-            </a:schemeClr>
-          </a:lnRef>
-          <a:fillRef idx="1">
-            <a:schemeClr val="accent1"/>
-          </a:fillRef>
-          <a:effectRef idx="0">
-            <a:schemeClr val="accent1"/>
-          </a:effectRef>
-          <a:fontRef idx="minor">
-            <a:schemeClr val="lt1"/>
-          </a:fontRef>
-        </p:style>
-        <p:txBody>
-          <a:bodyPr rtlCol="0" anchor="ctr"/>
-          <a:lstStyle/>
-          <a:p>
-            <a:pPr algn="ctr"/>
-            <a:r>
-              <a:rPr lang="fr-CH" sz="900" dirty="0">
-                <a:solidFill>
-                  <a:schemeClr val="tx1"/>
-                </a:solidFill>
-              </a:rPr>
-              <a:t>About</a:t>
-            </a:r>
-          </a:p>
-        </p:txBody>
-      </p:sp>
-      <p:sp>
-        <p:nvSpPr>
-          <p:cNvPr id="9" name="Rectangle 8">
-            <a:extLst>
-              <a:ext uri="{FF2B5EF4-FFF2-40B4-BE49-F238E27FC236}">
-                <a16:creationId xmlns:a16="http://schemas.microsoft.com/office/drawing/2014/main" id="{92BE5734-3289-3CD2-CC01-D1DC064F6AEE}"/>
-              </a:ext>
-            </a:extLst>
-          </p:cNvPr>
-          <p:cNvSpPr/>
-          <p:nvPr/>
-        </p:nvSpPr>
-        <p:spPr>
-          <a:xfrm>
-            <a:off x="10771574" y="468296"/>
-            <a:ext cx="640672" cy="270770"/>
-          </a:xfrm>
-          <a:prstGeom prst="rect">
-            <a:avLst/>
-          </a:prstGeom>
-          <a:solidFill>
-            <a:schemeClr val="bg1"/>
-          </a:solidFill>
-          <a:ln>
-            <a:solidFill>
-              <a:srgbClr val="FF0000"/>
-            </a:solidFill>
-          </a:ln>
-        </p:spPr>
-        <p:style>
-          <a:lnRef idx="2">
-            <a:schemeClr val="accent1">
-              <a:shade val="15000"/>
-            </a:schemeClr>
-          </a:lnRef>
-          <a:fillRef idx="1">
-            <a:schemeClr val="accent1"/>
-          </a:fillRef>
-          <a:effectRef idx="0">
-            <a:schemeClr val="accent1"/>
-          </a:effectRef>
-          <a:fontRef idx="minor">
-            <a:schemeClr val="lt1"/>
-          </a:fontRef>
-        </p:style>
-        <p:txBody>
-          <a:bodyPr rtlCol="0" anchor="ctr"/>
-          <a:lstStyle/>
-          <a:p>
-            <a:pPr algn="ctr"/>
-            <a:r>
-              <a:rPr lang="fr-CH" sz="900" dirty="0">
-                <a:solidFill>
-                  <a:schemeClr val="tx1"/>
-                </a:solidFill>
-              </a:rPr>
-              <a:t>Lots</a:t>
-            </a:r>
-          </a:p>
-        </p:txBody>
-      </p:sp>
-      <p:sp>
-        <p:nvSpPr>
-          <p:cNvPr id="10" name="Rectangle 9">
-            <a:extLst>
-              <a:ext uri="{FF2B5EF4-FFF2-40B4-BE49-F238E27FC236}">
-                <a16:creationId xmlns:a16="http://schemas.microsoft.com/office/drawing/2014/main" id="{1FE9B45A-B754-CB2A-F302-FDECE6EEDED1}"/>
-              </a:ext>
-            </a:extLst>
-          </p:cNvPr>
-          <p:cNvSpPr/>
-          <p:nvPr/>
-        </p:nvSpPr>
-        <p:spPr>
-          <a:xfrm>
-            <a:off x="11475871" y="466077"/>
-            <a:ext cx="640672" cy="270770"/>
-          </a:xfrm>
-          <a:prstGeom prst="rect">
-            <a:avLst/>
-          </a:prstGeom>
-          <a:solidFill>
-            <a:schemeClr val="bg1"/>
-          </a:solidFill>
-        </p:spPr>
-        <p:style>
-          <a:lnRef idx="2">
-            <a:schemeClr val="accent1">
-              <a:shade val="15000"/>
-            </a:schemeClr>
-          </a:lnRef>
-          <a:fillRef idx="1">
-            <a:schemeClr val="accent1"/>
-          </a:fillRef>
-          <a:effectRef idx="0">
-            <a:schemeClr val="accent1"/>
-          </a:effectRef>
-          <a:fontRef idx="minor">
-            <a:schemeClr val="lt1"/>
-          </a:fontRef>
-        </p:style>
-        <p:txBody>
-          <a:bodyPr rtlCol="0" anchor="ctr"/>
-          <a:lstStyle/>
-          <a:p>
-            <a:pPr algn="ctr"/>
-            <a:r>
-              <a:rPr lang="fr-CH" sz="900" dirty="0">
-                <a:solidFill>
-                  <a:schemeClr val="tx1"/>
-                </a:solidFill>
-              </a:rPr>
-              <a:t>Ajout de lot</a:t>
-            </a:r>
-          </a:p>
-        </p:txBody>
-      </p:sp>
-      <p:sp>
-        <p:nvSpPr>
-          <p:cNvPr id="13" name="Rectangle 12">
-            <a:extLst>
-              <a:ext uri="{FF2B5EF4-FFF2-40B4-BE49-F238E27FC236}">
-                <a16:creationId xmlns:a16="http://schemas.microsoft.com/office/drawing/2014/main" id="{7BB57464-606F-439C-3EE6-37956C925459}"/>
-              </a:ext>
-            </a:extLst>
-          </p:cNvPr>
-          <p:cNvSpPr/>
-          <p:nvPr/>
-        </p:nvSpPr>
-        <p:spPr>
-          <a:xfrm>
-            <a:off x="0" y="0"/>
-            <a:ext cx="12192000" cy="6858000"/>
-          </a:xfrm>
-          <a:prstGeom prst="rect">
-            <a:avLst/>
-          </a:prstGeom>
-          <a:noFill/>
-        </p:spPr>
-        <p:style>
-          <a:lnRef idx="2">
-            <a:schemeClr val="accent1">
-              <a:shade val="15000"/>
-            </a:schemeClr>
-          </a:lnRef>
-          <a:fillRef idx="1">
-            <a:schemeClr val="accent1"/>
-          </a:fillRef>
-          <a:effectRef idx="0">
-            <a:schemeClr val="accent1"/>
-          </a:effectRef>
-          <a:fontRef idx="minor">
-            <a:schemeClr val="lt1"/>
-          </a:fontRef>
-        </p:style>
-        <p:txBody>
-          <a:bodyPr rtlCol="0" anchor="ctr"/>
-          <a:lstStyle/>
-          <a:p>
-            <a:pPr algn="ctr"/>
-            <a:endParaRPr lang="fr-CH"/>
-          </a:p>
-        </p:txBody>
-      </p:sp>
-      <p:sp>
-        <p:nvSpPr>
-          <p:cNvPr id="23" name="Rectangle : coins arrondis 22">
-            <a:extLst>
-              <a:ext uri="{FF2B5EF4-FFF2-40B4-BE49-F238E27FC236}">
-                <a16:creationId xmlns:a16="http://schemas.microsoft.com/office/drawing/2014/main" id="{3F162085-9D89-CE76-FDF2-C30FD93EA33C}"/>
-              </a:ext>
-            </a:extLst>
-          </p:cNvPr>
-          <p:cNvSpPr/>
-          <p:nvPr/>
-        </p:nvSpPr>
-        <p:spPr>
-          <a:xfrm>
-            <a:off x="4299012" y="2044823"/>
-            <a:ext cx="655467" cy="190870"/>
-          </a:xfrm>
-          <a:prstGeom prst="roundRect">
-            <a:avLst/>
-          </a:prstGeom>
-          <a:solidFill>
-            <a:schemeClr val="accent6">
-              <a:lumMod val="20000"/>
-              <a:lumOff val="80000"/>
-            </a:schemeClr>
-          </a:solidFill>
-          <a:ln>
-            <a:solidFill>
-              <a:srgbClr val="FF0000"/>
-            </a:solidFill>
-          </a:ln>
-        </p:spPr>
-        <p:style>
-          <a:lnRef idx="2">
-            <a:schemeClr val="accent1">
-              <a:shade val="15000"/>
-            </a:schemeClr>
-          </a:lnRef>
-          <a:fillRef idx="1">
-            <a:schemeClr val="accent1"/>
-          </a:fillRef>
-          <a:effectRef idx="0">
-            <a:schemeClr val="accent1"/>
-          </a:effectRef>
-          <a:fontRef idx="minor">
-            <a:schemeClr val="lt1"/>
-          </a:fontRef>
-        </p:style>
-        <p:txBody>
-          <a:bodyPr rtlCol="0" anchor="ctr"/>
-          <a:lstStyle/>
-          <a:p>
-            <a:pPr algn="ctr"/>
-            <a:r>
-              <a:rPr lang="fr-CH" sz="1400" dirty="0">
-                <a:solidFill>
-                  <a:schemeClr val="tx1"/>
-                </a:solidFill>
-              </a:rPr>
-              <a:t>SBT</a:t>
-            </a:r>
-            <a:endParaRPr lang="fr-CH" dirty="0">
-              <a:solidFill>
-                <a:schemeClr val="tx1"/>
-              </a:solidFill>
-            </a:endParaRPr>
-          </a:p>
-        </p:txBody>
-      </p:sp>
-      <p:sp>
-        <p:nvSpPr>
-          <p:cNvPr id="27" name="Rectangle : coins arrondis 26">
-            <a:extLst>
-              <a:ext uri="{FF2B5EF4-FFF2-40B4-BE49-F238E27FC236}">
-                <a16:creationId xmlns:a16="http://schemas.microsoft.com/office/drawing/2014/main" id="{BDF02A5E-896D-094D-2D5B-181022774E57}"/>
-              </a:ext>
-            </a:extLst>
-          </p:cNvPr>
-          <p:cNvSpPr/>
-          <p:nvPr/>
-        </p:nvSpPr>
-        <p:spPr>
-          <a:xfrm>
-            <a:off x="5053614" y="2044823"/>
-            <a:ext cx="655467" cy="190870"/>
-          </a:xfrm>
-          <a:prstGeom prst="roundRect">
-            <a:avLst/>
-          </a:prstGeom>
-          <a:solidFill>
-            <a:schemeClr val="accent6">
-              <a:lumMod val="20000"/>
-              <a:lumOff val="80000"/>
-            </a:schemeClr>
-          </a:solidFill>
-        </p:spPr>
-        <p:style>
-          <a:lnRef idx="2">
-            <a:schemeClr val="accent1">
-              <a:shade val="15000"/>
-            </a:schemeClr>
-          </a:lnRef>
-          <a:fillRef idx="1">
-            <a:schemeClr val="accent1"/>
-          </a:fillRef>
-          <a:effectRef idx="0">
-            <a:schemeClr val="accent1"/>
-          </a:effectRef>
-          <a:fontRef idx="minor">
-            <a:schemeClr val="lt1"/>
-          </a:fontRef>
-        </p:style>
-        <p:txBody>
-          <a:bodyPr rtlCol="0" anchor="ctr"/>
-          <a:lstStyle/>
-          <a:p>
-            <a:pPr algn="ctr"/>
-            <a:r>
-              <a:rPr lang="fr-CH" sz="1400" dirty="0">
-                <a:solidFill>
-                  <a:schemeClr val="tx1"/>
-                </a:solidFill>
-              </a:rPr>
-              <a:t>SBT</a:t>
-            </a:r>
-            <a:endParaRPr lang="fr-CH" dirty="0">
-              <a:solidFill>
-                <a:schemeClr val="tx1"/>
-              </a:solidFill>
-            </a:endParaRPr>
-          </a:p>
-        </p:txBody>
-      </p:sp>
-      <p:sp>
-        <p:nvSpPr>
-          <p:cNvPr id="28" name="Rectangle : coins arrondis 27">
-            <a:extLst>
-              <a:ext uri="{FF2B5EF4-FFF2-40B4-BE49-F238E27FC236}">
-                <a16:creationId xmlns:a16="http://schemas.microsoft.com/office/drawing/2014/main" id="{89A14D1F-2141-68B6-AE4F-BAB0FD4F242B}"/>
-              </a:ext>
-            </a:extLst>
-          </p:cNvPr>
-          <p:cNvSpPr/>
-          <p:nvPr/>
-        </p:nvSpPr>
-        <p:spPr>
-          <a:xfrm>
-            <a:off x="5808216" y="2044823"/>
-            <a:ext cx="655467" cy="190870"/>
-          </a:xfrm>
-          <a:prstGeom prst="roundRect">
-            <a:avLst/>
-          </a:prstGeom>
-          <a:solidFill>
-            <a:schemeClr val="accent6">
-              <a:lumMod val="20000"/>
-              <a:lumOff val="80000"/>
-            </a:schemeClr>
-          </a:solidFill>
-        </p:spPr>
-        <p:style>
-          <a:lnRef idx="2">
-            <a:schemeClr val="accent1">
-              <a:shade val="15000"/>
-            </a:schemeClr>
-          </a:lnRef>
-          <a:fillRef idx="1">
-            <a:schemeClr val="accent1"/>
-          </a:fillRef>
-          <a:effectRef idx="0">
-            <a:schemeClr val="accent1"/>
-          </a:effectRef>
-          <a:fontRef idx="minor">
-            <a:schemeClr val="lt1"/>
-          </a:fontRef>
-        </p:style>
-        <p:txBody>
-          <a:bodyPr rtlCol="0" anchor="ctr"/>
-          <a:lstStyle/>
-          <a:p>
-            <a:pPr algn="ctr"/>
-            <a:r>
-              <a:rPr lang="fr-CH" sz="1400" dirty="0">
-                <a:solidFill>
-                  <a:schemeClr val="tx1"/>
-                </a:solidFill>
-              </a:rPr>
-              <a:t>SBT</a:t>
-            </a:r>
-            <a:endParaRPr lang="fr-CH" dirty="0">
-              <a:solidFill>
-                <a:schemeClr val="tx1"/>
-              </a:solidFill>
-            </a:endParaRPr>
-          </a:p>
-        </p:txBody>
-      </p:sp>
-      <p:sp>
-        <p:nvSpPr>
-          <p:cNvPr id="29" name="Rectangle : coins arrondis 28">
-            <a:extLst>
-              <a:ext uri="{FF2B5EF4-FFF2-40B4-BE49-F238E27FC236}">
-                <a16:creationId xmlns:a16="http://schemas.microsoft.com/office/drawing/2014/main" id="{ADD69EB0-99B8-B5BA-B970-EC4387A0B162}"/>
-              </a:ext>
-            </a:extLst>
-          </p:cNvPr>
-          <p:cNvSpPr/>
-          <p:nvPr/>
-        </p:nvSpPr>
-        <p:spPr>
-          <a:xfrm>
-            <a:off x="6545064" y="2044823"/>
-            <a:ext cx="655467" cy="190870"/>
-          </a:xfrm>
-          <a:prstGeom prst="roundRect">
-            <a:avLst/>
-          </a:prstGeom>
-          <a:solidFill>
-            <a:schemeClr val="accent6">
-              <a:lumMod val="20000"/>
-              <a:lumOff val="80000"/>
-            </a:schemeClr>
-          </a:solidFill>
-        </p:spPr>
-        <p:style>
-          <a:lnRef idx="2">
-            <a:schemeClr val="accent1">
-              <a:shade val="15000"/>
-            </a:schemeClr>
-          </a:lnRef>
-          <a:fillRef idx="1">
-            <a:schemeClr val="accent1"/>
-          </a:fillRef>
-          <a:effectRef idx="0">
-            <a:schemeClr val="accent1"/>
-          </a:effectRef>
-          <a:fontRef idx="minor">
-            <a:schemeClr val="lt1"/>
-          </a:fontRef>
-        </p:style>
-        <p:txBody>
-          <a:bodyPr rtlCol="0" anchor="ctr"/>
-          <a:lstStyle/>
-          <a:p>
-            <a:pPr algn="ctr"/>
-            <a:r>
-              <a:rPr lang="fr-CH" sz="1400" dirty="0">
-                <a:solidFill>
-                  <a:schemeClr val="tx1"/>
-                </a:solidFill>
-              </a:rPr>
-              <a:t>SBT</a:t>
-            </a:r>
-            <a:endParaRPr lang="fr-CH" dirty="0">
-              <a:solidFill>
-                <a:schemeClr val="tx1"/>
-              </a:solidFill>
-            </a:endParaRPr>
-          </a:p>
-        </p:txBody>
-      </p:sp>
-      <p:sp>
-        <p:nvSpPr>
-          <p:cNvPr id="30" name="Rectangle 29">
-            <a:extLst>
-              <a:ext uri="{FF2B5EF4-FFF2-40B4-BE49-F238E27FC236}">
-                <a16:creationId xmlns:a16="http://schemas.microsoft.com/office/drawing/2014/main" id="{AA36828F-DDE9-4E78-2644-757B522615D0}"/>
-              </a:ext>
-            </a:extLst>
-          </p:cNvPr>
-          <p:cNvSpPr/>
-          <p:nvPr/>
-        </p:nvSpPr>
-        <p:spPr>
-          <a:xfrm>
-            <a:off x="4596414" y="2493145"/>
-            <a:ext cx="2423604" cy="381740"/>
-          </a:xfrm>
-          <a:prstGeom prst="rect">
-            <a:avLst/>
-          </a:prstGeom>
-          <a:noFill/>
         </p:spPr>
         <p:style>
           <a:lnRef idx="2">
@@ -8734,17 +10715,22 @@
                 </a:highlight>
                 <a:latin typeface="system-ui"/>
               </a:rPr>
-              <a:t>Lots</a:t>
-            </a:r>
-          </a:p>
-        </p:txBody>
-      </p:sp>
-      <p:sp>
-        <p:nvSpPr>
-          <p:cNvPr id="31" name="Rectangle 30">
-            <a:extLst>
-              <a:ext uri="{FF2B5EF4-FFF2-40B4-BE49-F238E27FC236}">
-                <a16:creationId xmlns:a16="http://schemas.microsoft.com/office/drawing/2014/main" id="{A2AD4D85-0862-F4EA-F4AC-8E27DB792D1B}"/>
+              <a:t>À Propos de Nous</a:t>
+            </a:r>
+            <a:endParaRPr lang="fr-CH" dirty="0">
+              <a:solidFill>
+                <a:schemeClr val="tx1"/>
+              </a:solidFill>
+            </a:endParaRPr>
+          </a:p>
+        </p:txBody>
+      </p:sp>
+      <p:sp>
+        <p:nvSpPr>
+          <p:cNvPr id="12" name="Rectangle 11">
+            <a:extLst>
+              <a:ext uri="{FF2B5EF4-FFF2-40B4-BE49-F238E27FC236}">
+                <a16:creationId xmlns:a16="http://schemas.microsoft.com/office/drawing/2014/main" id="{3BB45950-9B2C-3E7D-0DE0-EB5FB2659D4B}"/>
               </a:ext>
             </a:extLst>
           </p:cNvPr>
@@ -8753,13 +10739,15 @@
         </p:nvSpPr>
         <p:spPr>
           <a:xfrm>
-            <a:off x="891465" y="3413466"/>
-            <a:ext cx="10409069" cy="2445797"/>
+            <a:off x="2104007" y="1926455"/>
+            <a:ext cx="7963270" cy="358807"/>
           </a:xfrm>
           <a:prstGeom prst="rect">
             <a:avLst/>
           </a:prstGeom>
-          <a:noFill/>
+          <a:solidFill>
+            <a:schemeClr val="bg1"/>
+          </a:solidFill>
         </p:spPr>
         <p:style>
           <a:lnRef idx="2">
@@ -8782,16 +10770,31 @@
           <a:lstStyle/>
           <a:p>
             <a:pPr algn="ctr"/>
-            <a:endParaRPr lang="fr-CH"/>
-          </a:p>
-        </p:txBody>
-      </p:sp>
-      <p:sp>
-        <p:nvSpPr>
-          <p:cNvPr id="32" name="Rectangle 31">
-            <a:extLst>
-              <a:ext uri="{FF2B5EF4-FFF2-40B4-BE49-F238E27FC236}">
-                <a16:creationId xmlns:a16="http://schemas.microsoft.com/office/drawing/2014/main" id="{A23913F9-382F-8F20-9949-1EEAD54206D1}"/>
+            <a:r>
+              <a:rPr lang="fr-FR" sz="1400" dirty="0">
+                <a:solidFill>
+                  <a:schemeClr val="tx1"/>
+                </a:solidFill>
+              </a:rPr>
+              <a:t>Nous sommes une équipe passionnée dédiée à offrir la meilleure expérience d'enchères en ligne.</a:t>
+            </a:r>
+            <a:r>
+              <a:rPr lang="fr-CH" sz="1400" dirty="0">
+                <a:solidFill>
+                  <a:schemeClr val="tx1"/>
+                </a:solidFill>
+              </a:rPr>
+              <a:t> </a:t>
+            </a:r>
+          </a:p>
+        </p:txBody>
+      </p:sp>
+      <p:sp>
+        <p:nvSpPr>
+          <p:cNvPr id="13" name="Rectangle 12">
+            <a:extLst>
+              <a:ext uri="{FF2B5EF4-FFF2-40B4-BE49-F238E27FC236}">
+                <a16:creationId xmlns:a16="http://schemas.microsoft.com/office/drawing/2014/main" id="{7BB57464-606F-439C-3EE6-37956C925459}"/>
               </a:ext>
             </a:extLst>
           </p:cNvPr>
@@ -8800,8 +10803,8 @@
         </p:nvSpPr>
         <p:spPr>
           <a:xfrm>
-            <a:off x="891465" y="3021368"/>
-            <a:ext cx="1074198" cy="263371"/>
+            <a:off x="0" y="0"/>
+            <a:ext cx="12192000" cy="6858000"/>
           </a:xfrm>
           <a:prstGeom prst="rect">
             <a:avLst/>
@@ -8829,598 +10832,16 @@
           <a:lstStyle/>
           <a:p>
             <a:pPr algn="ctr"/>
-            <a:r>
-              <a:rPr lang="fr-CH" sz="1400" dirty="0">
-                <a:solidFill>
-                  <a:schemeClr val="tx1"/>
-                </a:solidFill>
-              </a:rPr>
-              <a:t>Filtrer par :</a:t>
-            </a:r>
-          </a:p>
-        </p:txBody>
-      </p:sp>
-      <p:sp>
-        <p:nvSpPr>
-          <p:cNvPr id="38" name="Bouton d’action : début 37">
-            <a:hlinkClick r:id="" action="ppaction://noaction" highlightClick="1"/>
-            <a:extLst>
-              <a:ext uri="{FF2B5EF4-FFF2-40B4-BE49-F238E27FC236}">
-                <a16:creationId xmlns:a16="http://schemas.microsoft.com/office/drawing/2014/main" id="{B1BDD58A-B12C-50D5-156D-F4854999A425}"/>
-              </a:ext>
-            </a:extLst>
-          </p:cNvPr>
-          <p:cNvSpPr/>
-          <p:nvPr/>
-        </p:nvSpPr>
-        <p:spPr>
-          <a:xfrm>
-            <a:off x="4811699" y="6205491"/>
-            <a:ext cx="241915" cy="192353"/>
-          </a:xfrm>
-          <a:prstGeom prst="actionButtonBeginning">
-            <a:avLst/>
-          </a:prstGeom>
-          <a:noFill/>
-        </p:spPr>
-        <p:style>
-          <a:lnRef idx="2">
-            <a:schemeClr val="accent1">
-              <a:shade val="15000"/>
-            </a:schemeClr>
-          </a:lnRef>
-          <a:fillRef idx="1">
-            <a:schemeClr val="accent1"/>
-          </a:fillRef>
-          <a:effectRef idx="0">
-            <a:schemeClr val="accent1"/>
-          </a:effectRef>
-          <a:fontRef idx="minor">
-            <a:schemeClr val="lt1"/>
-          </a:fontRef>
-        </p:style>
-        <p:txBody>
-          <a:bodyPr rtlCol="0" anchor="ctr"/>
-          <a:lstStyle/>
-          <a:p>
-            <a:pPr algn="ctr"/>
             <a:endParaRPr lang="fr-CH"/>
           </a:p>
         </p:txBody>
       </p:sp>
       <p:sp>
         <p:nvSpPr>
-          <p:cNvPr id="39" name="Rectangle 38">
-            <a:extLst>
-              <a:ext uri="{FF2B5EF4-FFF2-40B4-BE49-F238E27FC236}">
-                <a16:creationId xmlns:a16="http://schemas.microsoft.com/office/drawing/2014/main" id="{7DA8D2E2-BAB1-EE15-0175-1E265420DA26}"/>
-              </a:ext>
-            </a:extLst>
-          </p:cNvPr>
-          <p:cNvSpPr/>
-          <p:nvPr/>
-        </p:nvSpPr>
-        <p:spPr>
-          <a:xfrm>
-            <a:off x="5184559" y="6205491"/>
-            <a:ext cx="1360505" cy="192353"/>
-          </a:xfrm>
-          <a:prstGeom prst="rect">
-            <a:avLst/>
-          </a:prstGeom>
-          <a:noFill/>
-        </p:spPr>
-        <p:style>
-          <a:lnRef idx="2">
-            <a:schemeClr val="accent1">
-              <a:shade val="15000"/>
-            </a:schemeClr>
-          </a:lnRef>
-          <a:fillRef idx="1">
-            <a:schemeClr val="accent1"/>
-          </a:fillRef>
-          <a:effectRef idx="0">
-            <a:schemeClr val="accent1"/>
-          </a:effectRef>
-          <a:fontRef idx="minor">
-            <a:schemeClr val="lt1"/>
-          </a:fontRef>
-        </p:style>
-        <p:txBody>
-          <a:bodyPr rtlCol="0" anchor="ctr"/>
-          <a:lstStyle/>
-          <a:p>
-            <a:pPr algn="ctr"/>
-            <a:r>
-              <a:rPr lang="fr-CH" dirty="0">
-                <a:solidFill>
-                  <a:schemeClr val="tx1"/>
-                </a:solidFill>
-              </a:rPr>
-              <a:t>1 / 2</a:t>
-            </a:r>
-          </a:p>
-        </p:txBody>
-      </p:sp>
-      <p:sp>
-        <p:nvSpPr>
-          <p:cNvPr id="40" name="Bouton d’action : fin 39">
-            <a:hlinkClick r:id="" action="ppaction://noaction" highlightClick="1"/>
-            <a:extLst>
-              <a:ext uri="{FF2B5EF4-FFF2-40B4-BE49-F238E27FC236}">
-                <a16:creationId xmlns:a16="http://schemas.microsoft.com/office/drawing/2014/main" id="{7856F497-5E7C-C944-2237-0FF2D003C981}"/>
-              </a:ext>
-            </a:extLst>
-          </p:cNvPr>
-          <p:cNvSpPr/>
-          <p:nvPr/>
-        </p:nvSpPr>
-        <p:spPr>
-          <a:xfrm>
-            <a:off x="6702641" y="6205491"/>
-            <a:ext cx="248575" cy="192353"/>
-          </a:xfrm>
-          <a:prstGeom prst="actionButtonEnd">
-            <a:avLst/>
-          </a:prstGeom>
-          <a:noFill/>
-        </p:spPr>
-        <p:style>
-          <a:lnRef idx="2">
-            <a:schemeClr val="accent1">
-              <a:shade val="15000"/>
-            </a:schemeClr>
-          </a:lnRef>
-          <a:fillRef idx="1">
-            <a:schemeClr val="accent1"/>
-          </a:fillRef>
-          <a:effectRef idx="0">
-            <a:schemeClr val="accent1"/>
-          </a:effectRef>
-          <a:fontRef idx="minor">
-            <a:schemeClr val="lt1"/>
-          </a:fontRef>
-        </p:style>
-        <p:txBody>
-          <a:bodyPr rtlCol="0" anchor="ctr"/>
-          <a:lstStyle/>
-          <a:p>
-            <a:pPr algn="ctr"/>
-            <a:endParaRPr lang="fr-CH"/>
-          </a:p>
-        </p:txBody>
-      </p:sp>
-      <p:sp>
-        <p:nvSpPr>
-          <p:cNvPr id="41" name="Rectangle 40">
-            <a:extLst>
-              <a:ext uri="{FF2B5EF4-FFF2-40B4-BE49-F238E27FC236}">
-                <a16:creationId xmlns:a16="http://schemas.microsoft.com/office/drawing/2014/main" id="{8FBE4E16-5414-4DA8-EB3D-F01127516EF5}"/>
-              </a:ext>
-            </a:extLst>
-          </p:cNvPr>
-          <p:cNvSpPr/>
-          <p:nvPr/>
-        </p:nvSpPr>
-        <p:spPr>
-          <a:xfrm>
-            <a:off x="1074198" y="3586579"/>
-            <a:ext cx="9996256" cy="2055183"/>
-          </a:xfrm>
-          <a:prstGeom prst="rect">
-            <a:avLst/>
-          </a:prstGeom>
-          <a:noFill/>
-        </p:spPr>
-        <p:style>
-          <a:lnRef idx="2">
-            <a:schemeClr val="accent1">
-              <a:shade val="15000"/>
-            </a:schemeClr>
-          </a:lnRef>
-          <a:fillRef idx="1">
-            <a:schemeClr val="accent1"/>
-          </a:fillRef>
-          <a:effectRef idx="0">
-            <a:schemeClr val="accent1"/>
-          </a:effectRef>
-          <a:fontRef idx="minor">
-            <a:schemeClr val="lt1"/>
-          </a:fontRef>
-        </p:style>
-        <p:txBody>
-          <a:bodyPr rtlCol="0" anchor="ctr"/>
-          <a:lstStyle/>
-          <a:p>
-            <a:pPr algn="ctr"/>
-            <a:endParaRPr lang="fr-CH"/>
-          </a:p>
-        </p:txBody>
-      </p:sp>
-      <p:sp>
-        <p:nvSpPr>
-          <p:cNvPr id="42" name="Rectangle 41">
-            <a:extLst>
-              <a:ext uri="{FF2B5EF4-FFF2-40B4-BE49-F238E27FC236}">
-                <a16:creationId xmlns:a16="http://schemas.microsoft.com/office/drawing/2014/main" id="{0B09072F-201A-04E3-210A-3F58B426F03B}"/>
-              </a:ext>
-            </a:extLst>
-          </p:cNvPr>
-          <p:cNvSpPr/>
-          <p:nvPr/>
-        </p:nvSpPr>
-        <p:spPr>
-          <a:xfrm>
-            <a:off x="1242874" y="3672395"/>
-            <a:ext cx="9667782" cy="260413"/>
-          </a:xfrm>
-          <a:prstGeom prst="rect">
-            <a:avLst/>
-          </a:prstGeom>
-          <a:noFill/>
-        </p:spPr>
-        <p:style>
-          <a:lnRef idx="2">
-            <a:schemeClr val="accent1">
-              <a:shade val="15000"/>
-            </a:schemeClr>
-          </a:lnRef>
-          <a:fillRef idx="1">
-            <a:schemeClr val="accent1"/>
-          </a:fillRef>
-          <a:effectRef idx="0">
-            <a:schemeClr val="accent1"/>
-          </a:effectRef>
-          <a:fontRef idx="minor">
-            <a:schemeClr val="lt1"/>
-          </a:fontRef>
-        </p:style>
-        <p:txBody>
-          <a:bodyPr rtlCol="0" anchor="ctr"/>
-          <a:lstStyle/>
-          <a:p>
-            <a:pPr algn="ctr"/>
-            <a:r>
-              <a:rPr lang="fr-CH" dirty="0">
-                <a:solidFill>
-                  <a:schemeClr val="tx1"/>
-                </a:solidFill>
-              </a:rPr>
-              <a:t>Information à propos du lot</a:t>
-            </a:r>
-          </a:p>
-        </p:txBody>
-      </p:sp>
-      <p:sp>
-        <p:nvSpPr>
-          <p:cNvPr id="48" name="Rectangle 47">
-            <a:extLst>
-              <a:ext uri="{FF2B5EF4-FFF2-40B4-BE49-F238E27FC236}">
-                <a16:creationId xmlns:a16="http://schemas.microsoft.com/office/drawing/2014/main" id="{96AB0153-29B9-42D7-3224-984E364B7D49}"/>
-              </a:ext>
-            </a:extLst>
-          </p:cNvPr>
-          <p:cNvSpPr/>
-          <p:nvPr/>
-        </p:nvSpPr>
-        <p:spPr>
-          <a:xfrm>
-            <a:off x="1238435" y="4018624"/>
-            <a:ext cx="9667782" cy="260413"/>
-          </a:xfrm>
-          <a:prstGeom prst="rect">
-            <a:avLst/>
-          </a:prstGeom>
-          <a:noFill/>
-        </p:spPr>
-        <p:style>
-          <a:lnRef idx="2">
-            <a:schemeClr val="accent1">
-              <a:shade val="15000"/>
-            </a:schemeClr>
-          </a:lnRef>
-          <a:fillRef idx="1">
-            <a:schemeClr val="accent1"/>
-          </a:fillRef>
-          <a:effectRef idx="0">
-            <a:schemeClr val="accent1"/>
-          </a:effectRef>
-          <a:fontRef idx="minor">
-            <a:schemeClr val="lt1"/>
-          </a:fontRef>
-        </p:style>
-        <p:txBody>
-          <a:bodyPr rtlCol="0" anchor="ctr"/>
-          <a:lstStyle/>
-          <a:p>
-            <a:pPr algn="ctr"/>
-            <a:r>
-              <a:rPr lang="fr-CH" dirty="0">
-                <a:solidFill>
-                  <a:schemeClr val="tx1"/>
-                </a:solidFill>
-              </a:rPr>
-              <a:t>Information à propos du lot</a:t>
-            </a:r>
-          </a:p>
-        </p:txBody>
-      </p:sp>
-      <p:sp>
-        <p:nvSpPr>
-          <p:cNvPr id="49" name="Rectangle 48">
-            <a:extLst>
-              <a:ext uri="{FF2B5EF4-FFF2-40B4-BE49-F238E27FC236}">
-                <a16:creationId xmlns:a16="http://schemas.microsoft.com/office/drawing/2014/main" id="{EA486E34-0739-C8C2-7CA4-50A0AE016B5E}"/>
-              </a:ext>
-            </a:extLst>
-          </p:cNvPr>
-          <p:cNvSpPr/>
-          <p:nvPr/>
-        </p:nvSpPr>
-        <p:spPr>
-          <a:xfrm>
-            <a:off x="1238435" y="4353757"/>
-            <a:ext cx="9667782" cy="260413"/>
-          </a:xfrm>
-          <a:prstGeom prst="rect">
-            <a:avLst/>
-          </a:prstGeom>
-          <a:noFill/>
-        </p:spPr>
-        <p:style>
-          <a:lnRef idx="2">
-            <a:schemeClr val="accent1">
-              <a:shade val="15000"/>
-            </a:schemeClr>
-          </a:lnRef>
-          <a:fillRef idx="1">
-            <a:schemeClr val="accent1"/>
-          </a:fillRef>
-          <a:effectRef idx="0">
-            <a:schemeClr val="accent1"/>
-          </a:effectRef>
-          <a:fontRef idx="minor">
-            <a:schemeClr val="lt1"/>
-          </a:fontRef>
-        </p:style>
-        <p:txBody>
-          <a:bodyPr rtlCol="0" anchor="ctr"/>
-          <a:lstStyle/>
-          <a:p>
-            <a:pPr algn="ctr"/>
-            <a:r>
-              <a:rPr lang="fr-CH" dirty="0">
-                <a:solidFill>
-                  <a:schemeClr val="tx1"/>
-                </a:solidFill>
-              </a:rPr>
-              <a:t>Information à propos du lot</a:t>
-            </a:r>
-          </a:p>
-        </p:txBody>
-      </p:sp>
-      <p:sp>
-        <p:nvSpPr>
-          <p:cNvPr id="50" name="Rectangle 49">
-            <a:extLst>
-              <a:ext uri="{FF2B5EF4-FFF2-40B4-BE49-F238E27FC236}">
-                <a16:creationId xmlns:a16="http://schemas.microsoft.com/office/drawing/2014/main" id="{12E03FC9-8E99-3B50-22B8-1E0349183974}"/>
-              </a:ext>
-            </a:extLst>
-          </p:cNvPr>
-          <p:cNvSpPr/>
-          <p:nvPr/>
-        </p:nvSpPr>
-        <p:spPr>
-          <a:xfrm>
-            <a:off x="1238435" y="4702206"/>
-            <a:ext cx="9667782" cy="260413"/>
-          </a:xfrm>
-          <a:prstGeom prst="rect">
-            <a:avLst/>
-          </a:prstGeom>
-          <a:noFill/>
-        </p:spPr>
-        <p:style>
-          <a:lnRef idx="2">
-            <a:schemeClr val="accent1">
-              <a:shade val="15000"/>
-            </a:schemeClr>
-          </a:lnRef>
-          <a:fillRef idx="1">
-            <a:schemeClr val="accent1"/>
-          </a:fillRef>
-          <a:effectRef idx="0">
-            <a:schemeClr val="accent1"/>
-          </a:effectRef>
-          <a:fontRef idx="minor">
-            <a:schemeClr val="lt1"/>
-          </a:fontRef>
-        </p:style>
-        <p:txBody>
-          <a:bodyPr rtlCol="0" anchor="ctr"/>
-          <a:lstStyle/>
-          <a:p>
-            <a:pPr algn="ctr"/>
-            <a:r>
-              <a:rPr lang="fr-CH" dirty="0">
-                <a:solidFill>
-                  <a:schemeClr val="tx1"/>
-                </a:solidFill>
-              </a:rPr>
-              <a:t>Information à propos du lot</a:t>
-            </a:r>
-          </a:p>
-        </p:txBody>
-      </p:sp>
-      <p:sp>
-        <p:nvSpPr>
-          <p:cNvPr id="51" name="Rectangle 50">
-            <a:extLst>
-              <a:ext uri="{FF2B5EF4-FFF2-40B4-BE49-F238E27FC236}">
-                <a16:creationId xmlns:a16="http://schemas.microsoft.com/office/drawing/2014/main" id="{4F1C7507-44CF-FC48-67BA-FBF646716D10}"/>
-              </a:ext>
-            </a:extLst>
-          </p:cNvPr>
-          <p:cNvSpPr/>
-          <p:nvPr/>
-        </p:nvSpPr>
-        <p:spPr>
-          <a:xfrm>
-            <a:off x="1238435" y="5022544"/>
-            <a:ext cx="9667782" cy="260413"/>
-          </a:xfrm>
-          <a:prstGeom prst="rect">
-            <a:avLst/>
-          </a:prstGeom>
-          <a:noFill/>
-        </p:spPr>
-        <p:style>
-          <a:lnRef idx="2">
-            <a:schemeClr val="accent1">
-              <a:shade val="15000"/>
-            </a:schemeClr>
-          </a:lnRef>
-          <a:fillRef idx="1">
-            <a:schemeClr val="accent1"/>
-          </a:fillRef>
-          <a:effectRef idx="0">
-            <a:schemeClr val="accent1"/>
-          </a:effectRef>
-          <a:fontRef idx="minor">
-            <a:schemeClr val="lt1"/>
-          </a:fontRef>
-        </p:style>
-        <p:txBody>
-          <a:bodyPr rtlCol="0" anchor="ctr"/>
-          <a:lstStyle/>
-          <a:p>
-            <a:pPr algn="ctr"/>
-            <a:r>
-              <a:rPr lang="fr-CH" dirty="0">
-                <a:solidFill>
-                  <a:schemeClr val="tx1"/>
-                </a:solidFill>
-              </a:rPr>
-              <a:t>Information à propos du lot</a:t>
-            </a:r>
-          </a:p>
-        </p:txBody>
-      </p:sp>
-      <p:sp>
-        <p:nvSpPr>
-          <p:cNvPr id="52" name="Rectangle 51">
-            <a:extLst>
-              <a:ext uri="{FF2B5EF4-FFF2-40B4-BE49-F238E27FC236}">
-                <a16:creationId xmlns:a16="http://schemas.microsoft.com/office/drawing/2014/main" id="{7F4D0E6E-AAE1-0F5D-B188-5673808EB8A2}"/>
-              </a:ext>
-            </a:extLst>
-          </p:cNvPr>
-          <p:cNvSpPr/>
-          <p:nvPr/>
-        </p:nvSpPr>
-        <p:spPr>
-          <a:xfrm>
-            <a:off x="1238435" y="5345842"/>
-            <a:ext cx="9667782" cy="260413"/>
-          </a:xfrm>
-          <a:prstGeom prst="rect">
-            <a:avLst/>
-          </a:prstGeom>
-          <a:noFill/>
-        </p:spPr>
-        <p:style>
-          <a:lnRef idx="2">
-            <a:schemeClr val="accent1">
-              <a:shade val="15000"/>
-            </a:schemeClr>
-          </a:lnRef>
-          <a:fillRef idx="1">
-            <a:schemeClr val="accent1"/>
-          </a:fillRef>
-          <a:effectRef idx="0">
-            <a:schemeClr val="accent1"/>
-          </a:effectRef>
-          <a:fontRef idx="minor">
-            <a:schemeClr val="lt1"/>
-          </a:fontRef>
-        </p:style>
-        <p:txBody>
-          <a:bodyPr rtlCol="0" anchor="ctr"/>
-          <a:lstStyle/>
-          <a:p>
-            <a:pPr algn="ctr"/>
-            <a:r>
-              <a:rPr lang="fr-CH" dirty="0">
-                <a:solidFill>
-                  <a:schemeClr val="tx1"/>
-                </a:solidFill>
-              </a:rPr>
-              <a:t>Information à propos du lot</a:t>
-            </a:r>
-          </a:p>
-        </p:txBody>
-      </p:sp>
-      <p:sp>
-        <p:nvSpPr>
-          <p:cNvPr id="53" name="Rectangle 52">
-            <a:extLst>
-              <a:ext uri="{FF2B5EF4-FFF2-40B4-BE49-F238E27FC236}">
-                <a16:creationId xmlns:a16="http://schemas.microsoft.com/office/drawing/2014/main" id="{C69D78B6-6FCA-A4F4-A09C-EFEDBDE79ADE}"/>
-              </a:ext>
-            </a:extLst>
-          </p:cNvPr>
-          <p:cNvSpPr/>
-          <p:nvPr/>
-        </p:nvSpPr>
-        <p:spPr>
-          <a:xfrm>
-            <a:off x="2068497" y="3058360"/>
-            <a:ext cx="1331650" cy="217501"/>
-          </a:xfrm>
-          <a:prstGeom prst="rect">
-            <a:avLst/>
-          </a:prstGeom>
-          <a:noFill/>
-        </p:spPr>
-        <p:style>
-          <a:lnRef idx="2">
-            <a:schemeClr val="accent1">
-              <a:shade val="15000"/>
-            </a:schemeClr>
-          </a:lnRef>
-          <a:fillRef idx="1">
-            <a:schemeClr val="accent1"/>
-          </a:fillRef>
-          <a:effectRef idx="0">
-            <a:schemeClr val="accent1"/>
-          </a:effectRef>
-          <a:fontRef idx="minor">
-            <a:schemeClr val="lt1"/>
-          </a:fontRef>
-        </p:style>
-        <p:txBody>
-          <a:bodyPr rtlCol="0" anchor="ctr"/>
-          <a:lstStyle/>
-          <a:p>
-            <a:pPr algn="ctr"/>
-            <a:r>
-              <a:rPr lang="fr-CH" sz="1400" dirty="0">
-                <a:solidFill>
-                  <a:schemeClr val="tx1"/>
-                </a:solidFill>
-              </a:rPr>
-              <a:t>BT1 / SBT</a:t>
-            </a:r>
-          </a:p>
-        </p:txBody>
-      </p:sp>
-      <p:sp>
-        <p:nvSpPr>
-          <p:cNvPr id="2" name="Rectangle 1">
-            <a:extLst>
-              <a:ext uri="{FF2B5EF4-FFF2-40B4-BE49-F238E27FC236}">
-                <a16:creationId xmlns:a16="http://schemas.microsoft.com/office/drawing/2014/main" id="{508ABD90-7A8B-5783-CE91-B1DC16572D4D}"/>
+          <p:cNvPr id="15" name="Rectangle 14">
+            <a:extLst>
+              <a:ext uri="{FF2B5EF4-FFF2-40B4-BE49-F238E27FC236}">
+                <a16:creationId xmlns:a16="http://schemas.microsoft.com/office/drawing/2014/main" id="{2B172531-E124-BE1E-B0DD-D7B1E4A77E23}"/>
               </a:ext>
             </a:extLst>
           </p:cNvPr>
@@ -9489,10 +10910,10 @@
       </p:sp>
       <p:pic>
         <p:nvPicPr>
-          <p:cNvPr id="3" name="Image 2">
-            <a:extLst>
-              <a:ext uri="{FF2B5EF4-FFF2-40B4-BE49-F238E27FC236}">
-                <a16:creationId xmlns:a16="http://schemas.microsoft.com/office/drawing/2014/main" id="{A70F296B-D1E7-71BC-2ABC-8C46806B1F29}"/>
+          <p:cNvPr id="16" name="Image 15">
+            <a:extLst>
+              <a:ext uri="{FF2B5EF4-FFF2-40B4-BE49-F238E27FC236}">
+                <a16:creationId xmlns:a16="http://schemas.microsoft.com/office/drawing/2014/main" id="{59F7876A-86B1-6D51-0F25-1225816FC429}"/>
               </a:ext>
             </a:extLst>
           </p:cNvPr>
@@ -9519,10 +10940,10 @@
       </p:pic>
       <p:pic>
         <p:nvPicPr>
-          <p:cNvPr id="12" name="Image 11">
-            <a:extLst>
-              <a:ext uri="{FF2B5EF4-FFF2-40B4-BE49-F238E27FC236}">
-                <a16:creationId xmlns:a16="http://schemas.microsoft.com/office/drawing/2014/main" id="{C22AA09B-309F-F11D-025E-F7B8CC88CA4E}"/>
+          <p:cNvPr id="18" name="Image 17">
+            <a:extLst>
+              <a:ext uri="{FF2B5EF4-FFF2-40B4-BE49-F238E27FC236}">
+                <a16:creationId xmlns:a16="http://schemas.microsoft.com/office/drawing/2014/main" id="{38A55219-D6D9-6BB2-A083-31653D33FCB6}"/>
               </a:ext>
             </a:extLst>
           </p:cNvPr>
@@ -9539,18 +10960,424 @@
         </p:blipFill>
         <p:spPr>
           <a:xfrm>
-            <a:off x="1334679" y="1144840"/>
-            <a:ext cx="9602540" cy="733527"/>
+            <a:off x="924282" y="2635883"/>
+            <a:ext cx="2771525" cy="1953088"/>
           </a:xfrm>
           <a:prstGeom prst="rect">
             <a:avLst/>
           </a:prstGeom>
         </p:spPr>
       </p:pic>
+      <p:pic>
+        <p:nvPicPr>
+          <p:cNvPr id="20" name="Image 19">
+            <a:extLst>
+              <a:ext uri="{FF2B5EF4-FFF2-40B4-BE49-F238E27FC236}">
+                <a16:creationId xmlns:a16="http://schemas.microsoft.com/office/drawing/2014/main" id="{D6FBC98D-E041-7AAA-9EF0-A89D67E0B979}"/>
+              </a:ext>
+            </a:extLst>
+          </p:cNvPr>
+          <p:cNvPicPr>
+            <a:picLocks noChangeAspect="1"/>
+          </p:cNvPicPr>
+          <p:nvPr/>
+        </p:nvPicPr>
+        <p:blipFill>
+          <a:blip r:embed="rId4"/>
+          <a:stretch>
+            <a:fillRect/>
+          </a:stretch>
+        </p:blipFill>
+        <p:spPr>
+          <a:xfrm>
+            <a:off x="4589976" y="2655770"/>
+            <a:ext cx="2771525" cy="2004736"/>
+          </a:xfrm>
+          <a:prstGeom prst="rect">
+            <a:avLst/>
+          </a:prstGeom>
+        </p:spPr>
+      </p:pic>
+      <p:pic>
+        <p:nvPicPr>
+          <p:cNvPr id="22" name="Image 21">
+            <a:extLst>
+              <a:ext uri="{FF2B5EF4-FFF2-40B4-BE49-F238E27FC236}">
+                <a16:creationId xmlns:a16="http://schemas.microsoft.com/office/drawing/2014/main" id="{AFA17B3D-63C2-BCA0-2D95-2EDA9D6BAB05}"/>
+              </a:ext>
+            </a:extLst>
+          </p:cNvPr>
+          <p:cNvPicPr>
+            <a:picLocks noChangeAspect="1"/>
+          </p:cNvPicPr>
+          <p:nvPr/>
+        </p:nvPicPr>
+        <p:blipFill>
+          <a:blip r:embed="rId5"/>
+          <a:stretch>
+            <a:fillRect/>
+          </a:stretch>
+        </p:blipFill>
+        <p:spPr>
+          <a:xfrm>
+            <a:off x="8231038" y="2655769"/>
+            <a:ext cx="2780154" cy="2004737"/>
+          </a:xfrm>
+          <a:prstGeom prst="rect">
+            <a:avLst/>
+          </a:prstGeom>
+        </p:spPr>
+      </p:pic>
+      <p:sp>
+        <p:nvSpPr>
+          <p:cNvPr id="2" name="Rectangle 1">
+            <a:extLst>
+              <a:ext uri="{FF2B5EF4-FFF2-40B4-BE49-F238E27FC236}">
+                <a16:creationId xmlns:a16="http://schemas.microsoft.com/office/drawing/2014/main" id="{2E0FE806-17BE-9224-B60C-194D07B2CCBA}"/>
+              </a:ext>
+            </a:extLst>
+          </p:cNvPr>
+          <p:cNvSpPr/>
+          <p:nvPr/>
+        </p:nvSpPr>
+        <p:spPr>
+          <a:xfrm>
+            <a:off x="7291428" y="466077"/>
+            <a:ext cx="640672" cy="270770"/>
+          </a:xfrm>
+          <a:prstGeom prst="rect">
+            <a:avLst/>
+          </a:prstGeom>
+          <a:solidFill>
+            <a:schemeClr val="bg1"/>
+          </a:solidFill>
+          <a:ln>
+            <a:solidFill>
+              <a:schemeClr val="tx1"/>
+            </a:solidFill>
+          </a:ln>
+        </p:spPr>
+        <p:style>
+          <a:lnRef idx="2">
+            <a:schemeClr val="accent1">
+              <a:shade val="15000"/>
+            </a:schemeClr>
+          </a:lnRef>
+          <a:fillRef idx="1">
+            <a:schemeClr val="accent1"/>
+          </a:fillRef>
+          <a:effectRef idx="0">
+            <a:schemeClr val="accent1"/>
+          </a:effectRef>
+          <a:fontRef idx="minor">
+            <a:schemeClr val="lt1"/>
+          </a:fontRef>
+        </p:style>
+        <p:txBody>
+          <a:bodyPr rtlCol="0" anchor="ctr"/>
+          <a:lstStyle/>
+          <a:p>
+            <a:pPr algn="ctr"/>
+            <a:r>
+              <a:rPr lang="fr-CH" sz="900" dirty="0">
+                <a:solidFill>
+                  <a:schemeClr val="tx1"/>
+                </a:solidFill>
+              </a:rPr>
+              <a:t>Home</a:t>
+            </a:r>
+          </a:p>
+        </p:txBody>
+      </p:sp>
+      <p:sp>
+        <p:nvSpPr>
+          <p:cNvPr id="3" name="Rectangle 2">
+            <a:extLst>
+              <a:ext uri="{FF2B5EF4-FFF2-40B4-BE49-F238E27FC236}">
+                <a16:creationId xmlns:a16="http://schemas.microsoft.com/office/drawing/2014/main" id="{78BA5131-61A1-54DB-BD50-7475CDAA3960}"/>
+              </a:ext>
+            </a:extLst>
+          </p:cNvPr>
+          <p:cNvSpPr/>
+          <p:nvPr/>
+        </p:nvSpPr>
+        <p:spPr>
+          <a:xfrm>
+            <a:off x="8003120" y="463858"/>
+            <a:ext cx="640672" cy="270770"/>
+          </a:xfrm>
+          <a:prstGeom prst="rect">
+            <a:avLst/>
+          </a:prstGeom>
+          <a:solidFill>
+            <a:schemeClr val="bg1"/>
+          </a:solidFill>
+          <a:ln>
+            <a:solidFill>
+              <a:srgbClr val="FF0000"/>
+            </a:solidFill>
+          </a:ln>
+        </p:spPr>
+        <p:style>
+          <a:lnRef idx="2">
+            <a:schemeClr val="accent1">
+              <a:shade val="15000"/>
+            </a:schemeClr>
+          </a:lnRef>
+          <a:fillRef idx="1">
+            <a:schemeClr val="accent1"/>
+          </a:fillRef>
+          <a:effectRef idx="0">
+            <a:schemeClr val="accent1"/>
+          </a:effectRef>
+          <a:fontRef idx="minor">
+            <a:schemeClr val="lt1"/>
+          </a:fontRef>
+        </p:style>
+        <p:txBody>
+          <a:bodyPr rtlCol="0" anchor="ctr"/>
+          <a:lstStyle/>
+          <a:p>
+            <a:pPr algn="ctr"/>
+            <a:r>
+              <a:rPr lang="fr-CH" sz="900" dirty="0">
+                <a:solidFill>
+                  <a:schemeClr val="tx1"/>
+                </a:solidFill>
+              </a:rPr>
+              <a:t>About</a:t>
+            </a:r>
+          </a:p>
+        </p:txBody>
+      </p:sp>
+      <p:sp>
+        <p:nvSpPr>
+          <p:cNvPr id="5" name="Rectangle 4">
+            <a:extLst>
+              <a:ext uri="{FF2B5EF4-FFF2-40B4-BE49-F238E27FC236}">
+                <a16:creationId xmlns:a16="http://schemas.microsoft.com/office/drawing/2014/main" id="{B7F71538-F592-26F2-4936-0880A0C94960}"/>
+              </a:ext>
+            </a:extLst>
+          </p:cNvPr>
+          <p:cNvSpPr/>
+          <p:nvPr/>
+        </p:nvSpPr>
+        <p:spPr>
+          <a:xfrm>
+            <a:off x="8707417" y="466077"/>
+            <a:ext cx="640672" cy="270770"/>
+          </a:xfrm>
+          <a:prstGeom prst="rect">
+            <a:avLst/>
+          </a:prstGeom>
+          <a:solidFill>
+            <a:schemeClr val="bg1"/>
+          </a:solidFill>
+        </p:spPr>
+        <p:style>
+          <a:lnRef idx="2">
+            <a:schemeClr val="accent1">
+              <a:shade val="15000"/>
+            </a:schemeClr>
+          </a:lnRef>
+          <a:fillRef idx="1">
+            <a:schemeClr val="accent1"/>
+          </a:fillRef>
+          <a:effectRef idx="0">
+            <a:schemeClr val="accent1"/>
+          </a:effectRef>
+          <a:fontRef idx="minor">
+            <a:schemeClr val="lt1"/>
+          </a:fontRef>
+        </p:style>
+        <p:txBody>
+          <a:bodyPr rtlCol="0" anchor="ctr"/>
+          <a:lstStyle/>
+          <a:p>
+            <a:pPr algn="ctr"/>
+            <a:r>
+              <a:rPr lang="fr-CH" sz="900" dirty="0">
+                <a:solidFill>
+                  <a:schemeClr val="tx1"/>
+                </a:solidFill>
+              </a:rPr>
+              <a:t>Lots</a:t>
+            </a:r>
+          </a:p>
+        </p:txBody>
+      </p:sp>
+      <p:sp>
+        <p:nvSpPr>
+          <p:cNvPr id="6" name="Rectangle 5">
+            <a:extLst>
+              <a:ext uri="{FF2B5EF4-FFF2-40B4-BE49-F238E27FC236}">
+                <a16:creationId xmlns:a16="http://schemas.microsoft.com/office/drawing/2014/main" id="{7893A921-5112-A3C1-6C5E-A0D57926B124}"/>
+              </a:ext>
+            </a:extLst>
+          </p:cNvPr>
+          <p:cNvSpPr/>
+          <p:nvPr/>
+        </p:nvSpPr>
+        <p:spPr>
+          <a:xfrm>
+            <a:off x="9411714" y="463858"/>
+            <a:ext cx="640672" cy="270770"/>
+          </a:xfrm>
+          <a:prstGeom prst="rect">
+            <a:avLst/>
+          </a:prstGeom>
+          <a:solidFill>
+            <a:schemeClr val="bg1"/>
+          </a:solidFill>
+        </p:spPr>
+        <p:style>
+          <a:lnRef idx="2">
+            <a:schemeClr val="accent1">
+              <a:shade val="15000"/>
+            </a:schemeClr>
+          </a:lnRef>
+          <a:fillRef idx="1">
+            <a:schemeClr val="accent1"/>
+          </a:fillRef>
+          <a:effectRef idx="0">
+            <a:schemeClr val="accent1"/>
+          </a:effectRef>
+          <a:fontRef idx="minor">
+            <a:schemeClr val="lt1"/>
+          </a:fontRef>
+        </p:style>
+        <p:txBody>
+          <a:bodyPr rtlCol="0" anchor="ctr"/>
+          <a:lstStyle/>
+          <a:p>
+            <a:pPr algn="ctr"/>
+            <a:r>
+              <a:rPr lang="fr-CH" sz="900" dirty="0">
+                <a:solidFill>
+                  <a:schemeClr val="tx1"/>
+                </a:solidFill>
+              </a:rPr>
+              <a:t>Ajout de lot</a:t>
+            </a:r>
+          </a:p>
+        </p:txBody>
+      </p:sp>
+      <p:sp>
+        <p:nvSpPr>
+          <p:cNvPr id="14" name="Rectangle 13">
+            <a:extLst>
+              <a:ext uri="{FF2B5EF4-FFF2-40B4-BE49-F238E27FC236}">
+                <a16:creationId xmlns:a16="http://schemas.microsoft.com/office/drawing/2014/main" id="{2C8A9F99-2E23-AEAE-CBAA-92BE69837EED}"/>
+              </a:ext>
+            </a:extLst>
+          </p:cNvPr>
+          <p:cNvSpPr/>
+          <p:nvPr/>
+        </p:nvSpPr>
+        <p:spPr>
+          <a:xfrm>
+            <a:off x="10116499" y="463858"/>
+            <a:ext cx="640672" cy="270770"/>
+          </a:xfrm>
+          <a:prstGeom prst="rect">
+            <a:avLst/>
+          </a:prstGeom>
+          <a:solidFill>
+            <a:schemeClr val="bg1"/>
+          </a:solidFill>
+        </p:spPr>
+        <p:style>
+          <a:lnRef idx="2">
+            <a:schemeClr val="accent1">
+              <a:shade val="15000"/>
+            </a:schemeClr>
+          </a:lnRef>
+          <a:fillRef idx="1">
+            <a:schemeClr val="accent1"/>
+          </a:fillRef>
+          <a:effectRef idx="0">
+            <a:schemeClr val="accent1"/>
+          </a:effectRef>
+          <a:fontRef idx="minor">
+            <a:schemeClr val="lt1"/>
+          </a:fontRef>
+        </p:style>
+        <p:txBody>
+          <a:bodyPr rtlCol="0" anchor="ctr"/>
+          <a:lstStyle/>
+          <a:p>
+            <a:pPr algn="ctr"/>
+            <a:r>
+              <a:rPr lang="fr-CH" sz="900" dirty="0">
+                <a:solidFill>
+                  <a:schemeClr val="tx1"/>
+                </a:solidFill>
+              </a:rPr>
+              <a:t>Mon Compte</a:t>
+            </a:r>
+          </a:p>
+        </p:txBody>
+      </p:sp>
+      <p:sp>
+        <p:nvSpPr>
+          <p:cNvPr id="17" name="Rectangle 16">
+            <a:extLst>
+              <a:ext uri="{FF2B5EF4-FFF2-40B4-BE49-F238E27FC236}">
+                <a16:creationId xmlns:a16="http://schemas.microsoft.com/office/drawing/2014/main" id="{EC53D202-91A5-9CE6-D2DB-880783DF7354}"/>
+              </a:ext>
+            </a:extLst>
+          </p:cNvPr>
+          <p:cNvSpPr/>
+          <p:nvPr/>
+        </p:nvSpPr>
+        <p:spPr>
+          <a:xfrm>
+            <a:off x="10895860" y="455556"/>
+            <a:ext cx="1199570" cy="270770"/>
+          </a:xfrm>
+          <a:prstGeom prst="rect">
+            <a:avLst/>
+          </a:prstGeom>
+          <a:solidFill>
+            <a:schemeClr val="bg1"/>
+          </a:solidFill>
+        </p:spPr>
+        <p:style>
+          <a:lnRef idx="2">
+            <a:schemeClr val="accent1">
+              <a:shade val="15000"/>
+            </a:schemeClr>
+          </a:lnRef>
+          <a:fillRef idx="1">
+            <a:schemeClr val="accent1"/>
+          </a:fillRef>
+          <a:effectRef idx="0">
+            <a:schemeClr val="accent1"/>
+          </a:effectRef>
+          <a:fontRef idx="minor">
+            <a:schemeClr val="lt1"/>
+          </a:fontRef>
+        </p:style>
+        <p:txBody>
+          <a:bodyPr rtlCol="0" anchor="ctr"/>
+          <a:lstStyle/>
+          <a:p>
+            <a:pPr algn="ctr"/>
+            <a:r>
+              <a:rPr lang="fr-CH" sz="900" dirty="0">
+                <a:solidFill>
+                  <a:schemeClr val="tx1"/>
+                </a:solidFill>
+              </a:rPr>
+              <a:t>User [Solde]</a:t>
+            </a:r>
+          </a:p>
+        </p:txBody>
+      </p:sp>
     </p:spTree>
     <p:extLst>
       <p:ext uri="{BB962C8B-B14F-4D97-AF65-F5344CB8AC3E}">
-        <p14:creationId xmlns:p14="http://schemas.microsoft.com/office/powerpoint/2010/main" val="4178864355"/>
+        <p14:creationId xmlns:p14="http://schemas.microsoft.com/office/powerpoint/2010/main" val="1697065118"/>
       </p:ext>
     </p:extLst>
   </p:cSld>
@@ -9626,10 +11453,10 @@
       </p:sp>
       <p:sp>
         <p:nvSpPr>
-          <p:cNvPr id="7" name="Rectangle 6">
-            <a:extLst>
-              <a:ext uri="{FF2B5EF4-FFF2-40B4-BE49-F238E27FC236}">
-                <a16:creationId xmlns:a16="http://schemas.microsoft.com/office/drawing/2014/main" id="{CB51EB11-D401-1995-38A8-E97C5BD7C1AE}"/>
+          <p:cNvPr id="13" name="Rectangle 12">
+            <a:extLst>
+              <a:ext uri="{FF2B5EF4-FFF2-40B4-BE49-F238E27FC236}">
+                <a16:creationId xmlns:a16="http://schemas.microsoft.com/office/drawing/2014/main" id="{7BB57464-606F-439C-3EE6-37956C925459}"/>
               </a:ext>
             </a:extLst>
           </p:cNvPr>
@@ -9638,8 +11465,222 @@
         </p:nvSpPr>
         <p:spPr>
           <a:xfrm>
-            <a:off x="9355585" y="468296"/>
-            <a:ext cx="640672" cy="270770"/>
+            <a:off x="0" y="0"/>
+            <a:ext cx="12192000" cy="6858000"/>
+          </a:xfrm>
+          <a:prstGeom prst="rect">
+            <a:avLst/>
+          </a:prstGeom>
+          <a:noFill/>
+        </p:spPr>
+        <p:style>
+          <a:lnRef idx="2">
+            <a:schemeClr val="accent1">
+              <a:shade val="15000"/>
+            </a:schemeClr>
+          </a:lnRef>
+          <a:fillRef idx="1">
+            <a:schemeClr val="accent1"/>
+          </a:fillRef>
+          <a:effectRef idx="0">
+            <a:schemeClr val="accent1"/>
+          </a:effectRef>
+          <a:fontRef idx="minor">
+            <a:schemeClr val="lt1"/>
+          </a:fontRef>
+        </p:style>
+        <p:txBody>
+          <a:bodyPr rtlCol="0" anchor="ctr"/>
+          <a:lstStyle/>
+          <a:p>
+            <a:pPr algn="ctr"/>
+            <a:endParaRPr lang="fr-CH"/>
+          </a:p>
+        </p:txBody>
+      </p:sp>
+      <p:sp>
+        <p:nvSpPr>
+          <p:cNvPr id="30" name="Rectangle 29">
+            <a:extLst>
+              <a:ext uri="{FF2B5EF4-FFF2-40B4-BE49-F238E27FC236}">
+                <a16:creationId xmlns:a16="http://schemas.microsoft.com/office/drawing/2014/main" id="{AA36828F-DDE9-4E78-2644-757B522615D0}"/>
+              </a:ext>
+            </a:extLst>
+          </p:cNvPr>
+          <p:cNvSpPr/>
+          <p:nvPr/>
+        </p:nvSpPr>
+        <p:spPr>
+          <a:xfrm>
+            <a:off x="4653009" y="1877625"/>
+            <a:ext cx="2423604" cy="381740"/>
+          </a:xfrm>
+          <a:prstGeom prst="rect">
+            <a:avLst/>
+          </a:prstGeom>
+          <a:noFill/>
+        </p:spPr>
+        <p:style>
+          <a:lnRef idx="2">
+            <a:schemeClr val="accent1">
+              <a:shade val="15000"/>
+            </a:schemeClr>
+          </a:lnRef>
+          <a:fillRef idx="1">
+            <a:schemeClr val="accent1"/>
+          </a:fillRef>
+          <a:effectRef idx="0">
+            <a:schemeClr val="accent1"/>
+          </a:effectRef>
+          <a:fontRef idx="minor">
+            <a:schemeClr val="lt1"/>
+          </a:fontRef>
+        </p:style>
+        <p:txBody>
+          <a:bodyPr rtlCol="0" anchor="ctr"/>
+          <a:lstStyle/>
+          <a:p>
+            <a:pPr algn="ctr"/>
+            <a:r>
+              <a:rPr lang="fr-CH" b="0" i="0" dirty="0">
+                <a:solidFill>
+                  <a:srgbClr val="212529"/>
+                </a:solidFill>
+                <a:effectLst/>
+                <a:highlight>
+                  <a:srgbClr val="FFFFFF"/>
+                </a:highlight>
+                <a:latin typeface="system-ui"/>
+              </a:rPr>
+              <a:t>Lots</a:t>
+            </a:r>
+          </a:p>
+        </p:txBody>
+      </p:sp>
+      <p:sp>
+        <p:nvSpPr>
+          <p:cNvPr id="32" name="Rectangle 31">
+            <a:extLst>
+              <a:ext uri="{FF2B5EF4-FFF2-40B4-BE49-F238E27FC236}">
+                <a16:creationId xmlns:a16="http://schemas.microsoft.com/office/drawing/2014/main" id="{A23913F9-382F-8F20-9949-1EEAD54206D1}"/>
+              </a:ext>
+            </a:extLst>
+          </p:cNvPr>
+          <p:cNvSpPr/>
+          <p:nvPr/>
+        </p:nvSpPr>
+        <p:spPr>
+          <a:xfrm>
+            <a:off x="891465" y="2498325"/>
+            <a:ext cx="1074198" cy="263371"/>
+          </a:xfrm>
+          <a:prstGeom prst="rect">
+            <a:avLst/>
+          </a:prstGeom>
+          <a:noFill/>
+        </p:spPr>
+        <p:style>
+          <a:lnRef idx="2">
+            <a:schemeClr val="accent1">
+              <a:shade val="15000"/>
+            </a:schemeClr>
+          </a:lnRef>
+          <a:fillRef idx="1">
+            <a:schemeClr val="accent1"/>
+          </a:fillRef>
+          <a:effectRef idx="0">
+            <a:schemeClr val="accent1"/>
+          </a:effectRef>
+          <a:fontRef idx="minor">
+            <a:schemeClr val="lt1"/>
+          </a:fontRef>
+        </p:style>
+        <p:txBody>
+          <a:bodyPr rtlCol="0" anchor="ctr"/>
+          <a:lstStyle/>
+          <a:p>
+            <a:pPr algn="ctr"/>
+            <a:r>
+              <a:rPr lang="fr-CH" sz="1400" dirty="0">
+                <a:solidFill>
+                  <a:schemeClr val="tx1"/>
+                </a:solidFill>
+              </a:rPr>
+              <a:t>Filtrer par :</a:t>
+            </a:r>
+          </a:p>
+        </p:txBody>
+      </p:sp>
+      <p:sp>
+        <p:nvSpPr>
+          <p:cNvPr id="53" name="Rectangle 52">
+            <a:extLst>
+              <a:ext uri="{FF2B5EF4-FFF2-40B4-BE49-F238E27FC236}">
+                <a16:creationId xmlns:a16="http://schemas.microsoft.com/office/drawing/2014/main" id="{C69D78B6-6FCA-A4F4-A09C-EFEDBDE79ADE}"/>
+              </a:ext>
+            </a:extLst>
+          </p:cNvPr>
+          <p:cNvSpPr/>
+          <p:nvPr/>
+        </p:nvSpPr>
+        <p:spPr>
+          <a:xfrm>
+            <a:off x="2068497" y="2535317"/>
+            <a:ext cx="1331650" cy="217501"/>
+          </a:xfrm>
+          <a:prstGeom prst="rect">
+            <a:avLst/>
+          </a:prstGeom>
+          <a:noFill/>
+        </p:spPr>
+        <p:style>
+          <a:lnRef idx="2">
+            <a:schemeClr val="accent1">
+              <a:shade val="15000"/>
+            </a:schemeClr>
+          </a:lnRef>
+          <a:fillRef idx="1">
+            <a:schemeClr val="accent1"/>
+          </a:fillRef>
+          <a:effectRef idx="0">
+            <a:schemeClr val="accent1"/>
+          </a:effectRef>
+          <a:fontRef idx="minor">
+            <a:schemeClr val="lt1"/>
+          </a:fontRef>
+        </p:style>
+        <p:txBody>
+          <a:bodyPr rtlCol="0" anchor="ctr"/>
+          <a:lstStyle/>
+          <a:p>
+            <a:pPr algn="ctr"/>
+            <a:r>
+              <a:rPr lang="fr-CH" sz="1400" dirty="0">
+                <a:solidFill>
+                  <a:schemeClr val="tx1"/>
+                </a:solidFill>
+              </a:rPr>
+              <a:t>BT1 / SBT</a:t>
+            </a:r>
+          </a:p>
+        </p:txBody>
+      </p:sp>
+      <p:sp>
+        <p:nvSpPr>
+          <p:cNvPr id="2" name="Rectangle 1">
+            <a:extLst>
+              <a:ext uri="{FF2B5EF4-FFF2-40B4-BE49-F238E27FC236}">
+                <a16:creationId xmlns:a16="http://schemas.microsoft.com/office/drawing/2014/main" id="{508ABD90-7A8B-5783-CE91-B1DC16572D4D}"/>
+              </a:ext>
+            </a:extLst>
+          </p:cNvPr>
+          <p:cNvSpPr/>
+          <p:nvPr/>
+        </p:nvSpPr>
+        <p:spPr>
+          <a:xfrm>
+            <a:off x="1296140" y="246931"/>
+            <a:ext cx="2095130" cy="479395"/>
           </a:xfrm>
           <a:prstGeom prst="rect">
             <a:avLst/>
@@ -9647,6 +11688,113 @@
           <a:solidFill>
             <a:schemeClr val="bg1"/>
           </a:solidFill>
+        </p:spPr>
+        <p:style>
+          <a:lnRef idx="2">
+            <a:schemeClr val="accent1">
+              <a:shade val="15000"/>
+            </a:schemeClr>
+          </a:lnRef>
+          <a:fillRef idx="1">
+            <a:schemeClr val="accent1"/>
+          </a:fillRef>
+          <a:effectRef idx="0">
+            <a:schemeClr val="accent1"/>
+          </a:effectRef>
+          <a:fontRef idx="minor">
+            <a:schemeClr val="lt1"/>
+          </a:fontRef>
+        </p:style>
+        <p:txBody>
+          <a:bodyPr rtlCol="0" anchor="ctr"/>
+          <a:lstStyle/>
+          <a:p>
+            <a:pPr algn="l"/>
+            <a:r>
+              <a:rPr lang="fr-CH" dirty="0">
+                <a:solidFill>
+                  <a:schemeClr val="tx1"/>
+                </a:solidFill>
+                <a:latin typeface="system-ui"/>
+              </a:rPr>
+              <a:t>      </a:t>
+            </a:r>
+            <a:r>
+              <a:rPr lang="fr-CH" b="0" i="0" dirty="0">
+                <a:solidFill>
+                  <a:schemeClr val="tx1"/>
+                </a:solidFill>
+                <a:effectLst/>
+                <a:latin typeface="system-ui"/>
+              </a:rPr>
+              <a:t>ENCHERINO</a:t>
+            </a:r>
+            <a:endParaRPr lang="fr-CH" dirty="0">
+              <a:solidFill>
+                <a:schemeClr val="tx1"/>
+              </a:solidFill>
+            </a:endParaRPr>
+          </a:p>
+        </p:txBody>
+      </p:sp>
+      <p:pic>
+        <p:nvPicPr>
+          <p:cNvPr id="3" name="Image 2">
+            <a:extLst>
+              <a:ext uri="{FF2B5EF4-FFF2-40B4-BE49-F238E27FC236}">
+                <a16:creationId xmlns:a16="http://schemas.microsoft.com/office/drawing/2014/main" id="{A70F296B-D1E7-71BC-2ABC-8C46806B1F29}"/>
+              </a:ext>
+            </a:extLst>
+          </p:cNvPr>
+          <p:cNvPicPr>
+            <a:picLocks noChangeAspect="1"/>
+          </p:cNvPicPr>
+          <p:nvPr/>
+        </p:nvPicPr>
+        <p:blipFill>
+          <a:blip r:embed="rId2"/>
+          <a:stretch>
+            <a:fillRect/>
+          </a:stretch>
+        </p:blipFill>
+        <p:spPr>
+          <a:xfrm>
+            <a:off x="179717" y="267522"/>
+            <a:ext cx="520339" cy="469325"/>
+          </a:xfrm>
+          <a:prstGeom prst="rect">
+            <a:avLst/>
+          </a:prstGeom>
+        </p:spPr>
+      </p:pic>
+      <p:sp>
+        <p:nvSpPr>
+          <p:cNvPr id="5" name="Rectangle 4">
+            <a:extLst>
+              <a:ext uri="{FF2B5EF4-FFF2-40B4-BE49-F238E27FC236}">
+                <a16:creationId xmlns:a16="http://schemas.microsoft.com/office/drawing/2014/main" id="{A9D179C2-CFDF-40F7-77A4-C973D95B4ACE}"/>
+              </a:ext>
+            </a:extLst>
+          </p:cNvPr>
+          <p:cNvSpPr/>
+          <p:nvPr/>
+        </p:nvSpPr>
+        <p:spPr>
+          <a:xfrm>
+            <a:off x="7291428" y="466077"/>
+            <a:ext cx="640672" cy="270770"/>
+          </a:xfrm>
+          <a:prstGeom prst="rect">
+            <a:avLst/>
+          </a:prstGeom>
+          <a:solidFill>
+            <a:schemeClr val="bg1"/>
+          </a:solidFill>
+          <a:ln>
+            <a:solidFill>
+              <a:schemeClr val="tx1"/>
+            </a:solidFill>
+          </a:ln>
         </p:spPr>
         <p:style>
           <a:lnRef idx="2">
@@ -9682,10 +11830,10 @@
       </p:sp>
       <p:sp>
         <p:nvSpPr>
-          <p:cNvPr id="8" name="Rectangle 7">
-            <a:extLst>
-              <a:ext uri="{FF2B5EF4-FFF2-40B4-BE49-F238E27FC236}">
-                <a16:creationId xmlns:a16="http://schemas.microsoft.com/office/drawing/2014/main" id="{78150E4D-41E2-32CB-F530-C198B3B9BFF3}"/>
+          <p:cNvPr id="6" name="Rectangle 5">
+            <a:extLst>
+              <a:ext uri="{FF2B5EF4-FFF2-40B4-BE49-F238E27FC236}">
+                <a16:creationId xmlns:a16="http://schemas.microsoft.com/office/drawing/2014/main" id="{AFAF2970-CA96-17D1-8749-E531B2CF501E}"/>
               </a:ext>
             </a:extLst>
           </p:cNvPr>
@@ -9694,8 +11842,825 @@
         </p:nvSpPr>
         <p:spPr>
           <a:xfrm>
-            <a:off x="10067277" y="466077"/>
+            <a:off x="8003120" y="463858"/>
             <a:ext cx="640672" cy="270770"/>
+          </a:xfrm>
+          <a:prstGeom prst="rect">
+            <a:avLst/>
+          </a:prstGeom>
+          <a:solidFill>
+            <a:schemeClr val="bg1"/>
+          </a:solidFill>
+        </p:spPr>
+        <p:style>
+          <a:lnRef idx="2">
+            <a:schemeClr val="accent1">
+              <a:shade val="15000"/>
+            </a:schemeClr>
+          </a:lnRef>
+          <a:fillRef idx="1">
+            <a:schemeClr val="accent1"/>
+          </a:fillRef>
+          <a:effectRef idx="0">
+            <a:schemeClr val="accent1"/>
+          </a:effectRef>
+          <a:fontRef idx="minor">
+            <a:schemeClr val="lt1"/>
+          </a:fontRef>
+        </p:style>
+        <p:txBody>
+          <a:bodyPr rtlCol="0" anchor="ctr"/>
+          <a:lstStyle/>
+          <a:p>
+            <a:pPr algn="ctr"/>
+            <a:r>
+              <a:rPr lang="fr-CH" sz="900" dirty="0">
+                <a:solidFill>
+                  <a:schemeClr val="tx1"/>
+                </a:solidFill>
+              </a:rPr>
+              <a:t>About</a:t>
+            </a:r>
+          </a:p>
+        </p:txBody>
+      </p:sp>
+      <p:sp>
+        <p:nvSpPr>
+          <p:cNvPr id="11" name="Rectangle 10">
+            <a:extLst>
+              <a:ext uri="{FF2B5EF4-FFF2-40B4-BE49-F238E27FC236}">
+                <a16:creationId xmlns:a16="http://schemas.microsoft.com/office/drawing/2014/main" id="{5BAD4359-DE27-A113-0862-598D805D1797}"/>
+              </a:ext>
+            </a:extLst>
+          </p:cNvPr>
+          <p:cNvSpPr/>
+          <p:nvPr/>
+        </p:nvSpPr>
+        <p:spPr>
+          <a:xfrm>
+            <a:off x="8707417" y="466077"/>
+            <a:ext cx="640672" cy="270770"/>
+          </a:xfrm>
+          <a:prstGeom prst="rect">
+            <a:avLst/>
+          </a:prstGeom>
+          <a:solidFill>
+            <a:schemeClr val="bg1"/>
+          </a:solidFill>
+          <a:ln>
+            <a:solidFill>
+              <a:srgbClr val="FF0000"/>
+            </a:solidFill>
+          </a:ln>
+        </p:spPr>
+        <p:style>
+          <a:lnRef idx="2">
+            <a:schemeClr val="accent1">
+              <a:shade val="15000"/>
+            </a:schemeClr>
+          </a:lnRef>
+          <a:fillRef idx="1">
+            <a:schemeClr val="accent1"/>
+          </a:fillRef>
+          <a:effectRef idx="0">
+            <a:schemeClr val="accent1"/>
+          </a:effectRef>
+          <a:fontRef idx="minor">
+            <a:schemeClr val="lt1"/>
+          </a:fontRef>
+        </p:style>
+        <p:txBody>
+          <a:bodyPr rtlCol="0" anchor="ctr"/>
+          <a:lstStyle/>
+          <a:p>
+            <a:pPr algn="ctr"/>
+            <a:r>
+              <a:rPr lang="fr-CH" sz="900" dirty="0">
+                <a:solidFill>
+                  <a:schemeClr val="tx1"/>
+                </a:solidFill>
+              </a:rPr>
+              <a:t>Lots</a:t>
+            </a:r>
+          </a:p>
+        </p:txBody>
+      </p:sp>
+      <p:sp>
+        <p:nvSpPr>
+          <p:cNvPr id="14" name="Rectangle 13">
+            <a:extLst>
+              <a:ext uri="{FF2B5EF4-FFF2-40B4-BE49-F238E27FC236}">
+                <a16:creationId xmlns:a16="http://schemas.microsoft.com/office/drawing/2014/main" id="{D657B4E9-F770-AC27-8315-4CFE6181942E}"/>
+              </a:ext>
+            </a:extLst>
+          </p:cNvPr>
+          <p:cNvSpPr/>
+          <p:nvPr/>
+        </p:nvSpPr>
+        <p:spPr>
+          <a:xfrm>
+            <a:off x="9411714" y="463858"/>
+            <a:ext cx="640672" cy="270770"/>
+          </a:xfrm>
+          <a:prstGeom prst="rect">
+            <a:avLst/>
+          </a:prstGeom>
+          <a:solidFill>
+            <a:schemeClr val="bg1"/>
+          </a:solidFill>
+        </p:spPr>
+        <p:style>
+          <a:lnRef idx="2">
+            <a:schemeClr val="accent1">
+              <a:shade val="15000"/>
+            </a:schemeClr>
+          </a:lnRef>
+          <a:fillRef idx="1">
+            <a:schemeClr val="accent1"/>
+          </a:fillRef>
+          <a:effectRef idx="0">
+            <a:schemeClr val="accent1"/>
+          </a:effectRef>
+          <a:fontRef idx="minor">
+            <a:schemeClr val="lt1"/>
+          </a:fontRef>
+        </p:style>
+        <p:txBody>
+          <a:bodyPr rtlCol="0" anchor="ctr"/>
+          <a:lstStyle/>
+          <a:p>
+            <a:pPr algn="ctr"/>
+            <a:r>
+              <a:rPr lang="fr-CH" sz="900" dirty="0">
+                <a:solidFill>
+                  <a:schemeClr val="tx1"/>
+                </a:solidFill>
+              </a:rPr>
+              <a:t>Ajout de lot</a:t>
+            </a:r>
+          </a:p>
+        </p:txBody>
+      </p:sp>
+      <p:sp>
+        <p:nvSpPr>
+          <p:cNvPr id="15" name="Rectangle 14">
+            <a:extLst>
+              <a:ext uri="{FF2B5EF4-FFF2-40B4-BE49-F238E27FC236}">
+                <a16:creationId xmlns:a16="http://schemas.microsoft.com/office/drawing/2014/main" id="{7BA55E10-6936-6715-97AF-B40A0DF208D5}"/>
+              </a:ext>
+            </a:extLst>
+          </p:cNvPr>
+          <p:cNvSpPr/>
+          <p:nvPr/>
+        </p:nvSpPr>
+        <p:spPr>
+          <a:xfrm>
+            <a:off x="10116499" y="463858"/>
+            <a:ext cx="640672" cy="270770"/>
+          </a:xfrm>
+          <a:prstGeom prst="rect">
+            <a:avLst/>
+          </a:prstGeom>
+          <a:solidFill>
+            <a:schemeClr val="bg1"/>
+          </a:solidFill>
+        </p:spPr>
+        <p:style>
+          <a:lnRef idx="2">
+            <a:schemeClr val="accent1">
+              <a:shade val="15000"/>
+            </a:schemeClr>
+          </a:lnRef>
+          <a:fillRef idx="1">
+            <a:schemeClr val="accent1"/>
+          </a:fillRef>
+          <a:effectRef idx="0">
+            <a:schemeClr val="accent1"/>
+          </a:effectRef>
+          <a:fontRef idx="minor">
+            <a:schemeClr val="lt1"/>
+          </a:fontRef>
+        </p:style>
+        <p:txBody>
+          <a:bodyPr rtlCol="0" anchor="ctr"/>
+          <a:lstStyle/>
+          <a:p>
+            <a:pPr algn="ctr"/>
+            <a:r>
+              <a:rPr lang="fr-CH" sz="900" dirty="0">
+                <a:solidFill>
+                  <a:schemeClr val="tx1"/>
+                </a:solidFill>
+              </a:rPr>
+              <a:t>Mon Compte</a:t>
+            </a:r>
+          </a:p>
+        </p:txBody>
+      </p:sp>
+      <p:sp>
+        <p:nvSpPr>
+          <p:cNvPr id="16" name="Rectangle 15">
+            <a:extLst>
+              <a:ext uri="{FF2B5EF4-FFF2-40B4-BE49-F238E27FC236}">
+                <a16:creationId xmlns:a16="http://schemas.microsoft.com/office/drawing/2014/main" id="{5A8917B3-5982-7073-145E-0FA5FC7A4EB9}"/>
+              </a:ext>
+            </a:extLst>
+          </p:cNvPr>
+          <p:cNvSpPr/>
+          <p:nvPr/>
+        </p:nvSpPr>
+        <p:spPr>
+          <a:xfrm>
+            <a:off x="10895860" y="455556"/>
+            <a:ext cx="1199570" cy="270770"/>
+          </a:xfrm>
+          <a:prstGeom prst="rect">
+            <a:avLst/>
+          </a:prstGeom>
+          <a:solidFill>
+            <a:schemeClr val="bg1"/>
+          </a:solidFill>
+        </p:spPr>
+        <p:style>
+          <a:lnRef idx="2">
+            <a:schemeClr val="accent1">
+              <a:shade val="15000"/>
+            </a:schemeClr>
+          </a:lnRef>
+          <a:fillRef idx="1">
+            <a:schemeClr val="accent1"/>
+          </a:fillRef>
+          <a:effectRef idx="0">
+            <a:schemeClr val="accent1"/>
+          </a:effectRef>
+          <a:fontRef idx="minor">
+            <a:schemeClr val="lt1"/>
+          </a:fontRef>
+        </p:style>
+        <p:txBody>
+          <a:bodyPr rtlCol="0" anchor="ctr"/>
+          <a:lstStyle/>
+          <a:p>
+            <a:pPr algn="ctr"/>
+            <a:r>
+              <a:rPr lang="fr-CH" sz="900" dirty="0">
+                <a:solidFill>
+                  <a:schemeClr val="tx1"/>
+                </a:solidFill>
+              </a:rPr>
+              <a:t>User [Solde]</a:t>
+            </a:r>
+          </a:p>
+        </p:txBody>
+      </p:sp>
+      <p:pic>
+        <p:nvPicPr>
+          <p:cNvPr id="18" name="Image 17">
+            <a:extLst>
+              <a:ext uri="{FF2B5EF4-FFF2-40B4-BE49-F238E27FC236}">
+                <a16:creationId xmlns:a16="http://schemas.microsoft.com/office/drawing/2014/main" id="{752F22A5-E28E-E365-ADDB-A0E41983FAB3}"/>
+              </a:ext>
+            </a:extLst>
+          </p:cNvPr>
+          <p:cNvPicPr>
+            <a:picLocks noChangeAspect="1"/>
+          </p:cNvPicPr>
+          <p:nvPr/>
+        </p:nvPicPr>
+        <p:blipFill>
+          <a:blip r:embed="rId3"/>
+          <a:stretch>
+            <a:fillRect/>
+          </a:stretch>
+        </p:blipFill>
+        <p:spPr>
+          <a:xfrm>
+            <a:off x="823866" y="1142259"/>
+            <a:ext cx="10339057" cy="637847"/>
+          </a:xfrm>
+          <a:prstGeom prst="rect">
+            <a:avLst/>
+          </a:prstGeom>
+        </p:spPr>
+      </p:pic>
+      <p:pic>
+        <p:nvPicPr>
+          <p:cNvPr id="20" name="Image 19">
+            <a:extLst>
+              <a:ext uri="{FF2B5EF4-FFF2-40B4-BE49-F238E27FC236}">
+                <a16:creationId xmlns:a16="http://schemas.microsoft.com/office/drawing/2014/main" id="{9B4B2537-72A0-903B-067F-9FF441453D46}"/>
+              </a:ext>
+            </a:extLst>
+          </p:cNvPr>
+          <p:cNvPicPr>
+            <a:picLocks noChangeAspect="1"/>
+          </p:cNvPicPr>
+          <p:nvPr/>
+        </p:nvPicPr>
+        <p:blipFill>
+          <a:blip r:embed="rId4"/>
+          <a:stretch>
+            <a:fillRect/>
+          </a:stretch>
+        </p:blipFill>
+        <p:spPr>
+          <a:xfrm>
+            <a:off x="4653009" y="6103728"/>
+            <a:ext cx="2376221" cy="640687"/>
+          </a:xfrm>
+          <a:prstGeom prst="rect">
+            <a:avLst/>
+          </a:prstGeom>
+        </p:spPr>
+      </p:pic>
+      <p:sp>
+        <p:nvSpPr>
+          <p:cNvPr id="21" name="Rectangle : coins arrondis 20">
+            <a:extLst>
+              <a:ext uri="{FF2B5EF4-FFF2-40B4-BE49-F238E27FC236}">
+                <a16:creationId xmlns:a16="http://schemas.microsoft.com/office/drawing/2014/main" id="{577E0794-E4DB-8118-8A91-2C87ACBFA610}"/>
+              </a:ext>
+            </a:extLst>
+          </p:cNvPr>
+          <p:cNvSpPr/>
+          <p:nvPr/>
+        </p:nvSpPr>
+        <p:spPr>
+          <a:xfrm>
+            <a:off x="1167897" y="2924269"/>
+            <a:ext cx="4553893" cy="823866"/>
+          </a:xfrm>
+          <a:prstGeom prst="roundRect">
+            <a:avLst/>
+          </a:prstGeom>
+          <a:solidFill>
+            <a:schemeClr val="bg1">
+              <a:lumMod val="95000"/>
+            </a:schemeClr>
+          </a:solidFill>
+        </p:spPr>
+        <p:style>
+          <a:lnRef idx="2">
+            <a:schemeClr val="accent1">
+              <a:shade val="15000"/>
+            </a:schemeClr>
+          </a:lnRef>
+          <a:fillRef idx="1">
+            <a:schemeClr val="accent1"/>
+          </a:fillRef>
+          <a:effectRef idx="0">
+            <a:schemeClr val="accent1"/>
+          </a:effectRef>
+          <a:fontRef idx="minor">
+            <a:schemeClr val="lt1"/>
+          </a:fontRef>
+        </p:style>
+        <p:txBody>
+          <a:bodyPr rtlCol="0" anchor="ctr"/>
+          <a:lstStyle/>
+          <a:p>
+            <a:pPr algn="ctr"/>
+            <a:r>
+              <a:rPr lang="fr-CH" dirty="0">
+                <a:solidFill>
+                  <a:schemeClr val="tx1"/>
+                </a:solidFill>
+              </a:rPr>
+              <a:t>Infos sur le lot</a:t>
+            </a:r>
+          </a:p>
+        </p:txBody>
+      </p:sp>
+      <p:sp>
+        <p:nvSpPr>
+          <p:cNvPr id="24" name="Rectangle : coins arrondis 23">
+            <a:extLst>
+              <a:ext uri="{FF2B5EF4-FFF2-40B4-BE49-F238E27FC236}">
+                <a16:creationId xmlns:a16="http://schemas.microsoft.com/office/drawing/2014/main" id="{94726BD9-7BFB-8759-A837-9DFE20122880}"/>
+              </a:ext>
+            </a:extLst>
+          </p:cNvPr>
+          <p:cNvSpPr/>
+          <p:nvPr/>
+        </p:nvSpPr>
+        <p:spPr>
+          <a:xfrm>
+            <a:off x="1167897" y="3811262"/>
+            <a:ext cx="4553893" cy="823866"/>
+          </a:xfrm>
+          <a:prstGeom prst="roundRect">
+            <a:avLst/>
+          </a:prstGeom>
+          <a:solidFill>
+            <a:schemeClr val="bg1">
+              <a:lumMod val="95000"/>
+            </a:schemeClr>
+          </a:solidFill>
+        </p:spPr>
+        <p:style>
+          <a:lnRef idx="2">
+            <a:schemeClr val="accent1">
+              <a:shade val="15000"/>
+            </a:schemeClr>
+          </a:lnRef>
+          <a:fillRef idx="1">
+            <a:schemeClr val="accent1"/>
+          </a:fillRef>
+          <a:effectRef idx="0">
+            <a:schemeClr val="accent1"/>
+          </a:effectRef>
+          <a:fontRef idx="minor">
+            <a:schemeClr val="lt1"/>
+          </a:fontRef>
+        </p:style>
+        <p:txBody>
+          <a:bodyPr rtlCol="0" anchor="ctr"/>
+          <a:lstStyle/>
+          <a:p>
+            <a:pPr algn="ctr"/>
+            <a:r>
+              <a:rPr lang="fr-CH" dirty="0">
+                <a:solidFill>
+                  <a:schemeClr val="tx1"/>
+                </a:solidFill>
+              </a:rPr>
+              <a:t>Infos sur le lot</a:t>
+            </a:r>
+          </a:p>
+        </p:txBody>
+      </p:sp>
+      <p:sp>
+        <p:nvSpPr>
+          <p:cNvPr id="25" name="Rectangle : coins arrondis 24">
+            <a:extLst>
+              <a:ext uri="{FF2B5EF4-FFF2-40B4-BE49-F238E27FC236}">
+                <a16:creationId xmlns:a16="http://schemas.microsoft.com/office/drawing/2014/main" id="{A6F959F8-8069-1114-F28E-9B32DF974E58}"/>
+              </a:ext>
+            </a:extLst>
+          </p:cNvPr>
+          <p:cNvSpPr/>
+          <p:nvPr/>
+        </p:nvSpPr>
+        <p:spPr>
+          <a:xfrm>
+            <a:off x="1176478" y="4705356"/>
+            <a:ext cx="4553893" cy="823866"/>
+          </a:xfrm>
+          <a:prstGeom prst="roundRect">
+            <a:avLst/>
+          </a:prstGeom>
+          <a:solidFill>
+            <a:schemeClr val="bg1">
+              <a:lumMod val="95000"/>
+            </a:schemeClr>
+          </a:solidFill>
+        </p:spPr>
+        <p:style>
+          <a:lnRef idx="2">
+            <a:schemeClr val="accent1">
+              <a:shade val="15000"/>
+            </a:schemeClr>
+          </a:lnRef>
+          <a:fillRef idx="1">
+            <a:schemeClr val="accent1"/>
+          </a:fillRef>
+          <a:effectRef idx="0">
+            <a:schemeClr val="accent1"/>
+          </a:effectRef>
+          <a:fontRef idx="minor">
+            <a:schemeClr val="lt1"/>
+          </a:fontRef>
+        </p:style>
+        <p:txBody>
+          <a:bodyPr rtlCol="0" anchor="ctr"/>
+          <a:lstStyle/>
+          <a:p>
+            <a:pPr algn="ctr"/>
+            <a:r>
+              <a:rPr lang="fr-CH" dirty="0">
+                <a:solidFill>
+                  <a:schemeClr val="tx1"/>
+                </a:solidFill>
+              </a:rPr>
+              <a:t>Infos sur le lot</a:t>
+            </a:r>
+          </a:p>
+        </p:txBody>
+      </p:sp>
+      <p:sp>
+        <p:nvSpPr>
+          <p:cNvPr id="26" name="Rectangle : coins arrondis 25">
+            <a:extLst>
+              <a:ext uri="{FF2B5EF4-FFF2-40B4-BE49-F238E27FC236}">
+                <a16:creationId xmlns:a16="http://schemas.microsoft.com/office/drawing/2014/main" id="{E043199A-39A8-AD29-DF88-5032B5C556EC}"/>
+              </a:ext>
+            </a:extLst>
+          </p:cNvPr>
+          <p:cNvSpPr/>
+          <p:nvPr/>
+        </p:nvSpPr>
+        <p:spPr>
+          <a:xfrm>
+            <a:off x="6333386" y="2919378"/>
+            <a:ext cx="4553893" cy="823866"/>
+          </a:xfrm>
+          <a:prstGeom prst="roundRect">
+            <a:avLst/>
+          </a:prstGeom>
+          <a:solidFill>
+            <a:schemeClr val="bg1">
+              <a:lumMod val="95000"/>
+            </a:schemeClr>
+          </a:solidFill>
+        </p:spPr>
+        <p:style>
+          <a:lnRef idx="2">
+            <a:schemeClr val="accent1">
+              <a:shade val="15000"/>
+            </a:schemeClr>
+          </a:lnRef>
+          <a:fillRef idx="1">
+            <a:schemeClr val="accent1"/>
+          </a:fillRef>
+          <a:effectRef idx="0">
+            <a:schemeClr val="accent1"/>
+          </a:effectRef>
+          <a:fontRef idx="minor">
+            <a:schemeClr val="lt1"/>
+          </a:fontRef>
+        </p:style>
+        <p:txBody>
+          <a:bodyPr rtlCol="0" anchor="ctr"/>
+          <a:lstStyle/>
+          <a:p>
+            <a:pPr algn="ctr"/>
+            <a:r>
+              <a:rPr lang="fr-CH" dirty="0">
+                <a:solidFill>
+                  <a:schemeClr val="tx1"/>
+                </a:solidFill>
+              </a:rPr>
+              <a:t>Infos sur le lot</a:t>
+            </a:r>
+          </a:p>
+        </p:txBody>
+      </p:sp>
+      <p:sp>
+        <p:nvSpPr>
+          <p:cNvPr id="33" name="Rectangle : coins arrondis 32">
+            <a:extLst>
+              <a:ext uri="{FF2B5EF4-FFF2-40B4-BE49-F238E27FC236}">
+                <a16:creationId xmlns:a16="http://schemas.microsoft.com/office/drawing/2014/main" id="{5A4D9013-55E4-92C0-FEA3-F6BD6C7610B7}"/>
+              </a:ext>
+            </a:extLst>
+          </p:cNvPr>
+          <p:cNvSpPr/>
+          <p:nvPr/>
+        </p:nvSpPr>
+        <p:spPr>
+          <a:xfrm>
+            <a:off x="6333386" y="3806371"/>
+            <a:ext cx="4553893" cy="823866"/>
+          </a:xfrm>
+          <a:prstGeom prst="roundRect">
+            <a:avLst/>
+          </a:prstGeom>
+          <a:solidFill>
+            <a:schemeClr val="bg1">
+              <a:lumMod val="95000"/>
+            </a:schemeClr>
+          </a:solidFill>
+        </p:spPr>
+        <p:style>
+          <a:lnRef idx="2">
+            <a:schemeClr val="accent1">
+              <a:shade val="15000"/>
+            </a:schemeClr>
+          </a:lnRef>
+          <a:fillRef idx="1">
+            <a:schemeClr val="accent1"/>
+          </a:fillRef>
+          <a:effectRef idx="0">
+            <a:schemeClr val="accent1"/>
+          </a:effectRef>
+          <a:fontRef idx="minor">
+            <a:schemeClr val="lt1"/>
+          </a:fontRef>
+        </p:style>
+        <p:txBody>
+          <a:bodyPr rtlCol="0" anchor="ctr"/>
+          <a:lstStyle/>
+          <a:p>
+            <a:pPr algn="ctr"/>
+            <a:r>
+              <a:rPr lang="fr-CH" dirty="0">
+                <a:solidFill>
+                  <a:schemeClr val="tx1"/>
+                </a:solidFill>
+              </a:rPr>
+              <a:t>Infos sur le lot</a:t>
+            </a:r>
+          </a:p>
+        </p:txBody>
+      </p:sp>
+      <p:sp>
+        <p:nvSpPr>
+          <p:cNvPr id="34" name="Rectangle : coins arrondis 33">
+            <a:extLst>
+              <a:ext uri="{FF2B5EF4-FFF2-40B4-BE49-F238E27FC236}">
+                <a16:creationId xmlns:a16="http://schemas.microsoft.com/office/drawing/2014/main" id="{D67A06BF-F4C5-1380-ACD8-43D5BB811151}"/>
+              </a:ext>
+            </a:extLst>
+          </p:cNvPr>
+          <p:cNvSpPr/>
+          <p:nvPr/>
+        </p:nvSpPr>
+        <p:spPr>
+          <a:xfrm>
+            <a:off x="6341967" y="4700465"/>
+            <a:ext cx="4553893" cy="823866"/>
+          </a:xfrm>
+          <a:prstGeom prst="roundRect">
+            <a:avLst/>
+          </a:prstGeom>
+          <a:solidFill>
+            <a:schemeClr val="bg1">
+              <a:lumMod val="95000"/>
+            </a:schemeClr>
+          </a:solidFill>
+        </p:spPr>
+        <p:style>
+          <a:lnRef idx="2">
+            <a:schemeClr val="accent1">
+              <a:shade val="15000"/>
+            </a:schemeClr>
+          </a:lnRef>
+          <a:fillRef idx="1">
+            <a:schemeClr val="accent1"/>
+          </a:fillRef>
+          <a:effectRef idx="0">
+            <a:schemeClr val="accent1"/>
+          </a:effectRef>
+          <a:fontRef idx="minor">
+            <a:schemeClr val="lt1"/>
+          </a:fontRef>
+        </p:style>
+        <p:txBody>
+          <a:bodyPr rtlCol="0" anchor="ctr"/>
+          <a:lstStyle/>
+          <a:p>
+            <a:pPr algn="ctr"/>
+            <a:r>
+              <a:rPr lang="fr-CH" dirty="0">
+                <a:solidFill>
+                  <a:schemeClr val="tx1"/>
+                </a:solidFill>
+              </a:rPr>
+              <a:t>Infos sur le lot</a:t>
+            </a:r>
+          </a:p>
+        </p:txBody>
+      </p:sp>
+    </p:spTree>
+    <p:extLst>
+      <p:ext uri="{BB962C8B-B14F-4D97-AF65-F5344CB8AC3E}">
+        <p14:creationId xmlns:p14="http://schemas.microsoft.com/office/powerpoint/2010/main" val="4178864355"/>
+      </p:ext>
+    </p:extLst>
+  </p:cSld>
+  <p:clrMapOvr>
+    <a:masterClrMapping/>
+  </p:clrMapOvr>
+</p:sld>
+</file>
+
+<file path=ppt/slides/slide9.xml><?xml version="1.0" encoding="utf-8"?>
+<p:sld xmlns:a="http://schemas.openxmlformats.org/drawingml/2006/main" xmlns:r="http://schemas.openxmlformats.org/officeDocument/2006/relationships" xmlns:p="http://schemas.openxmlformats.org/presentationml/2006/main">
+  <p:cSld>
+    <p:spTree>
+      <p:nvGrpSpPr>
+        <p:cNvPr id="1" name=""/>
+        <p:cNvGrpSpPr/>
+        <p:nvPr/>
+      </p:nvGrpSpPr>
+      <p:grpSpPr>
+        <a:xfrm>
+          <a:off x="0" y="0"/>
+          <a:ext cx="0" cy="0"/>
+          <a:chOff x="0" y="0"/>
+          <a:chExt cx="0" cy="0"/>
+        </a:xfrm>
+      </p:grpSpPr>
+      <p:sp>
+        <p:nvSpPr>
+          <p:cNvPr id="4" name="Rectangle 3">
+            <a:extLst>
+              <a:ext uri="{FF2B5EF4-FFF2-40B4-BE49-F238E27FC236}">
+                <a16:creationId xmlns:a16="http://schemas.microsoft.com/office/drawing/2014/main" id="{082F3F07-15FC-E21B-FCB1-53B641FA2A89}"/>
+              </a:ext>
+            </a:extLst>
+          </p:cNvPr>
+          <p:cNvSpPr/>
+          <p:nvPr/>
+        </p:nvSpPr>
+        <p:spPr>
+          <a:xfrm>
+            <a:off x="0" y="0"/>
+            <a:ext cx="12192000" cy="1056443"/>
+          </a:xfrm>
+          <a:prstGeom prst="rect">
+            <a:avLst/>
+          </a:prstGeom>
+          <a:noFill/>
+        </p:spPr>
+        <p:style>
+          <a:lnRef idx="2">
+            <a:schemeClr val="accent1">
+              <a:shade val="15000"/>
+            </a:schemeClr>
+          </a:lnRef>
+          <a:fillRef idx="1">
+            <a:schemeClr val="accent1"/>
+          </a:fillRef>
+          <a:effectRef idx="0">
+            <a:schemeClr val="accent1"/>
+          </a:effectRef>
+          <a:fontRef idx="minor">
+            <a:schemeClr val="lt1"/>
+          </a:fontRef>
+        </p:style>
+        <p:txBody>
+          <a:bodyPr rtlCol="0" anchor="ctr"/>
+          <a:lstStyle/>
+          <a:p>
+            <a:pPr algn="ctr"/>
+            <a:endParaRPr lang="fr-CH"/>
+          </a:p>
+        </p:txBody>
+      </p:sp>
+      <p:sp>
+        <p:nvSpPr>
+          <p:cNvPr id="13" name="Rectangle 12">
+            <a:extLst>
+              <a:ext uri="{FF2B5EF4-FFF2-40B4-BE49-F238E27FC236}">
+                <a16:creationId xmlns:a16="http://schemas.microsoft.com/office/drawing/2014/main" id="{7BB57464-606F-439C-3EE6-37956C925459}"/>
+              </a:ext>
+            </a:extLst>
+          </p:cNvPr>
+          <p:cNvSpPr/>
+          <p:nvPr/>
+        </p:nvSpPr>
+        <p:spPr>
+          <a:xfrm>
+            <a:off x="0" y="0"/>
+            <a:ext cx="12192000" cy="6858000"/>
+          </a:xfrm>
+          <a:prstGeom prst="rect">
+            <a:avLst/>
+          </a:prstGeom>
+          <a:noFill/>
+        </p:spPr>
+        <p:style>
+          <a:lnRef idx="2">
+            <a:schemeClr val="accent1">
+              <a:shade val="15000"/>
+            </a:schemeClr>
+          </a:lnRef>
+          <a:fillRef idx="1">
+            <a:schemeClr val="accent1"/>
+          </a:fillRef>
+          <a:effectRef idx="0">
+            <a:schemeClr val="accent1"/>
+          </a:effectRef>
+          <a:fontRef idx="minor">
+            <a:schemeClr val="lt1"/>
+          </a:fontRef>
+        </p:style>
+        <p:txBody>
+          <a:bodyPr rtlCol="0" anchor="ctr"/>
+          <a:lstStyle/>
+          <a:p>
+            <a:pPr algn="ctr"/>
+            <a:endParaRPr lang="fr-CH"/>
+          </a:p>
+        </p:txBody>
+      </p:sp>
+      <p:sp>
+        <p:nvSpPr>
+          <p:cNvPr id="2" name="Rectangle 1">
+            <a:extLst>
+              <a:ext uri="{FF2B5EF4-FFF2-40B4-BE49-F238E27FC236}">
+                <a16:creationId xmlns:a16="http://schemas.microsoft.com/office/drawing/2014/main" id="{6714AAF9-C0B7-840C-8A18-F26B30124605}"/>
+              </a:ext>
+            </a:extLst>
+          </p:cNvPr>
+          <p:cNvSpPr/>
+          <p:nvPr/>
+        </p:nvSpPr>
+        <p:spPr>
+          <a:xfrm>
+            <a:off x="3812958" y="1300579"/>
+            <a:ext cx="4003829" cy="337352"/>
           </a:xfrm>
           <a:prstGeom prst="rect">
             <a:avLst/>
@@ -9731,236 +12696,6 @@
           <a:p>
             <a:pPr algn="ctr"/>
             <a:r>
-              <a:rPr lang="fr-CH" sz="900" dirty="0">
-                <a:solidFill>
-                  <a:schemeClr val="tx1"/>
-                </a:solidFill>
-              </a:rPr>
-              <a:t>About</a:t>
-            </a:r>
-          </a:p>
-        </p:txBody>
-      </p:sp>
-      <p:sp>
-        <p:nvSpPr>
-          <p:cNvPr id="9" name="Rectangle 8">
-            <a:extLst>
-              <a:ext uri="{FF2B5EF4-FFF2-40B4-BE49-F238E27FC236}">
-                <a16:creationId xmlns:a16="http://schemas.microsoft.com/office/drawing/2014/main" id="{92BE5734-3289-3CD2-CC01-D1DC064F6AEE}"/>
-              </a:ext>
-            </a:extLst>
-          </p:cNvPr>
-          <p:cNvSpPr/>
-          <p:nvPr/>
-        </p:nvSpPr>
-        <p:spPr>
-          <a:xfrm>
-            <a:off x="10771574" y="468296"/>
-            <a:ext cx="640672" cy="270770"/>
-          </a:xfrm>
-          <a:prstGeom prst="rect">
-            <a:avLst/>
-          </a:prstGeom>
-          <a:solidFill>
-            <a:schemeClr val="bg1"/>
-          </a:solidFill>
-          <a:ln>
-            <a:solidFill>
-              <a:schemeClr val="tx1"/>
-            </a:solidFill>
-          </a:ln>
-        </p:spPr>
-        <p:style>
-          <a:lnRef idx="2">
-            <a:schemeClr val="accent1">
-              <a:shade val="15000"/>
-            </a:schemeClr>
-          </a:lnRef>
-          <a:fillRef idx="1">
-            <a:schemeClr val="accent1"/>
-          </a:fillRef>
-          <a:effectRef idx="0">
-            <a:schemeClr val="accent1"/>
-          </a:effectRef>
-          <a:fontRef idx="minor">
-            <a:schemeClr val="lt1"/>
-          </a:fontRef>
-        </p:style>
-        <p:txBody>
-          <a:bodyPr rtlCol="0" anchor="ctr"/>
-          <a:lstStyle/>
-          <a:p>
-            <a:pPr algn="ctr"/>
-            <a:r>
-              <a:rPr lang="fr-CH" sz="900" dirty="0">
-                <a:solidFill>
-                  <a:schemeClr val="tx1"/>
-                </a:solidFill>
-              </a:rPr>
-              <a:t>Lots</a:t>
-            </a:r>
-          </a:p>
-        </p:txBody>
-      </p:sp>
-      <p:sp>
-        <p:nvSpPr>
-          <p:cNvPr id="10" name="Rectangle 9">
-            <a:extLst>
-              <a:ext uri="{FF2B5EF4-FFF2-40B4-BE49-F238E27FC236}">
-                <a16:creationId xmlns:a16="http://schemas.microsoft.com/office/drawing/2014/main" id="{1FE9B45A-B754-CB2A-F302-FDECE6EEDED1}"/>
-              </a:ext>
-            </a:extLst>
-          </p:cNvPr>
-          <p:cNvSpPr/>
-          <p:nvPr/>
-        </p:nvSpPr>
-        <p:spPr>
-          <a:xfrm>
-            <a:off x="11475871" y="466077"/>
-            <a:ext cx="640672" cy="270770"/>
-          </a:xfrm>
-          <a:prstGeom prst="rect">
-            <a:avLst/>
-          </a:prstGeom>
-          <a:solidFill>
-            <a:schemeClr val="bg1"/>
-          </a:solidFill>
-          <a:ln>
-            <a:solidFill>
-              <a:srgbClr val="FF0000"/>
-            </a:solidFill>
-          </a:ln>
-        </p:spPr>
-        <p:style>
-          <a:lnRef idx="2">
-            <a:schemeClr val="accent1">
-              <a:shade val="15000"/>
-            </a:schemeClr>
-          </a:lnRef>
-          <a:fillRef idx="1">
-            <a:schemeClr val="accent1"/>
-          </a:fillRef>
-          <a:effectRef idx="0">
-            <a:schemeClr val="accent1"/>
-          </a:effectRef>
-          <a:fontRef idx="minor">
-            <a:schemeClr val="lt1"/>
-          </a:fontRef>
-        </p:style>
-        <p:txBody>
-          <a:bodyPr rtlCol="0" anchor="ctr"/>
-          <a:lstStyle/>
-          <a:p>
-            <a:pPr algn="ctr"/>
-            <a:r>
-              <a:rPr lang="fr-CH" sz="900" dirty="0">
-                <a:solidFill>
-                  <a:schemeClr val="tx1"/>
-                </a:solidFill>
-              </a:rPr>
-              <a:t>Ajout de lot</a:t>
-            </a:r>
-          </a:p>
-        </p:txBody>
-      </p:sp>
-      <p:sp>
-        <p:nvSpPr>
-          <p:cNvPr id="13" name="Rectangle 12">
-            <a:extLst>
-              <a:ext uri="{FF2B5EF4-FFF2-40B4-BE49-F238E27FC236}">
-                <a16:creationId xmlns:a16="http://schemas.microsoft.com/office/drawing/2014/main" id="{7BB57464-606F-439C-3EE6-37956C925459}"/>
-              </a:ext>
-            </a:extLst>
-          </p:cNvPr>
-          <p:cNvSpPr/>
-          <p:nvPr/>
-        </p:nvSpPr>
-        <p:spPr>
-          <a:xfrm>
-            <a:off x="0" y="0"/>
-            <a:ext cx="12192000" cy="6858000"/>
-          </a:xfrm>
-          <a:prstGeom prst="rect">
-            <a:avLst/>
-          </a:prstGeom>
-          <a:noFill/>
-        </p:spPr>
-        <p:style>
-          <a:lnRef idx="2">
-            <a:schemeClr val="accent1">
-              <a:shade val="15000"/>
-            </a:schemeClr>
-          </a:lnRef>
-          <a:fillRef idx="1">
-            <a:schemeClr val="accent1"/>
-          </a:fillRef>
-          <a:effectRef idx="0">
-            <a:schemeClr val="accent1"/>
-          </a:effectRef>
-          <a:fontRef idx="minor">
-            <a:schemeClr val="lt1"/>
-          </a:fontRef>
-        </p:style>
-        <p:txBody>
-          <a:bodyPr rtlCol="0" anchor="ctr"/>
-          <a:lstStyle/>
-          <a:p>
-            <a:pPr algn="ctr"/>
-            <a:endParaRPr lang="fr-CH"/>
-          </a:p>
-        </p:txBody>
-      </p:sp>
-      <p:sp>
-        <p:nvSpPr>
-          <p:cNvPr id="2" name="Rectangle 1">
-            <a:extLst>
-              <a:ext uri="{FF2B5EF4-FFF2-40B4-BE49-F238E27FC236}">
-                <a16:creationId xmlns:a16="http://schemas.microsoft.com/office/drawing/2014/main" id="{6714AAF9-C0B7-840C-8A18-F26B30124605}"/>
-              </a:ext>
-            </a:extLst>
-          </p:cNvPr>
-          <p:cNvSpPr/>
-          <p:nvPr/>
-        </p:nvSpPr>
-        <p:spPr>
-          <a:xfrm>
-            <a:off x="3812958" y="1300579"/>
-            <a:ext cx="4003829" cy="337352"/>
-          </a:xfrm>
-          <a:prstGeom prst="rect">
-            <a:avLst/>
-          </a:prstGeom>
-          <a:solidFill>
-            <a:schemeClr val="bg1"/>
-          </a:solidFill>
-          <a:ln>
-            <a:solidFill>
-              <a:schemeClr val="tx2"/>
-            </a:solidFill>
-          </a:ln>
-        </p:spPr>
-        <p:style>
-          <a:lnRef idx="2">
-            <a:schemeClr val="accent1">
-              <a:shade val="15000"/>
-            </a:schemeClr>
-          </a:lnRef>
-          <a:fillRef idx="1">
-            <a:schemeClr val="accent1"/>
-          </a:fillRef>
-          <a:effectRef idx="0">
-            <a:schemeClr val="accent1"/>
-          </a:effectRef>
-          <a:fontRef idx="minor">
-            <a:schemeClr val="lt1"/>
-          </a:fontRef>
-        </p:style>
-        <p:txBody>
-          <a:bodyPr rtlCol="0" anchor="ctr"/>
-          <a:lstStyle/>
-          <a:p>
-            <a:pPr algn="ctr"/>
-            <a:r>
               <a:rPr lang="fr-CH" dirty="0">
                 <a:solidFill>
                   <a:schemeClr val="tx1"/>
@@ -10372,8 +13107,8 @@
         </p:nvSpPr>
         <p:spPr>
           <a:xfrm>
-            <a:off x="6973411" y="5831120"/>
-            <a:ext cx="976544" cy="381740"/>
+            <a:off x="3812958" y="5831120"/>
+            <a:ext cx="4136997" cy="381740"/>
           </a:xfrm>
           <a:prstGeom prst="roundRect">
             <a:avLst/>
@@ -10613,6 +13348,352 @@
           </a:prstGeom>
         </p:spPr>
       </p:pic>
+      <p:sp>
+        <p:nvSpPr>
+          <p:cNvPr id="5" name="Rectangle 4">
+            <a:extLst>
+              <a:ext uri="{FF2B5EF4-FFF2-40B4-BE49-F238E27FC236}">
+                <a16:creationId xmlns:a16="http://schemas.microsoft.com/office/drawing/2014/main" id="{311D569F-CDA5-DAB3-9C86-F4A1F2BB5C95}"/>
+              </a:ext>
+            </a:extLst>
+          </p:cNvPr>
+          <p:cNvSpPr/>
+          <p:nvPr/>
+        </p:nvSpPr>
+        <p:spPr>
+          <a:xfrm>
+            <a:off x="7291428" y="466077"/>
+            <a:ext cx="640672" cy="270770"/>
+          </a:xfrm>
+          <a:prstGeom prst="rect">
+            <a:avLst/>
+          </a:prstGeom>
+          <a:solidFill>
+            <a:schemeClr val="bg1"/>
+          </a:solidFill>
+          <a:ln>
+            <a:solidFill>
+              <a:schemeClr val="tx1"/>
+            </a:solidFill>
+          </a:ln>
+        </p:spPr>
+        <p:style>
+          <a:lnRef idx="2">
+            <a:schemeClr val="accent1">
+              <a:shade val="15000"/>
+            </a:schemeClr>
+          </a:lnRef>
+          <a:fillRef idx="1">
+            <a:schemeClr val="accent1"/>
+          </a:fillRef>
+          <a:effectRef idx="0">
+            <a:schemeClr val="accent1"/>
+          </a:effectRef>
+          <a:fontRef idx="minor">
+            <a:schemeClr val="lt1"/>
+          </a:fontRef>
+        </p:style>
+        <p:txBody>
+          <a:bodyPr rtlCol="0" anchor="ctr"/>
+          <a:lstStyle/>
+          <a:p>
+            <a:pPr algn="ctr"/>
+            <a:r>
+              <a:rPr lang="fr-CH" sz="900" dirty="0">
+                <a:solidFill>
+                  <a:schemeClr val="tx1"/>
+                </a:solidFill>
+              </a:rPr>
+              <a:t>Home</a:t>
+            </a:r>
+          </a:p>
+        </p:txBody>
+      </p:sp>
+      <p:sp>
+        <p:nvSpPr>
+          <p:cNvPr id="6" name="Rectangle 5">
+            <a:extLst>
+              <a:ext uri="{FF2B5EF4-FFF2-40B4-BE49-F238E27FC236}">
+                <a16:creationId xmlns:a16="http://schemas.microsoft.com/office/drawing/2014/main" id="{250D1648-52A1-5D42-D690-9C2B256C461B}"/>
+              </a:ext>
+            </a:extLst>
+          </p:cNvPr>
+          <p:cNvSpPr/>
+          <p:nvPr/>
+        </p:nvSpPr>
+        <p:spPr>
+          <a:xfrm>
+            <a:off x="8003120" y="463858"/>
+            <a:ext cx="640672" cy="270770"/>
+          </a:xfrm>
+          <a:prstGeom prst="rect">
+            <a:avLst/>
+          </a:prstGeom>
+          <a:solidFill>
+            <a:schemeClr val="bg1"/>
+          </a:solidFill>
+        </p:spPr>
+        <p:style>
+          <a:lnRef idx="2">
+            <a:schemeClr val="accent1">
+              <a:shade val="15000"/>
+            </a:schemeClr>
+          </a:lnRef>
+          <a:fillRef idx="1">
+            <a:schemeClr val="accent1"/>
+          </a:fillRef>
+          <a:effectRef idx="0">
+            <a:schemeClr val="accent1"/>
+          </a:effectRef>
+          <a:fontRef idx="minor">
+            <a:schemeClr val="lt1"/>
+          </a:fontRef>
+        </p:style>
+        <p:txBody>
+          <a:bodyPr rtlCol="0" anchor="ctr"/>
+          <a:lstStyle/>
+          <a:p>
+            <a:pPr algn="ctr"/>
+            <a:r>
+              <a:rPr lang="fr-CH" sz="900" dirty="0">
+                <a:solidFill>
+                  <a:schemeClr val="tx1"/>
+                </a:solidFill>
+              </a:rPr>
+              <a:t>About</a:t>
+            </a:r>
+          </a:p>
+        </p:txBody>
+      </p:sp>
+      <p:sp>
+        <p:nvSpPr>
+          <p:cNvPr id="17" name="Rectangle 16">
+            <a:extLst>
+              <a:ext uri="{FF2B5EF4-FFF2-40B4-BE49-F238E27FC236}">
+                <a16:creationId xmlns:a16="http://schemas.microsoft.com/office/drawing/2014/main" id="{F28572FA-38CA-7379-4DD3-B0BFE446E3FE}"/>
+              </a:ext>
+            </a:extLst>
+          </p:cNvPr>
+          <p:cNvSpPr/>
+          <p:nvPr/>
+        </p:nvSpPr>
+        <p:spPr>
+          <a:xfrm>
+            <a:off x="8707417" y="466077"/>
+            <a:ext cx="640672" cy="270770"/>
+          </a:xfrm>
+          <a:prstGeom prst="rect">
+            <a:avLst/>
+          </a:prstGeom>
+          <a:solidFill>
+            <a:schemeClr val="bg1"/>
+          </a:solidFill>
+        </p:spPr>
+        <p:style>
+          <a:lnRef idx="2">
+            <a:schemeClr val="accent1">
+              <a:shade val="15000"/>
+            </a:schemeClr>
+          </a:lnRef>
+          <a:fillRef idx="1">
+            <a:schemeClr val="accent1"/>
+          </a:fillRef>
+          <a:effectRef idx="0">
+            <a:schemeClr val="accent1"/>
+          </a:effectRef>
+          <a:fontRef idx="minor">
+            <a:schemeClr val="lt1"/>
+          </a:fontRef>
+        </p:style>
+        <p:txBody>
+          <a:bodyPr rtlCol="0" anchor="ctr"/>
+          <a:lstStyle/>
+          <a:p>
+            <a:pPr algn="ctr"/>
+            <a:r>
+              <a:rPr lang="fr-CH" sz="900" dirty="0">
+                <a:solidFill>
+                  <a:schemeClr val="tx1"/>
+                </a:solidFill>
+              </a:rPr>
+              <a:t>Lots</a:t>
+            </a:r>
+          </a:p>
+        </p:txBody>
+      </p:sp>
+      <p:sp>
+        <p:nvSpPr>
+          <p:cNvPr id="18" name="Rectangle 17">
+            <a:extLst>
+              <a:ext uri="{FF2B5EF4-FFF2-40B4-BE49-F238E27FC236}">
+                <a16:creationId xmlns:a16="http://schemas.microsoft.com/office/drawing/2014/main" id="{19E57299-4060-0CAE-D6DC-3623EB23B5C4}"/>
+              </a:ext>
+            </a:extLst>
+          </p:cNvPr>
+          <p:cNvSpPr/>
+          <p:nvPr/>
+        </p:nvSpPr>
+        <p:spPr>
+          <a:xfrm>
+            <a:off x="9411714" y="463858"/>
+            <a:ext cx="640672" cy="270770"/>
+          </a:xfrm>
+          <a:prstGeom prst="rect">
+            <a:avLst/>
+          </a:prstGeom>
+          <a:solidFill>
+            <a:schemeClr val="bg1"/>
+          </a:solidFill>
+          <a:ln>
+            <a:solidFill>
+              <a:srgbClr val="FF0000"/>
+            </a:solidFill>
+          </a:ln>
+        </p:spPr>
+        <p:style>
+          <a:lnRef idx="2">
+            <a:schemeClr val="accent1">
+              <a:shade val="15000"/>
+            </a:schemeClr>
+          </a:lnRef>
+          <a:fillRef idx="1">
+            <a:schemeClr val="accent1"/>
+          </a:fillRef>
+          <a:effectRef idx="0">
+            <a:schemeClr val="accent1"/>
+          </a:effectRef>
+          <a:fontRef idx="minor">
+            <a:schemeClr val="lt1"/>
+          </a:fontRef>
+        </p:style>
+        <p:txBody>
+          <a:bodyPr rtlCol="0" anchor="ctr"/>
+          <a:lstStyle/>
+          <a:p>
+            <a:pPr algn="ctr"/>
+            <a:r>
+              <a:rPr lang="fr-CH" sz="900" dirty="0">
+                <a:solidFill>
+                  <a:schemeClr val="tx1"/>
+                </a:solidFill>
+              </a:rPr>
+              <a:t>Ajout de lot</a:t>
+            </a:r>
+          </a:p>
+        </p:txBody>
+      </p:sp>
+      <p:sp>
+        <p:nvSpPr>
+          <p:cNvPr id="19" name="Rectangle 18">
+            <a:extLst>
+              <a:ext uri="{FF2B5EF4-FFF2-40B4-BE49-F238E27FC236}">
+                <a16:creationId xmlns:a16="http://schemas.microsoft.com/office/drawing/2014/main" id="{B0FABAD7-6931-A815-8913-9E286A298854}"/>
+              </a:ext>
+            </a:extLst>
+          </p:cNvPr>
+          <p:cNvSpPr/>
+          <p:nvPr/>
+        </p:nvSpPr>
+        <p:spPr>
+          <a:xfrm>
+            <a:off x="10116499" y="463858"/>
+            <a:ext cx="640672" cy="270770"/>
+          </a:xfrm>
+          <a:prstGeom prst="rect">
+            <a:avLst/>
+          </a:prstGeom>
+          <a:solidFill>
+            <a:schemeClr val="bg1"/>
+          </a:solidFill>
+        </p:spPr>
+        <p:style>
+          <a:lnRef idx="2">
+            <a:schemeClr val="accent1">
+              <a:shade val="15000"/>
+            </a:schemeClr>
+          </a:lnRef>
+          <a:fillRef idx="1">
+            <a:schemeClr val="accent1"/>
+          </a:fillRef>
+          <a:effectRef idx="0">
+            <a:schemeClr val="accent1"/>
+          </a:effectRef>
+          <a:fontRef idx="minor">
+            <a:schemeClr val="lt1"/>
+          </a:fontRef>
+        </p:style>
+        <p:txBody>
+          <a:bodyPr rtlCol="0" anchor="ctr"/>
+          <a:lstStyle/>
+          <a:p>
+            <a:pPr algn="ctr"/>
+            <a:r>
+              <a:rPr lang="fr-CH" sz="900" dirty="0">
+                <a:solidFill>
+                  <a:schemeClr val="tx1"/>
+                </a:solidFill>
+              </a:rPr>
+              <a:t>Mon Compte</a:t>
+            </a:r>
+          </a:p>
+        </p:txBody>
+      </p:sp>
+      <p:sp>
+        <p:nvSpPr>
+          <p:cNvPr id="20" name="Rectangle 19">
+            <a:extLst>
+              <a:ext uri="{FF2B5EF4-FFF2-40B4-BE49-F238E27FC236}">
+                <a16:creationId xmlns:a16="http://schemas.microsoft.com/office/drawing/2014/main" id="{A46EA29D-8676-D291-C159-77EBEAC587FB}"/>
+              </a:ext>
+            </a:extLst>
+          </p:cNvPr>
+          <p:cNvSpPr/>
+          <p:nvPr/>
+        </p:nvSpPr>
+        <p:spPr>
+          <a:xfrm>
+            <a:off x="10895860" y="455556"/>
+            <a:ext cx="1199570" cy="270770"/>
+          </a:xfrm>
+          <a:prstGeom prst="rect">
+            <a:avLst/>
+          </a:prstGeom>
+          <a:solidFill>
+            <a:schemeClr val="bg1"/>
+          </a:solidFill>
+        </p:spPr>
+        <p:style>
+          <a:lnRef idx="2">
+            <a:schemeClr val="accent1">
+              <a:shade val="15000"/>
+            </a:schemeClr>
+          </a:lnRef>
+          <a:fillRef idx="1">
+            <a:schemeClr val="accent1"/>
+          </a:fillRef>
+          <a:effectRef idx="0">
+            <a:schemeClr val="accent1"/>
+          </a:effectRef>
+          <a:fontRef idx="minor">
+            <a:schemeClr val="lt1"/>
+          </a:fontRef>
+        </p:style>
+        <p:txBody>
+          <a:bodyPr rtlCol="0" anchor="ctr"/>
+          <a:lstStyle/>
+          <a:p>
+            <a:pPr algn="ctr"/>
+            <a:r>
+              <a:rPr lang="fr-CH" sz="900" dirty="0">
+                <a:solidFill>
+                  <a:schemeClr val="tx1"/>
+                </a:solidFill>
+              </a:rPr>
+              <a:t>User [Solde]</a:t>
+            </a:r>
+          </a:p>
+        </p:txBody>
+      </p:sp>
     </p:spTree>
     <p:extLst>
       <p:ext uri="{BB962C8B-B14F-4D97-AF65-F5344CB8AC3E}">
